--- a/Etourism1.pptx
+++ b/Etourism1.pptx
@@ -242,7 +242,7 @@
           <a:p>
             <a:fld id="{779DA85F-0A5D-44BC-A778-7E53C4BE819F}" type="datetimeFigureOut">
               <a:rPr lang="de-DE" smtClean="0"/>
-              <a:t>03.07.2020</a:t>
+              <a:t>04.07.2020</a:t>
             </a:fld>
             <a:endParaRPr lang="de-DE"/>
           </a:p>
@@ -1198,7 +1198,7 @@
           <a:p>
             <a:fld id="{747AD4B5-FC03-4B96-9D37-2241FB654AEA}" type="datetime1">
               <a:rPr lang="de-DE" smtClean="0"/>
-              <a:t>03.07.2020</a:t>
+              <a:t>04.07.2020</a:t>
             </a:fld>
             <a:endParaRPr lang="de-DE"/>
           </a:p>
@@ -1638,7 +1638,7 @@
           <a:p>
             <a:fld id="{080BC858-A114-46EE-8080-C23787978AAE}" type="datetime1">
               <a:rPr lang="de-DE" smtClean="0"/>
-              <a:t>03.07.2020</a:t>
+              <a:t>04.07.2020</a:t>
             </a:fld>
             <a:endParaRPr lang="de-DE"/>
           </a:p>
@@ -1889,7 +1889,7 @@
           <a:p>
             <a:fld id="{636D0561-ED05-49EC-A01E-3ADAC0822FC6}" type="datetime1">
               <a:rPr lang="de-DE" smtClean="0"/>
-              <a:t>03.07.2020</a:t>
+              <a:t>04.07.2020</a:t>
             </a:fld>
             <a:endParaRPr lang="de-DE"/>
           </a:p>
@@ -2201,7 +2201,7 @@
           <a:p>
             <a:fld id="{0F6EA4B7-6DDC-40A5-8BEB-698907B28A60}" type="datetime1">
               <a:rPr lang="de-DE" smtClean="0"/>
-              <a:t>03.07.2020</a:t>
+              <a:t>04.07.2020</a:t>
             </a:fld>
             <a:endParaRPr lang="de-DE"/>
           </a:p>
@@ -2522,7 +2522,7 @@
           <a:p>
             <a:fld id="{432EE7EB-5D97-4FC1-931B-37192B343EBB}" type="datetime1">
               <a:rPr lang="de-DE" smtClean="0"/>
-              <a:t>03.07.2020</a:t>
+              <a:t>04.07.2020</a:t>
             </a:fld>
             <a:endParaRPr lang="de-DE"/>
           </a:p>
@@ -2827,7 +2827,7 @@
           <a:p>
             <a:fld id="{FAB9B33F-01F8-43CB-8E98-E03A0FBFF054}" type="datetime1">
               <a:rPr lang="de-DE" smtClean="0"/>
-              <a:t>03.07.2020</a:t>
+              <a:t>04.07.2020</a:t>
             </a:fld>
             <a:endParaRPr lang="de-DE"/>
           </a:p>
@@ -3197,7 +3197,7 @@
           <a:p>
             <a:fld id="{97C8DADB-1BD1-490A-8AB6-B0996AFFEDA2}" type="datetime1">
               <a:rPr lang="de-DE" smtClean="0"/>
-              <a:t>03.07.2020</a:t>
+              <a:t>04.07.2020</a:t>
             </a:fld>
             <a:endParaRPr lang="de-DE"/>
           </a:p>
@@ -3374,7 +3374,7 @@
           <a:p>
             <a:fld id="{7D6CE794-7D88-4C3D-BA67-16BAFF44C1AD}" type="datetime1">
               <a:rPr lang="de-DE" smtClean="0"/>
-              <a:t>03.07.2020</a:t>
+              <a:t>04.07.2020</a:t>
             </a:fld>
             <a:endParaRPr lang="de-DE"/>
           </a:p>
@@ -3557,7 +3557,7 @@
           <a:p>
             <a:fld id="{AFA947B7-B2F2-4805-BF39-C472F6133B40}" type="datetime1">
               <a:rPr lang="de-DE" smtClean="0"/>
-              <a:t>03.07.2020</a:t>
+              <a:t>04.07.2020</a:t>
             </a:fld>
             <a:endParaRPr lang="de-DE"/>
           </a:p>
@@ -3766,7 +3766,7 @@
           <a:p>
             <a:fld id="{226F00DF-9212-4C10-8189-B5291B3584C1}" type="datetime1">
               <a:rPr lang="de-DE" smtClean="0"/>
-              <a:t>03.07.2020</a:t>
+              <a:t>04.07.2020</a:t>
             </a:fld>
             <a:endParaRPr lang="de-DE"/>
           </a:p>
@@ -4017,7 +4017,7 @@
           <a:p>
             <a:fld id="{69111DB7-5FFD-487B-9233-F98D6E71071D}" type="datetime1">
               <a:rPr lang="de-DE" smtClean="0"/>
-              <a:t>03.07.2020</a:t>
+              <a:t>04.07.2020</a:t>
             </a:fld>
             <a:endParaRPr lang="de-DE"/>
           </a:p>
@@ -4256,7 +4256,7 @@
           <a:p>
             <a:fld id="{AADC4C95-1055-4441-B122-EAC0313686F2}" type="datetime1">
               <a:rPr lang="de-DE" smtClean="0"/>
-              <a:t>03.07.2020</a:t>
+              <a:t>04.07.2020</a:t>
             </a:fld>
             <a:endParaRPr lang="de-DE"/>
           </a:p>
@@ -4641,7 +4641,7 @@
           <a:p>
             <a:fld id="{F8941516-F456-460E-846D-F9341CEDD81D}" type="datetime1">
               <a:rPr lang="de-DE" smtClean="0"/>
-              <a:t>03.07.2020</a:t>
+              <a:t>04.07.2020</a:t>
             </a:fld>
             <a:endParaRPr lang="de-DE"/>
           </a:p>
@@ -4762,7 +4762,7 @@
           <a:p>
             <a:fld id="{867E6EB3-C457-4011-9591-7416EBA37EDD}" type="datetime1">
               <a:rPr lang="de-DE" smtClean="0"/>
-              <a:t>03.07.2020</a:t>
+              <a:t>04.07.2020</a:t>
             </a:fld>
             <a:endParaRPr lang="de-DE"/>
           </a:p>
@@ -4860,7 +4860,7 @@
           <a:p>
             <a:fld id="{F6DDB215-D984-4802-9EC0-C968E2E5F781}" type="datetime1">
               <a:rPr lang="de-DE" smtClean="0"/>
-              <a:t>03.07.2020</a:t>
+              <a:t>04.07.2020</a:t>
             </a:fld>
             <a:endParaRPr lang="de-DE"/>
           </a:p>
@@ -5118,7 +5118,7 @@
           <a:p>
             <a:fld id="{12D1AE5A-A783-4807-A0C0-0B4AF47D9B61}" type="datetime1">
               <a:rPr lang="de-DE" smtClean="0"/>
-              <a:t>03.07.2020</a:t>
+              <a:t>04.07.2020</a:t>
             </a:fld>
             <a:endParaRPr lang="de-DE"/>
           </a:p>
@@ -5414,7 +5414,7 @@
           <a:p>
             <a:fld id="{FC1BE190-A6F7-4B0E-8A97-3C4D64A5A8A6}" type="datetime1">
               <a:rPr lang="de-DE" smtClean="0"/>
-              <a:t>03.07.2020</a:t>
+              <a:t>04.07.2020</a:t>
             </a:fld>
             <a:endParaRPr lang="de-DE"/>
           </a:p>
@@ -5821,7 +5821,7 @@
           <a:p>
             <a:fld id="{DD7EEA60-F3D7-4624-8CFC-BBD08773B304}" type="datetime1">
               <a:rPr lang="de-DE" smtClean="0"/>
-              <a:t>03.07.2020</a:t>
+              <a:t>04.07.2020</a:t>
             </a:fld>
             <a:endParaRPr lang="de-DE" dirty="0"/>
           </a:p>
@@ -9146,7 +9146,58 @@
           <a:bodyPr/>
           <a:lstStyle/>
           <a:p>
-            <a:endParaRPr lang="de-DE" dirty="0"/>
+            <a:r>
+              <a:rPr lang="de-DE" dirty="0"/>
+              <a:t>Storys und Live-Bilder sorgen für erhöhte Aufmerksamkeit auf Seiten des Kunden</a:t>
+            </a:r>
+          </a:p>
+          <a:p>
+            <a:r>
+              <a:rPr lang="de-DE" dirty="0"/>
+              <a:t>Werbeplattform für die Tourismusbranche</a:t>
+            </a:r>
+          </a:p>
+          <a:p>
+            <a:r>
+              <a:rPr lang="de-DE" dirty="0"/>
+              <a:t>2015 wurde in einer Umfrage Ferienhaus-Urlaubsanalyse ermittelt, dass unter 32,4 Prozent der Umfrageteilnehmer geteilte Inhalte auf </a:t>
+            </a:r>
+            <a:r>
+              <a:rPr lang="de-DE" dirty="0" err="1"/>
+              <a:t>Social</a:t>
+            </a:r>
+            <a:r>
+              <a:rPr lang="de-DE" dirty="0"/>
+              <a:t> Media </a:t>
+            </a:r>
+            <a:r>
+              <a:rPr lang="de-DE" dirty="0" err="1"/>
+              <a:t>Platformen</a:t>
+            </a:r>
+            <a:r>
+              <a:rPr lang="de-DE" dirty="0"/>
+              <a:t> zur Wahl des Reiseziels geführt haben</a:t>
+            </a:r>
+          </a:p>
+          <a:p>
+            <a:r>
+              <a:rPr lang="de-DE" dirty="0"/>
+              <a:t>Andere an eigenen Erlebnissen teilhaben lassen</a:t>
+            </a:r>
+          </a:p>
+          <a:p>
+            <a:r>
+              <a:rPr lang="de-DE" dirty="0"/>
+              <a:t>Dadurch neue </a:t>
+            </a:r>
+            <a:r>
+              <a:rPr lang="de-DE" dirty="0" err="1"/>
+              <a:t>ideen</a:t>
+            </a:r>
+            <a:r>
+              <a:rPr lang="de-DE" dirty="0"/>
+              <a:t> für die eigene Urlaubsplanung</a:t>
+            </a:r>
           </a:p>
         </p:txBody>
       </p:sp>
@@ -9208,6 +9259,78 @@
           </a:p>
         </p:txBody>
       </p:sp>
+      <p:pic>
+        <p:nvPicPr>
+          <p:cNvPr id="7" name="Grafik 6" descr="Ein Bild, das Zeichnung enthält.&#10;&#10;Automatisch generierte Beschreibung">
+            <a:extLst>
+              <a:ext uri="{FF2B5EF4-FFF2-40B4-BE49-F238E27FC236}">
+                <a16:creationId xmlns:a16="http://schemas.microsoft.com/office/drawing/2014/main" id="{E0D10594-9187-421B-BD14-910C4580A1A2}"/>
+              </a:ext>
+            </a:extLst>
+          </p:cNvPr>
+          <p:cNvPicPr>
+            <a:picLocks noChangeAspect="1"/>
+          </p:cNvPicPr>
+          <p:nvPr/>
+        </p:nvPicPr>
+        <p:blipFill>
+          <a:blip r:embed="rId2">
+            <a:extLst>
+              <a:ext uri="{28A0092B-C50C-407E-A947-70E740481C1C}">
+                <a14:useLocalDpi xmlns:a14="http://schemas.microsoft.com/office/drawing/2010/main" val="0"/>
+              </a:ext>
+            </a:extLst>
+          </a:blip>
+          <a:stretch>
+            <a:fillRect/>
+          </a:stretch>
+        </p:blipFill>
+        <p:spPr>
+          <a:xfrm>
+            <a:off x="6096000" y="1185046"/>
+            <a:ext cx="1089032" cy="1089032"/>
+          </a:xfrm>
+          <a:prstGeom prst="rect">
+            <a:avLst/>
+          </a:prstGeom>
+        </p:spPr>
+      </p:pic>
+      <p:pic>
+        <p:nvPicPr>
+          <p:cNvPr id="9" name="Grafik 8" descr="Ein Bild, das Zeichnung enthält.&#10;&#10;Automatisch generierte Beschreibung">
+            <a:extLst>
+              <a:ext uri="{FF2B5EF4-FFF2-40B4-BE49-F238E27FC236}">
+                <a16:creationId xmlns:a16="http://schemas.microsoft.com/office/drawing/2014/main" id="{65AFA8A5-2E85-452A-BE62-9839562CD7B9}"/>
+              </a:ext>
+            </a:extLst>
+          </p:cNvPr>
+          <p:cNvPicPr>
+            <a:picLocks noChangeAspect="1"/>
+          </p:cNvPicPr>
+          <p:nvPr/>
+        </p:nvPicPr>
+        <p:blipFill>
+          <a:blip r:embed="rId3">
+            <a:extLst>
+              <a:ext uri="{28A0092B-C50C-407E-A947-70E740481C1C}">
+                <a14:useLocalDpi xmlns:a14="http://schemas.microsoft.com/office/drawing/2010/main" val="0"/>
+              </a:ext>
+            </a:extLst>
+          </a:blip>
+          <a:stretch>
+            <a:fillRect/>
+          </a:stretch>
+        </p:blipFill>
+        <p:spPr>
+          <a:xfrm>
+            <a:off x="7516901" y="1185046"/>
+            <a:ext cx="1089033" cy="1089033"/>
+          </a:xfrm>
+          <a:prstGeom prst="rect">
+            <a:avLst/>
+          </a:prstGeom>
+        </p:spPr>
+      </p:pic>
     </p:spTree>
     <p:extLst>
       <p:ext uri="{BB962C8B-B14F-4D97-AF65-F5344CB8AC3E}">
@@ -9254,7 +9377,12 @@
             <p:ph type="title"/>
           </p:nvPr>
         </p:nvSpPr>
-        <p:spPr/>
+        <p:spPr>
+          <a:xfrm>
+            <a:off x="684212" y="1330284"/>
+            <a:ext cx="5411788" cy="1089837"/>
+          </a:xfrm>
+        </p:spPr>
         <p:txBody>
           <a:bodyPr>
             <a:normAutofit fontScale="90000"/>
@@ -9272,6 +9400,9 @@
             <a:br>
               <a:rPr lang="de-DE" dirty="0"/>
             </a:br>
+            <a:br>
+              <a:rPr lang="de-DE" dirty="0"/>
+            </a:br>
             <a:endParaRPr lang="de-DE" dirty="0"/>
           </a:p>
         </p:txBody>
@@ -9294,16 +9425,88 @@
         </p:nvSpPr>
         <p:spPr/>
         <p:txBody>
-          <a:bodyPr/>
-          <a:lstStyle/>
-          <a:p>
-            <a:endParaRPr lang="de-DE" dirty="0"/>
-          </a:p>
-          <a:p>
-            <a:r>
-              <a:rPr lang="de-DE" dirty="0"/>
-              <a:t>VR</a:t>
-            </a:r>
+          <a:bodyPr>
+            <a:normAutofit fontScale="92500" lnSpcReduction="10000"/>
+          </a:bodyPr>
+          <a:lstStyle/>
+          <a:p>
+            <a:r>
+              <a:rPr lang="de-DE" sz="2400" dirty="0"/>
+              <a:t>Virtual Reality (VR)</a:t>
+            </a:r>
+          </a:p>
+          <a:p>
+            <a:r>
+              <a:rPr lang="de-DE" sz="1900" dirty="0"/>
+              <a:t>Im Flugzeug:</a:t>
+            </a:r>
+          </a:p>
+          <a:p>
+            <a:pPr marL="342900" indent="-342900">
+              <a:buFont typeface="Arial" panose="020B0604020202020204" pitchFamily="34" charset="0"/>
+              <a:buChar char="•"/>
+            </a:pPr>
+            <a:r>
+              <a:rPr lang="de-DE" sz="1900" dirty="0"/>
+              <a:t>Vermittlung des Gefühls von Freiraum </a:t>
+            </a:r>
+          </a:p>
+          <a:p>
+            <a:pPr marL="342900" indent="-342900">
+              <a:buFont typeface="Arial" panose="020B0604020202020204" pitchFamily="34" charset="0"/>
+              <a:buChar char="•"/>
+            </a:pPr>
+            <a:r>
+              <a:rPr lang="de-DE" sz="1900" dirty="0"/>
+              <a:t>Konzept für Fensterloses Fliegen</a:t>
+            </a:r>
+          </a:p>
+          <a:p>
+            <a:pPr marL="342900" indent="-342900">
+              <a:buFont typeface="Arial" panose="020B0604020202020204" pitchFamily="34" charset="0"/>
+              <a:buChar char="•"/>
+            </a:pPr>
+            <a:r>
+              <a:rPr lang="de-DE" sz="1900" dirty="0"/>
+              <a:t>Probleme: Panische Bewegungen, Übelkeit</a:t>
+            </a:r>
+          </a:p>
+          <a:p>
+            <a:endParaRPr lang="de-DE" sz="1900" dirty="0"/>
+          </a:p>
+          <a:p>
+            <a:r>
+              <a:rPr lang="de-DE" sz="1900" dirty="0"/>
+              <a:t>Im Reisebüro:</a:t>
+            </a:r>
+          </a:p>
+          <a:p>
+            <a:pPr marL="342900" indent="-342900">
+              <a:buFont typeface="Arial" panose="020B0604020202020204" pitchFamily="34" charset="0"/>
+              <a:buChar char="•"/>
+            </a:pPr>
+            <a:r>
+              <a:rPr lang="de-DE" sz="1900" dirty="0"/>
+              <a:t>Begutachtung des Reiseziels schon vor der Buchung möglich</a:t>
+            </a:r>
+          </a:p>
+          <a:p>
+            <a:endParaRPr lang="de-DE" sz="1900" dirty="0"/>
+          </a:p>
+          <a:p>
+            <a:endParaRPr lang="de-DE" sz="2000" dirty="0"/>
+          </a:p>
+          <a:p>
+            <a:endParaRPr lang="de-DE" sz="2000" dirty="0"/>
+          </a:p>
+          <a:p>
+            <a:endParaRPr lang="de-DE" sz="2000" dirty="0"/>
+          </a:p>
+          <a:p>
+            <a:endParaRPr lang="de-DE" sz="2000" dirty="0"/>
+          </a:p>
+          <a:p>
+            <a:endParaRPr lang="de-DE" sz="2400" dirty="0"/>
           </a:p>
           <a:p>
             <a:endParaRPr lang="de-DE" dirty="0"/>
@@ -9407,7 +9610,7 @@
         </p:blipFill>
         <p:spPr bwMode="auto">
           <a:xfrm>
-            <a:off x="5491339" y="2472748"/>
+            <a:off x="6096000" y="3172411"/>
             <a:ext cx="5064125" cy="2709306"/>
           </a:xfrm>
           <a:prstGeom prst="rect">
@@ -9417,6 +9620,42 @@
           <a:ln>
             <a:noFill/>
           </a:ln>
+        </p:spPr>
+      </p:pic>
+      <p:pic>
+        <p:nvPicPr>
+          <p:cNvPr id="10" name="Grafik 9" descr="Ein Bild, das Zeichnung enthält.&#10;&#10;Automatisch generierte Beschreibung">
+            <a:extLst>
+              <a:ext uri="{FF2B5EF4-FFF2-40B4-BE49-F238E27FC236}">
+                <a16:creationId xmlns:a16="http://schemas.microsoft.com/office/drawing/2014/main" id="{096186F5-BA6F-44BB-BB74-2B85A3D1CAF8}"/>
+              </a:ext>
+            </a:extLst>
+          </p:cNvPr>
+          <p:cNvPicPr>
+            <a:picLocks noChangeAspect="1"/>
+          </p:cNvPicPr>
+          <p:nvPr/>
+        </p:nvPicPr>
+        <p:blipFill>
+          <a:blip r:embed="rId3">
+            <a:extLst>
+              <a:ext uri="{28A0092B-C50C-407E-A947-70E740481C1C}">
+                <a14:useLocalDpi xmlns:a14="http://schemas.microsoft.com/office/drawing/2010/main" val="0"/>
+              </a:ext>
+            </a:extLst>
+          </a:blip>
+          <a:stretch>
+            <a:fillRect/>
+          </a:stretch>
+        </p:blipFill>
+        <p:spPr>
+          <a:xfrm>
+            <a:off x="6096000" y="890750"/>
+            <a:ext cx="2644239" cy="1322120"/>
+          </a:xfrm>
+          <a:prstGeom prst="rect">
+            <a:avLst/>
+          </a:prstGeom>
         </p:spPr>
       </p:pic>
     </p:spTree>
@@ -9500,22 +9739,150 @@
         </p:nvSpPr>
         <p:spPr/>
         <p:txBody>
-          <a:bodyPr/>
-          <a:lstStyle/>
-          <a:p>
-            <a:r>
-              <a:rPr lang="de-DE" dirty="0"/>
-              <a:t>Influencer</a:t>
-            </a:r>
+          <a:bodyPr>
+            <a:normAutofit fontScale="40000" lnSpcReduction="20000"/>
+          </a:bodyPr>
+          <a:lstStyle/>
+          <a:p>
+            <a:r>
+              <a:rPr lang="de-DE" sz="4200" dirty="0"/>
+              <a:t>Influencer:</a:t>
+            </a:r>
+          </a:p>
+          <a:p>
+            <a:pPr marL="342900" indent="-342900">
+              <a:buFont typeface="Arial" panose="020B0604020202020204" pitchFamily="34" charset="0"/>
+              <a:buChar char="•"/>
+            </a:pPr>
+            <a:r>
+              <a:rPr lang="de-DE" sz="3400" dirty="0"/>
+              <a:t>Kanal zu einem bestimmten Thema auf </a:t>
+            </a:r>
+            <a:r>
+              <a:rPr lang="de-DE" sz="3400" dirty="0" err="1"/>
+              <a:t>Social</a:t>
+            </a:r>
+            <a:r>
+              <a:rPr lang="de-DE" sz="3400" dirty="0"/>
+              <a:t>-Media-Plattformen</a:t>
+            </a:r>
+          </a:p>
+          <a:p>
+            <a:pPr marL="342900" indent="-342900">
+              <a:buFont typeface="Arial" panose="020B0604020202020204" pitchFamily="34" charset="0"/>
+              <a:buChar char="•"/>
+            </a:pPr>
+            <a:r>
+              <a:rPr lang="de-DE" sz="3400" dirty="0"/>
+              <a:t>Große Anzahl an Followern (Expertenstatus)</a:t>
+            </a:r>
+          </a:p>
+          <a:p>
+            <a:pPr marL="342900" indent="-342900">
+              <a:buFont typeface="Arial" panose="020B0604020202020204" pitchFamily="34" charset="0"/>
+              <a:buChar char="•"/>
+            </a:pPr>
+            <a:r>
+              <a:rPr lang="de-DE" sz="3400" dirty="0"/>
+              <a:t>Werben im Auftrag von Firmen für bestimmte Produkte</a:t>
+            </a:r>
+          </a:p>
+          <a:p>
+            <a:pPr marL="342900" indent="-342900">
+              <a:buFont typeface="Arial" panose="020B0604020202020204" pitchFamily="34" charset="0"/>
+              <a:buChar char="•"/>
+            </a:pPr>
+            <a:endParaRPr lang="de-DE" sz="2900" dirty="0"/>
+          </a:p>
+          <a:p>
+            <a:r>
+              <a:rPr lang="de-DE" sz="4200" dirty="0" err="1"/>
+              <a:t>Social</a:t>
+            </a:r>
+            <a:r>
+              <a:rPr lang="de-DE" sz="4200" dirty="0"/>
+              <a:t> Media Monitoring / </a:t>
+            </a:r>
+            <a:r>
+              <a:rPr lang="de-DE" sz="4200" dirty="0" err="1"/>
+              <a:t>Social</a:t>
+            </a:r>
+            <a:r>
+              <a:rPr lang="de-DE" sz="4200" dirty="0"/>
+              <a:t> Listening:</a:t>
+            </a:r>
+          </a:p>
+          <a:p>
+            <a:pPr marL="342900" indent="-342900">
+              <a:buFont typeface="Arial" panose="020B0604020202020204" pitchFamily="34" charset="0"/>
+              <a:buChar char="•"/>
+            </a:pPr>
+            <a:r>
+              <a:rPr lang="de-DE" sz="3400" dirty="0"/>
+              <a:t>Unternehmen Lauschen auf </a:t>
+            </a:r>
+            <a:r>
+              <a:rPr lang="de-DE" sz="3400" dirty="0" err="1"/>
+              <a:t>Social</a:t>
+            </a:r>
+            <a:r>
+              <a:rPr lang="de-DE" sz="3400" dirty="0"/>
+              <a:t>-Media-Plattformen nach </a:t>
+            </a:r>
+            <a:r>
+              <a:rPr lang="de-DE" sz="3400" dirty="0" err="1"/>
+              <a:t>erwähnungen</a:t>
+            </a:r>
+            <a:r>
+              <a:rPr lang="de-DE" sz="3400" dirty="0"/>
+              <a:t> der eigenen Marke</a:t>
+            </a:r>
+          </a:p>
+          <a:p>
+            <a:pPr marL="342900" indent="-342900">
+              <a:buFont typeface="Arial" panose="020B0604020202020204" pitchFamily="34" charset="0"/>
+              <a:buChar char="•"/>
+            </a:pPr>
+            <a:r>
+              <a:rPr lang="de-DE" sz="3400" dirty="0"/>
+              <a:t>Beim </a:t>
+            </a:r>
+            <a:r>
+              <a:rPr lang="de-DE" sz="3400" dirty="0" err="1"/>
+              <a:t>Social</a:t>
+            </a:r>
+            <a:r>
+              <a:rPr lang="de-DE" sz="3400" dirty="0"/>
+              <a:t> Monitoring stehen Kennzahlen wie Anzahl der Erwähnungen und interaktionsraten im Vordergrund </a:t>
+            </a:r>
+          </a:p>
+          <a:p>
+            <a:pPr marL="342900" indent="-342900">
+              <a:buFont typeface="Arial" panose="020B0604020202020204" pitchFamily="34" charset="0"/>
+              <a:buChar char="•"/>
+            </a:pPr>
+            <a:r>
+              <a:rPr lang="de-DE" sz="3400" dirty="0"/>
+              <a:t>Beim </a:t>
+            </a:r>
+            <a:r>
+              <a:rPr lang="de-DE" sz="3400" dirty="0" err="1"/>
+              <a:t>Social</a:t>
+            </a:r>
+            <a:r>
+              <a:rPr lang="de-DE" sz="3400" dirty="0"/>
+              <a:t> Listening geht es dann darum künftige Maßnahmen für die Zukunft festzulegen und die gesammelten Daten für neue Unternehmensstrategien einzusetzen. </a:t>
+            </a:r>
+          </a:p>
+          <a:p>
+            <a:pPr marL="342900" indent="-342900">
+              <a:buFont typeface="Arial" panose="020B0604020202020204" pitchFamily="34" charset="0"/>
+              <a:buChar char="•"/>
+            </a:pPr>
+            <a:endParaRPr lang="de-DE" sz="2400" dirty="0"/>
           </a:p>
           <a:p>
             <a:endParaRPr lang="de-DE" dirty="0"/>
-          </a:p>
-          <a:p>
-            <a:r>
-              <a:rPr lang="de-DE" dirty="0"/>
-              <a:t>Monitoring</a:t>
-            </a:r>
           </a:p>
           <a:p>
             <a:endParaRPr lang="de-DE" dirty="0"/>
@@ -12020,7 +12387,9 @@
         </p:nvSpPr>
         <p:spPr/>
         <p:txBody>
-          <a:bodyPr/>
+          <a:bodyPr>
+            <a:normAutofit fontScale="92500" lnSpcReduction="10000"/>
+          </a:bodyPr>
           <a:lstStyle/>
           <a:p>
             <a:endParaRPr lang="de-DE" sz="2400" dirty="0"/>
@@ -12081,6 +12450,9 @@
               <a:rPr lang="de-DE" sz="1800" dirty="0"/>
               <a:t>Internetverbindung über Satellit</a:t>
             </a:r>
+          </a:p>
+          <a:p>
+            <a:endParaRPr lang="de-DE" sz="1800" dirty="0"/>
           </a:p>
           <a:p>
             <a:r>

--- a/Etourism1.pptx
+++ b/Etourism1.pptx
@@ -5,8 +5,11 @@
     <p:sldMasterId id="2147483660" r:id="rId1"/>
   </p:sldMasterIdLst>
   <p:notesMasterIdLst>
-    <p:notesMasterId r:id="rId23"/>
+    <p:notesMasterId r:id="rId21"/>
   </p:notesMasterIdLst>
+  <p:handoutMasterIdLst>
+    <p:handoutMasterId r:id="rId22"/>
+  </p:handoutMasterIdLst>
   <p:sldIdLst>
     <p:sldId id="256" r:id="rId2"/>
     <p:sldId id="258" r:id="rId3"/>
@@ -15,20 +18,18 @@
     <p:sldId id="261" r:id="rId6"/>
     <p:sldId id="263" r:id="rId7"/>
     <p:sldId id="264" r:id="rId8"/>
-    <p:sldId id="265" r:id="rId9"/>
+    <p:sldId id="268" r:id="rId9"/>
     <p:sldId id="267" r:id="rId10"/>
-    <p:sldId id="268" r:id="rId11"/>
-    <p:sldId id="269" r:id="rId12"/>
-    <p:sldId id="271" r:id="rId13"/>
-    <p:sldId id="272" r:id="rId14"/>
-    <p:sldId id="277" r:id="rId15"/>
-    <p:sldId id="274" r:id="rId16"/>
+    <p:sldId id="269" r:id="rId11"/>
+    <p:sldId id="271" r:id="rId12"/>
+    <p:sldId id="272" r:id="rId13"/>
+    <p:sldId id="277" r:id="rId14"/>
+    <p:sldId id="274" r:id="rId15"/>
+    <p:sldId id="276" r:id="rId16"/>
     <p:sldId id="275" r:id="rId17"/>
-    <p:sldId id="276" r:id="rId18"/>
-    <p:sldId id="278" r:id="rId19"/>
-    <p:sldId id="281" r:id="rId20"/>
-    <p:sldId id="279" r:id="rId21"/>
-    <p:sldId id="280" r:id="rId22"/>
+    <p:sldId id="278" r:id="rId18"/>
+    <p:sldId id="279" r:id="rId19"/>
+    <p:sldId id="280" r:id="rId20"/>
   </p:sldIdLst>
   <p:sldSz cx="12192000" cy="6858000"/>
   <p:notesSz cx="6858000" cy="9144000"/>
@@ -130,12 +131,12 @@
   <p:extLst>
     <p:ext uri="{EFAFB233-063F-42B5-8137-9DF3F51BA10A}">
       <p15:sldGuideLst xmlns:p15="http://schemas.microsoft.com/office/powerpoint/2012/main">
-        <p15:guide id="1" orient="horz" pos="2160" userDrawn="1">
+        <p15:guide id="1" orient="horz" pos="2137" userDrawn="1">
           <p15:clr>
             <a:srgbClr val="A4A3A4"/>
           </p15:clr>
         </p15:guide>
-        <p15:guide id="2" pos="3840" userDrawn="1">
+        <p15:guide id="2" pos="3885" userDrawn="1">
           <p15:clr>
             <a:srgbClr val="A4A3A4"/>
           </p15:clr>
@@ -160,6 +161,195 @@
 </p:presentation>
 </file>
 
+<file path=ppt/handoutMasters/handoutMaster1.xml><?xml version="1.0" encoding="utf-8"?>
+<p:handoutMaster xmlns:a="http://schemas.openxmlformats.org/drawingml/2006/main" xmlns:r="http://schemas.openxmlformats.org/officeDocument/2006/relationships" xmlns:p="http://schemas.openxmlformats.org/presentationml/2006/main">
+  <p:cSld>
+    <p:bg>
+      <p:bgRef idx="1001">
+        <a:schemeClr val="bg1"/>
+      </p:bgRef>
+    </p:bg>
+    <p:spTree>
+      <p:nvGrpSpPr>
+        <p:cNvPr id="1" name=""/>
+        <p:cNvGrpSpPr/>
+        <p:nvPr/>
+      </p:nvGrpSpPr>
+      <p:grpSpPr>
+        <a:xfrm>
+          <a:off x="0" y="0"/>
+          <a:ext cx="0" cy="0"/>
+          <a:chOff x="0" y="0"/>
+          <a:chExt cx="0" cy="0"/>
+        </a:xfrm>
+      </p:grpSpPr>
+      <p:sp>
+        <p:nvSpPr>
+          <p:cNvPr id="2" name="Kopfzeilenplatzhalter 1">
+            <a:extLst>
+              <a:ext uri="{FF2B5EF4-FFF2-40B4-BE49-F238E27FC236}">
+                <a16:creationId xmlns:a16="http://schemas.microsoft.com/office/drawing/2014/main" id="{A534B67F-837F-47EF-8E2D-1D25ACDA5FA9}"/>
+              </a:ext>
+            </a:extLst>
+          </p:cNvPr>
+          <p:cNvSpPr>
+            <a:spLocks noGrp="1"/>
+          </p:cNvSpPr>
+          <p:nvPr>
+            <p:ph type="hdr" sz="quarter"/>
+          </p:nvPr>
+        </p:nvSpPr>
+        <p:spPr>
+          <a:xfrm>
+            <a:off x="0" y="0"/>
+            <a:ext cx="2971800" cy="458788"/>
+          </a:xfrm>
+          <a:prstGeom prst="rect">
+            <a:avLst/>
+          </a:prstGeom>
+        </p:spPr>
+        <p:txBody>
+          <a:bodyPr vert="horz" lIns="91440" tIns="45720" rIns="91440" bIns="45720" rtlCol="0"/>
+          <a:lstStyle>
+            <a:lvl1pPr algn="l">
+              <a:defRPr sz="1200"/>
+            </a:lvl1pPr>
+          </a:lstStyle>
+          <a:p>
+            <a:endParaRPr lang="de-DE"/>
+          </a:p>
+        </p:txBody>
+      </p:sp>
+      <p:sp>
+        <p:nvSpPr>
+          <p:cNvPr id="3" name="Datumsplatzhalter 2">
+            <a:extLst>
+              <a:ext uri="{FF2B5EF4-FFF2-40B4-BE49-F238E27FC236}">
+                <a16:creationId xmlns:a16="http://schemas.microsoft.com/office/drawing/2014/main" id="{201B58C1-3002-492C-8EA4-C56E67C20F77}"/>
+              </a:ext>
+            </a:extLst>
+          </p:cNvPr>
+          <p:cNvSpPr>
+            <a:spLocks noGrp="1"/>
+          </p:cNvSpPr>
+          <p:nvPr>
+            <p:ph type="dt" sz="quarter" idx="1"/>
+          </p:nvPr>
+        </p:nvSpPr>
+        <p:spPr>
+          <a:xfrm>
+            <a:off x="3884613" y="0"/>
+            <a:ext cx="2971800" cy="458788"/>
+          </a:xfrm>
+          <a:prstGeom prst="rect">
+            <a:avLst/>
+          </a:prstGeom>
+        </p:spPr>
+        <p:txBody>
+          <a:bodyPr vert="horz" lIns="91440" tIns="45720" rIns="91440" bIns="45720" rtlCol="0"/>
+          <a:lstStyle>
+            <a:lvl1pPr algn="r">
+              <a:defRPr sz="1200"/>
+            </a:lvl1pPr>
+          </a:lstStyle>
+          <a:p>
+            <a:fld id="{1E2B7F80-C8FB-4F6D-8D47-74FEEDC81DB7}" type="datetimeFigureOut">
+              <a:rPr lang="de-DE" smtClean="0"/>
+              <a:t>07.07.2020</a:t>
+            </a:fld>
+            <a:endParaRPr lang="de-DE"/>
+          </a:p>
+        </p:txBody>
+      </p:sp>
+      <p:sp>
+        <p:nvSpPr>
+          <p:cNvPr id="4" name="Fußzeilenplatzhalter 3">
+            <a:extLst>
+              <a:ext uri="{FF2B5EF4-FFF2-40B4-BE49-F238E27FC236}">
+                <a16:creationId xmlns:a16="http://schemas.microsoft.com/office/drawing/2014/main" id="{D5E8517E-5D0B-4661-8E4C-4A245976A2A6}"/>
+              </a:ext>
+            </a:extLst>
+          </p:cNvPr>
+          <p:cNvSpPr>
+            <a:spLocks noGrp="1"/>
+          </p:cNvSpPr>
+          <p:nvPr>
+            <p:ph type="ftr" sz="quarter" idx="2"/>
+          </p:nvPr>
+        </p:nvSpPr>
+        <p:spPr>
+          <a:xfrm>
+            <a:off x="0" y="8685213"/>
+            <a:ext cx="2971800" cy="458787"/>
+          </a:xfrm>
+          <a:prstGeom prst="rect">
+            <a:avLst/>
+          </a:prstGeom>
+        </p:spPr>
+        <p:txBody>
+          <a:bodyPr vert="horz" lIns="91440" tIns="45720" rIns="91440" bIns="45720" rtlCol="0" anchor="b"/>
+          <a:lstStyle>
+            <a:lvl1pPr algn="l">
+              <a:defRPr sz="1200"/>
+            </a:lvl1pPr>
+          </a:lstStyle>
+          <a:p>
+            <a:endParaRPr lang="de-DE"/>
+          </a:p>
+        </p:txBody>
+      </p:sp>
+      <p:sp>
+        <p:nvSpPr>
+          <p:cNvPr id="5" name="Foliennummernplatzhalter 4">
+            <a:extLst>
+              <a:ext uri="{FF2B5EF4-FFF2-40B4-BE49-F238E27FC236}">
+                <a16:creationId xmlns:a16="http://schemas.microsoft.com/office/drawing/2014/main" id="{E4AE5C4D-9577-4727-BE2D-FDFB2E0EEB23}"/>
+              </a:ext>
+            </a:extLst>
+          </p:cNvPr>
+          <p:cNvSpPr>
+            <a:spLocks noGrp="1"/>
+          </p:cNvSpPr>
+          <p:nvPr>
+            <p:ph type="sldNum" sz="quarter" idx="3"/>
+          </p:nvPr>
+        </p:nvSpPr>
+        <p:spPr>
+          <a:xfrm>
+            <a:off x="3884613" y="8685213"/>
+            <a:ext cx="2971800" cy="458787"/>
+          </a:xfrm>
+          <a:prstGeom prst="rect">
+            <a:avLst/>
+          </a:prstGeom>
+        </p:spPr>
+        <p:txBody>
+          <a:bodyPr vert="horz" lIns="91440" tIns="45720" rIns="91440" bIns="45720" rtlCol="0" anchor="b"/>
+          <a:lstStyle>
+            <a:lvl1pPr algn="r">
+              <a:defRPr sz="1200"/>
+            </a:lvl1pPr>
+          </a:lstStyle>
+          <a:p>
+            <a:fld id="{DD502531-F88B-40A1-B3A1-0DAC48F65553}" type="slidenum">
+              <a:rPr lang="de-DE" smtClean="0"/>
+              <a:t>‹Nr.›</a:t>
+            </a:fld>
+            <a:endParaRPr lang="de-DE"/>
+          </a:p>
+        </p:txBody>
+      </p:sp>
+    </p:spTree>
+    <p:extLst>
+      <p:ext uri="{BB962C8B-B14F-4D97-AF65-F5344CB8AC3E}">
+        <p14:creationId xmlns:p14="http://schemas.microsoft.com/office/powerpoint/2010/main" val="2821754685"/>
+      </p:ext>
+    </p:extLst>
+  </p:cSld>
+  <p:clrMap bg1="lt1" tx1="dk1" bg2="lt2" tx2="dk2" accent1="accent1" accent2="accent2" accent3="accent3" accent4="accent4" accent5="accent5" accent6="accent6" hlink="hlink" folHlink="folHlink"/>
+</p:handoutMaster>
+</file>
+
 <file path=ppt/notesMasters/notesMaster1.xml><?xml version="1.0" encoding="utf-8"?>
 <p:notesMaster xmlns:a="http://schemas.openxmlformats.org/drawingml/2006/main" xmlns:r="http://schemas.openxmlformats.org/officeDocument/2006/relationships" xmlns:p="http://schemas.openxmlformats.org/presentationml/2006/main">
   <p:cSld>
@@ -242,7 +432,7 @@
           <a:p>
             <a:fld id="{779DA85F-0A5D-44BC-A778-7E53C4BE819F}" type="datetimeFigureOut">
               <a:rPr lang="de-DE" smtClean="0"/>
-              <a:t>04.07.2020</a:t>
+              <a:t>07.07.2020</a:t>
             </a:fld>
             <a:endParaRPr lang="de-DE"/>
           </a:p>
@@ -929,90 +1119,6 @@
 </p:notes>
 </file>
 
-<file path=ppt/notesSlides/notesSlide6.xml><?xml version="1.0" encoding="utf-8"?>
-<p:notes xmlns:a="http://schemas.openxmlformats.org/drawingml/2006/main" xmlns:r="http://schemas.openxmlformats.org/officeDocument/2006/relationships" xmlns:p="http://schemas.openxmlformats.org/presentationml/2006/main">
-  <p:cSld>
-    <p:spTree>
-      <p:nvGrpSpPr>
-        <p:cNvPr id="1" name=""/>
-        <p:cNvGrpSpPr/>
-        <p:nvPr/>
-      </p:nvGrpSpPr>
-      <p:grpSpPr>
-        <a:xfrm>
-          <a:off x="0" y="0"/>
-          <a:ext cx="0" cy="0"/>
-          <a:chOff x="0" y="0"/>
-          <a:chExt cx="0" cy="0"/>
-        </a:xfrm>
-      </p:grpSpPr>
-      <p:sp>
-        <p:nvSpPr>
-          <p:cNvPr id="2" name="Folienbildplatzhalter 1"/>
-          <p:cNvSpPr>
-            <a:spLocks noGrp="1" noRot="1" noChangeAspect="1"/>
-          </p:cNvSpPr>
-          <p:nvPr>
-            <p:ph type="sldImg"/>
-          </p:nvPr>
-        </p:nvSpPr>
-        <p:spPr/>
-      </p:sp>
-      <p:sp>
-        <p:nvSpPr>
-          <p:cNvPr id="3" name="Notizenplatzhalter 2"/>
-          <p:cNvSpPr>
-            <a:spLocks noGrp="1"/>
-          </p:cNvSpPr>
-          <p:nvPr>
-            <p:ph type="body" idx="1"/>
-          </p:nvPr>
-        </p:nvSpPr>
-        <p:spPr/>
-        <p:txBody>
-          <a:bodyPr/>
-          <a:lstStyle/>
-          <a:p>
-            <a:endParaRPr lang="de-DE" dirty="0"/>
-          </a:p>
-        </p:txBody>
-      </p:sp>
-      <p:sp>
-        <p:nvSpPr>
-          <p:cNvPr id="4" name="Foliennummernplatzhalter 3"/>
-          <p:cNvSpPr>
-            <a:spLocks noGrp="1"/>
-          </p:cNvSpPr>
-          <p:nvPr>
-            <p:ph type="sldNum" sz="quarter" idx="5"/>
-          </p:nvPr>
-        </p:nvSpPr>
-        <p:spPr/>
-        <p:txBody>
-          <a:bodyPr/>
-          <a:lstStyle/>
-          <a:p>
-            <a:fld id="{745664E3-6896-42CC-AA33-8523AD8F7A92}" type="slidenum">
-              <a:rPr lang="de-DE" smtClean="0"/>
-              <a:t>8</a:t>
-            </a:fld>
-            <a:endParaRPr lang="de-DE"/>
-          </a:p>
-        </p:txBody>
-      </p:sp>
-    </p:spTree>
-    <p:extLst>
-      <p:ext uri="{BB962C8B-B14F-4D97-AF65-F5344CB8AC3E}">
-        <p14:creationId xmlns:p14="http://schemas.microsoft.com/office/powerpoint/2010/main" val="3392711576"/>
-      </p:ext>
-    </p:extLst>
-  </p:cSld>
-  <p:clrMapOvr>
-    <a:masterClrMapping/>
-  </p:clrMapOvr>
-</p:notes>
-</file>
-
 <file path=ppt/slideLayouts/slideLayout1.xml><?xml version="1.0" encoding="utf-8"?>
 <p:sldLayout xmlns:a="http://schemas.openxmlformats.org/drawingml/2006/main" xmlns:r="http://schemas.openxmlformats.org/officeDocument/2006/relationships" xmlns:p="http://schemas.openxmlformats.org/presentationml/2006/main" showMasterSp="0" type="title" preserve="1">
   <p:cSld name="Titelfolie">
@@ -1191,14 +1297,22 @@
             <p:ph type="dt" sz="half" idx="10"/>
           </p:nvPr>
         </p:nvSpPr>
-        <p:spPr/>
+        <p:spPr>
+          <a:xfrm>
+            <a:off x="9897797" y="6381343"/>
+            <a:ext cx="1600200" cy="365125"/>
+          </a:xfrm>
+          <a:prstGeom prst="rect">
+            <a:avLst/>
+          </a:prstGeom>
+        </p:spPr>
         <p:txBody>
           <a:bodyPr/>
           <a:lstStyle/>
           <a:p>
             <a:fld id="{747AD4B5-FC03-4B96-9D37-2241FB654AEA}" type="datetime1">
               <a:rPr lang="de-DE" smtClean="0"/>
-              <a:t>04.07.2020</a:t>
+              <a:t>07.07.2020</a:t>
             </a:fld>
             <a:endParaRPr lang="de-DE"/>
           </a:p>
@@ -1631,14 +1745,22 @@
             <p:ph type="dt" sz="half" idx="10"/>
           </p:nvPr>
         </p:nvSpPr>
-        <p:spPr/>
+        <p:spPr>
+          <a:xfrm>
+            <a:off x="9897797" y="6381343"/>
+            <a:ext cx="1600200" cy="365125"/>
+          </a:xfrm>
+          <a:prstGeom prst="rect">
+            <a:avLst/>
+          </a:prstGeom>
+        </p:spPr>
         <p:txBody>
           <a:bodyPr/>
           <a:lstStyle/>
           <a:p>
             <a:fld id="{080BC858-A114-46EE-8080-C23787978AAE}" type="datetime1">
               <a:rPr lang="de-DE" smtClean="0"/>
-              <a:t>04.07.2020</a:t>
+              <a:t>07.07.2020</a:t>
             </a:fld>
             <a:endParaRPr lang="de-DE"/>
           </a:p>
@@ -1882,14 +2004,22 @@
             <p:ph type="dt" sz="half" idx="10"/>
           </p:nvPr>
         </p:nvSpPr>
-        <p:spPr/>
+        <p:spPr>
+          <a:xfrm>
+            <a:off x="9897797" y="6381343"/>
+            <a:ext cx="1600200" cy="365125"/>
+          </a:xfrm>
+          <a:prstGeom prst="rect">
+            <a:avLst/>
+          </a:prstGeom>
+        </p:spPr>
         <p:txBody>
           <a:bodyPr/>
           <a:lstStyle/>
           <a:p>
             <a:fld id="{636D0561-ED05-49EC-A01E-3ADAC0822FC6}" type="datetime1">
               <a:rPr lang="de-DE" smtClean="0"/>
-              <a:t>04.07.2020</a:t>
+              <a:t>07.07.2020</a:t>
             </a:fld>
             <a:endParaRPr lang="de-DE"/>
           </a:p>
@@ -1911,8 +2041,12 @@
           <a:lstStyle/>
           <a:p>
             <a:r>
-              <a:rPr lang="de-DE"/>
-              <a:t>Benjamin Swarovsky                                                                                                            eTourism</a:t>
+              <a:rPr lang="de-DE" dirty="0"/>
+              <a:t>Benjamin Swarovsky                                                                                                            </a:t>
+            </a:r>
+            <a:r>
+              <a:rPr lang="de-DE" dirty="0" err="1"/>
+              <a:t>eTourism</a:t>
             </a:r>
             <a:endParaRPr lang="de-DE" dirty="0"/>
           </a:p>
@@ -1928,7 +2062,12 @@
             <p:ph type="sldNum" sz="quarter" idx="12"/>
           </p:nvPr>
         </p:nvSpPr>
-        <p:spPr/>
+        <p:spPr>
+          <a:xfrm>
+            <a:off x="10669436" y="5606846"/>
+            <a:ext cx="1142245" cy="669925"/>
+          </a:xfrm>
+        </p:spPr>
         <p:txBody>
           <a:bodyPr/>
           <a:lstStyle/>
@@ -1937,7 +2076,7 @@
               <a:rPr lang="de-DE" smtClean="0"/>
               <a:t>‹Nr.›</a:t>
             </a:fld>
-            <a:endParaRPr lang="de-DE"/>
+            <a:endParaRPr lang="de-DE" dirty="0"/>
           </a:p>
         </p:txBody>
       </p:sp>
@@ -2194,14 +2333,22 @@
             <p:ph type="dt" sz="half" idx="10"/>
           </p:nvPr>
         </p:nvSpPr>
-        <p:spPr/>
+        <p:spPr>
+          <a:xfrm>
+            <a:off x="9897797" y="6381343"/>
+            <a:ext cx="1600200" cy="365125"/>
+          </a:xfrm>
+          <a:prstGeom prst="rect">
+            <a:avLst/>
+          </a:prstGeom>
+        </p:spPr>
         <p:txBody>
           <a:bodyPr/>
           <a:lstStyle/>
           <a:p>
             <a:fld id="{0F6EA4B7-6DDC-40A5-8BEB-698907B28A60}" type="datetime1">
               <a:rPr lang="de-DE" smtClean="0"/>
-              <a:t>04.07.2020</a:t>
+              <a:t>07.07.2020</a:t>
             </a:fld>
             <a:endParaRPr lang="de-DE"/>
           </a:p>
@@ -2515,14 +2662,22 @@
             <p:ph type="dt" sz="half" idx="10"/>
           </p:nvPr>
         </p:nvSpPr>
-        <p:spPr/>
+        <p:spPr>
+          <a:xfrm>
+            <a:off x="9897797" y="6381343"/>
+            <a:ext cx="1600200" cy="365125"/>
+          </a:xfrm>
+          <a:prstGeom prst="rect">
+            <a:avLst/>
+          </a:prstGeom>
+        </p:spPr>
         <p:txBody>
           <a:bodyPr/>
           <a:lstStyle/>
           <a:p>
             <a:fld id="{432EE7EB-5D97-4FC1-931B-37192B343EBB}" type="datetime1">
               <a:rPr lang="de-DE" smtClean="0"/>
-              <a:t>04.07.2020</a:t>
+              <a:t>07.07.2020</a:t>
             </a:fld>
             <a:endParaRPr lang="de-DE"/>
           </a:p>
@@ -2820,14 +2975,22 @@
             <p:ph type="dt" sz="half" idx="10"/>
           </p:nvPr>
         </p:nvSpPr>
-        <p:spPr/>
+        <p:spPr>
+          <a:xfrm>
+            <a:off x="9897797" y="6381343"/>
+            <a:ext cx="1600200" cy="365125"/>
+          </a:xfrm>
+          <a:prstGeom prst="rect">
+            <a:avLst/>
+          </a:prstGeom>
+        </p:spPr>
         <p:txBody>
           <a:bodyPr/>
           <a:lstStyle/>
           <a:p>
             <a:fld id="{FAB9B33F-01F8-43CB-8E98-E03A0FBFF054}" type="datetime1">
               <a:rPr lang="de-DE" smtClean="0"/>
-              <a:t>04.07.2020</a:t>
+              <a:t>07.07.2020</a:t>
             </a:fld>
             <a:endParaRPr lang="de-DE"/>
           </a:p>
@@ -3190,14 +3353,22 @@
             <p:ph type="dt" sz="half" idx="10"/>
           </p:nvPr>
         </p:nvSpPr>
-        <p:spPr/>
+        <p:spPr>
+          <a:xfrm>
+            <a:off x="9897797" y="6381343"/>
+            <a:ext cx="1600200" cy="365125"/>
+          </a:xfrm>
+          <a:prstGeom prst="rect">
+            <a:avLst/>
+          </a:prstGeom>
+        </p:spPr>
         <p:txBody>
           <a:bodyPr/>
           <a:lstStyle/>
           <a:p>
             <a:fld id="{97C8DADB-1BD1-490A-8AB6-B0996AFFEDA2}" type="datetime1">
               <a:rPr lang="de-DE" smtClean="0"/>
-              <a:t>04.07.2020</a:t>
+              <a:t>07.07.2020</a:t>
             </a:fld>
             <a:endParaRPr lang="de-DE"/>
           </a:p>
@@ -3367,14 +3538,22 @@
             <p:ph type="dt" sz="half" idx="10"/>
           </p:nvPr>
         </p:nvSpPr>
-        <p:spPr/>
+        <p:spPr>
+          <a:xfrm>
+            <a:off x="9897797" y="6381343"/>
+            <a:ext cx="1600200" cy="365125"/>
+          </a:xfrm>
+          <a:prstGeom prst="rect">
+            <a:avLst/>
+          </a:prstGeom>
+        </p:spPr>
         <p:txBody>
           <a:bodyPr/>
           <a:lstStyle/>
           <a:p>
             <a:fld id="{7D6CE794-7D88-4C3D-BA67-16BAFF44C1AD}" type="datetime1">
               <a:rPr lang="de-DE" smtClean="0"/>
-              <a:t>04.07.2020</a:t>
+              <a:t>07.07.2020</a:t>
             </a:fld>
             <a:endParaRPr lang="de-DE"/>
           </a:p>
@@ -3550,14 +3729,22 @@
             <p:ph type="dt" sz="half" idx="10"/>
           </p:nvPr>
         </p:nvSpPr>
-        <p:spPr/>
+        <p:spPr>
+          <a:xfrm>
+            <a:off x="9897797" y="6381343"/>
+            <a:ext cx="1600200" cy="365125"/>
+          </a:xfrm>
+          <a:prstGeom prst="rect">
+            <a:avLst/>
+          </a:prstGeom>
+        </p:spPr>
         <p:txBody>
           <a:bodyPr/>
           <a:lstStyle/>
           <a:p>
             <a:fld id="{AFA947B7-B2F2-4805-BF39-C472F6133B40}" type="datetime1">
               <a:rPr lang="de-DE" smtClean="0"/>
-              <a:t>04.07.2020</a:t>
+              <a:t>07.07.2020</a:t>
             </a:fld>
             <a:endParaRPr lang="de-DE"/>
           </a:p>
@@ -3759,14 +3946,22 @@
             <p:ph type="dt" sz="half" idx="10"/>
           </p:nvPr>
         </p:nvSpPr>
-        <p:spPr/>
+        <p:spPr>
+          <a:xfrm>
+            <a:off x="9897797" y="6381343"/>
+            <a:ext cx="1600200" cy="365125"/>
+          </a:xfrm>
+          <a:prstGeom prst="rect">
+            <a:avLst/>
+          </a:prstGeom>
+        </p:spPr>
         <p:txBody>
           <a:bodyPr/>
           <a:lstStyle/>
           <a:p>
             <a:fld id="{226F00DF-9212-4C10-8189-B5291B3584C1}" type="datetime1">
               <a:rPr lang="de-DE" smtClean="0"/>
-              <a:t>04.07.2020</a:t>
+              <a:t>07.07.2020</a:t>
             </a:fld>
             <a:endParaRPr lang="de-DE"/>
           </a:p>
@@ -4010,14 +4205,22 @@
             <p:ph type="dt" sz="half" idx="10"/>
           </p:nvPr>
         </p:nvSpPr>
-        <p:spPr/>
+        <p:spPr>
+          <a:xfrm>
+            <a:off x="9897797" y="6381343"/>
+            <a:ext cx="1600200" cy="365125"/>
+          </a:xfrm>
+          <a:prstGeom prst="rect">
+            <a:avLst/>
+          </a:prstGeom>
+        </p:spPr>
         <p:txBody>
           <a:bodyPr/>
           <a:lstStyle/>
           <a:p>
             <a:fld id="{69111DB7-5FFD-487B-9233-F98D6E71071D}" type="datetime1">
               <a:rPr lang="de-DE" smtClean="0"/>
-              <a:t>04.07.2020</a:t>
+              <a:t>07.07.2020</a:t>
             </a:fld>
             <a:endParaRPr lang="de-DE"/>
           </a:p>
@@ -4249,14 +4452,22 @@
             <p:ph type="dt" sz="half" idx="10"/>
           </p:nvPr>
         </p:nvSpPr>
-        <p:spPr/>
+        <p:spPr>
+          <a:xfrm>
+            <a:off x="9897797" y="6381343"/>
+            <a:ext cx="1600200" cy="365125"/>
+          </a:xfrm>
+          <a:prstGeom prst="rect">
+            <a:avLst/>
+          </a:prstGeom>
+        </p:spPr>
         <p:txBody>
           <a:bodyPr/>
           <a:lstStyle/>
           <a:p>
             <a:fld id="{AADC4C95-1055-4441-B122-EAC0313686F2}" type="datetime1">
               <a:rPr lang="de-DE" smtClean="0"/>
-              <a:t>04.07.2020</a:t>
+              <a:t>07.07.2020</a:t>
             </a:fld>
             <a:endParaRPr lang="de-DE"/>
           </a:p>
@@ -4634,14 +4845,22 @@
             <p:ph type="dt" sz="half" idx="10"/>
           </p:nvPr>
         </p:nvSpPr>
-        <p:spPr/>
+        <p:spPr>
+          <a:xfrm>
+            <a:off x="9897797" y="6381343"/>
+            <a:ext cx="1600200" cy="365125"/>
+          </a:xfrm>
+          <a:prstGeom prst="rect">
+            <a:avLst/>
+          </a:prstGeom>
+        </p:spPr>
         <p:txBody>
           <a:bodyPr/>
           <a:lstStyle/>
           <a:p>
             <a:fld id="{F8941516-F456-460E-846D-F9341CEDD81D}" type="datetime1">
               <a:rPr lang="de-DE" smtClean="0"/>
-              <a:t>04.07.2020</a:t>
+              <a:t>07.07.2020</a:t>
             </a:fld>
             <a:endParaRPr lang="de-DE"/>
           </a:p>
@@ -4755,14 +4974,22 @@
             <p:ph type="dt" sz="half" idx="10"/>
           </p:nvPr>
         </p:nvSpPr>
-        <p:spPr/>
+        <p:spPr>
+          <a:xfrm>
+            <a:off x="9897797" y="6381343"/>
+            <a:ext cx="1600200" cy="365125"/>
+          </a:xfrm>
+          <a:prstGeom prst="rect">
+            <a:avLst/>
+          </a:prstGeom>
+        </p:spPr>
         <p:txBody>
           <a:bodyPr/>
           <a:lstStyle/>
           <a:p>
             <a:fld id="{867E6EB3-C457-4011-9591-7416EBA37EDD}" type="datetime1">
               <a:rPr lang="de-DE" smtClean="0"/>
-              <a:t>04.07.2020</a:t>
+              <a:t>07.07.2020</a:t>
             </a:fld>
             <a:endParaRPr lang="de-DE"/>
           </a:p>
@@ -4853,14 +5080,22 @@
             <p:ph type="dt" sz="half" idx="10"/>
           </p:nvPr>
         </p:nvSpPr>
-        <p:spPr/>
+        <p:spPr>
+          <a:xfrm>
+            <a:off x="9897797" y="6381343"/>
+            <a:ext cx="1600200" cy="365125"/>
+          </a:xfrm>
+          <a:prstGeom prst="rect">
+            <a:avLst/>
+          </a:prstGeom>
+        </p:spPr>
         <p:txBody>
           <a:bodyPr/>
           <a:lstStyle/>
           <a:p>
             <a:fld id="{F6DDB215-D984-4802-9EC0-C968E2E5F781}" type="datetime1">
               <a:rPr lang="de-DE" smtClean="0"/>
-              <a:t>04.07.2020</a:t>
+              <a:t>07.07.2020</a:t>
             </a:fld>
             <a:endParaRPr lang="de-DE"/>
           </a:p>
@@ -5111,14 +5346,22 @@
             <p:ph type="dt" sz="half" idx="10"/>
           </p:nvPr>
         </p:nvSpPr>
-        <p:spPr/>
+        <p:spPr>
+          <a:xfrm>
+            <a:off x="9897797" y="6381343"/>
+            <a:ext cx="1600200" cy="365125"/>
+          </a:xfrm>
+          <a:prstGeom prst="rect">
+            <a:avLst/>
+          </a:prstGeom>
+        </p:spPr>
         <p:txBody>
           <a:bodyPr/>
           <a:lstStyle/>
           <a:p>
             <a:fld id="{12D1AE5A-A783-4807-A0C0-0B4AF47D9B61}" type="datetime1">
               <a:rPr lang="de-DE" smtClean="0"/>
-              <a:t>04.07.2020</a:t>
+              <a:t>07.07.2020</a:t>
             </a:fld>
             <a:endParaRPr lang="de-DE"/>
           </a:p>
@@ -5407,14 +5650,22 @@
             <p:ph type="dt" sz="half" idx="10"/>
           </p:nvPr>
         </p:nvSpPr>
-        <p:spPr/>
+        <p:spPr>
+          <a:xfrm>
+            <a:off x="9897797" y="6381343"/>
+            <a:ext cx="1600200" cy="365125"/>
+          </a:xfrm>
+          <a:prstGeom prst="rect">
+            <a:avLst/>
+          </a:prstGeom>
+        </p:spPr>
         <p:txBody>
           <a:bodyPr/>
           <a:lstStyle/>
           <a:p>
             <a:fld id="{FC1BE190-A6F7-4B0E-8A97-3C4D64A5A8A6}" type="datetime1">
               <a:rPr lang="de-DE" smtClean="0"/>
-              <a:t>04.07.2020</a:t>
+              <a:t>07.07.2020</a:t>
             </a:fld>
             <a:endParaRPr lang="de-DE"/>
           </a:p>
@@ -5821,7 +6072,7 @@
           <a:p>
             <a:fld id="{DD7EEA60-F3D7-4624-8CFC-BBD08773B304}" type="datetime1">
               <a:rPr lang="de-DE" smtClean="0"/>
-              <a:t>04.07.2020</a:t>
+              <a:t>07.07.2020</a:t>
             </a:fld>
             <a:endParaRPr lang="de-DE" dirty="0"/>
           </a:p>
@@ -5861,8 +6112,12 @@
           </a:lstStyle>
           <a:p>
             <a:r>
-              <a:rPr lang="de-DE"/>
-              <a:t>Benjamin Swarovsky                                                                                                            eTourism</a:t>
+              <a:rPr lang="de-DE" dirty="0"/>
+              <a:t>Benjamin Swarovsky                                                                                                            </a:t>
+            </a:r>
+            <a:r>
+              <a:rPr lang="de-DE" dirty="0" err="1"/>
+              <a:t>eTourism</a:t>
             </a:r>
             <a:endParaRPr lang="de-DE" dirty="0"/>
           </a:p>
@@ -6336,26 +6591,9 @@
   <p:cSld>
     <p:bg>
       <p:bgPr>
-        <a:gradFill rotWithShape="1">
-          <a:gsLst>
-            <a:gs pos="10000">
-              <a:schemeClr val="bg2">
-                <a:tint val="97000"/>
-                <a:hueMod val="92000"/>
-                <a:satMod val="169000"/>
-                <a:lumMod val="164000"/>
-              </a:schemeClr>
-            </a:gs>
-            <a:gs pos="100000">
-              <a:schemeClr val="bg2">
-                <a:shade val="96000"/>
-                <a:satMod val="120000"/>
-                <a:lumMod val="90000"/>
-              </a:schemeClr>
-            </a:gs>
-          </a:gsLst>
-          <a:lin ang="6120000" scaled="1"/>
-        </a:gradFill>
+        <a:solidFill>
+          <a:schemeClr val="bg1"/>
+        </a:solidFill>
         <a:effectLst/>
       </p:bgPr>
     </p:bg>
@@ -6375,10 +6613,10 @@
       </p:grpSpPr>
       <p:sp useBgFill="1">
         <p:nvSpPr>
-          <p:cNvPr id="120" name="Rectangle 119">
+          <p:cNvPr id="134" name="Rectangle 133">
             <a:extLst>
               <a:ext uri="{FF2B5EF4-FFF2-40B4-BE49-F238E27FC236}">
-                <a16:creationId xmlns:a16="http://schemas.microsoft.com/office/drawing/2014/main" id="{C5BDD1EA-D8C1-45AF-9F0A-14A2A137BA2A}"/>
+                <a16:creationId xmlns:a16="http://schemas.microsoft.com/office/drawing/2014/main" id="{7A675F33-98AF-4B83-A3BB-0780A23145E6}"/>
               </a:ext>
               <a:ext uri="{C183D7F6-B498-43B3-948B-1728B52AA6E4}">
                 <adec:decorative xmlns:adec="http://schemas.microsoft.com/office/drawing/2017/decorative" val="1"/>
@@ -6398,7 +6636,7 @@
         </p:nvSpPr>
         <p:spPr>
           <a:xfrm>
-            <a:off x="0" y="0"/>
+            <a:off x="-3175" y="0"/>
             <a:ext cx="12192000" cy="6858000"/>
           </a:xfrm>
           <a:prstGeom prst="rect">
@@ -6433,151 +6671,6 @@
           </a:p>
         </p:txBody>
       </p:sp>
-      <p:sp>
-        <p:nvSpPr>
-          <p:cNvPr id="2" name="Titel 1">
-            <a:extLst>
-              <a:ext uri="{FF2B5EF4-FFF2-40B4-BE49-F238E27FC236}">
-                <a16:creationId xmlns:a16="http://schemas.microsoft.com/office/drawing/2014/main" id="{A9CDC157-AF33-44FA-97EE-11ED2B655187}"/>
-              </a:ext>
-            </a:extLst>
-          </p:cNvPr>
-          <p:cNvSpPr>
-            <a:spLocks noGrp="1"/>
-          </p:cNvSpPr>
-          <p:nvPr>
-            <p:ph type="ctrTitle"/>
-          </p:nvPr>
-        </p:nvSpPr>
-        <p:spPr>
-          <a:xfrm>
-            <a:off x="7566682" y="620722"/>
-            <a:ext cx="3971902" cy="3028983"/>
-          </a:xfrm>
-        </p:spPr>
-        <p:txBody>
-          <a:bodyPr>
-            <a:normAutofit/>
-          </a:bodyPr>
-          <a:lstStyle/>
-          <a:p>
-            <a:r>
-              <a:rPr lang="de-DE"/>
-              <a:t>Etourism</a:t>
-            </a:r>
-            <a:endParaRPr lang="de-DE" dirty="0"/>
-          </a:p>
-        </p:txBody>
-      </p:sp>
-      <p:sp>
-        <p:nvSpPr>
-          <p:cNvPr id="3" name="Untertitel 2">
-            <a:extLst>
-              <a:ext uri="{FF2B5EF4-FFF2-40B4-BE49-F238E27FC236}">
-                <a16:creationId xmlns:a16="http://schemas.microsoft.com/office/drawing/2014/main" id="{ADB403E7-8222-48C7-AE38-F3F37EF6F3D0}"/>
-              </a:ext>
-            </a:extLst>
-          </p:cNvPr>
-          <p:cNvSpPr>
-            <a:spLocks noGrp="1"/>
-          </p:cNvSpPr>
-          <p:nvPr>
-            <p:ph type="subTitle" idx="1"/>
-          </p:nvPr>
-        </p:nvSpPr>
-        <p:spPr>
-          <a:xfrm>
-            <a:off x="7532709" y="3843868"/>
-            <a:ext cx="2827315" cy="1564744"/>
-          </a:xfrm>
-        </p:spPr>
-        <p:txBody>
-          <a:bodyPr>
-            <a:normAutofit/>
-          </a:bodyPr>
-          <a:lstStyle/>
-          <a:p>
-            <a:r>
-              <a:rPr lang="de-DE"/>
-              <a:t>Benjamin Swarovsky</a:t>
-            </a:r>
-            <a:endParaRPr lang="de-DE" dirty="0"/>
-          </a:p>
-        </p:txBody>
-      </p:sp>
-      <p:sp>
-        <p:nvSpPr>
-          <p:cNvPr id="122" name="Snip Diagonal Corner Rectangle 6">
-            <a:extLst>
-              <a:ext uri="{FF2B5EF4-FFF2-40B4-BE49-F238E27FC236}">
-                <a16:creationId xmlns:a16="http://schemas.microsoft.com/office/drawing/2014/main" id="{14354E08-0068-48D7-A8AD-84C7B1CF585D}"/>
-              </a:ext>
-              <a:ext uri="{C183D7F6-B498-43B3-948B-1728B52AA6E4}">
-                <adec:decorative xmlns:adec="http://schemas.microsoft.com/office/drawing/2017/decorative" val="1"/>
-              </a:ext>
-            </a:extLst>
-          </p:cNvPr>
-          <p:cNvSpPr>
-            <a:spLocks noGrp="1" noRot="1" noChangeAspect="1" noMove="1" noResize="1" noEditPoints="1" noAdjustHandles="1" noChangeArrowheads="1" noChangeShapeType="1" noTextEdit="1"/>
-          </p:cNvSpPr>
-          <p:nvPr>
-            <p:extLst>
-              <p:ext uri="{386F3935-93C4-4BCD-93E2-E3B085C9AB24}">
-                <p16:designElem xmlns:p16="http://schemas.microsoft.com/office/powerpoint/2015/main" val="1"/>
-              </p:ext>
-            </p:extLst>
-          </p:nvPr>
-        </p:nvSpPr>
-        <p:spPr>
-          <a:xfrm>
-            <a:off x="634000" y="620722"/>
-            <a:ext cx="6575496" cy="5286838"/>
-          </a:xfrm>
-          <a:prstGeom prst="snip2DiagRect">
-            <a:avLst>
-              <a:gd name="adj1" fmla="val 10787"/>
-              <a:gd name="adj2" fmla="val 0"/>
-            </a:avLst>
-          </a:prstGeom>
-          <a:solidFill>
-            <a:schemeClr val="tx1"/>
-          </a:solidFill>
-          <a:ln>
-            <a:noFill/>
-          </a:ln>
-          <a:effectLst>
-            <a:innerShdw blurRad="57150" dist="38100" dir="14460000">
-              <a:prstClr val="black">
-                <a:alpha val="70000"/>
-              </a:prstClr>
-            </a:innerShdw>
-          </a:effectLst>
-        </p:spPr>
-        <p:style>
-          <a:lnRef idx="2">
-            <a:schemeClr val="accent1">
-              <a:shade val="50000"/>
-            </a:schemeClr>
-          </a:lnRef>
-          <a:fillRef idx="1">
-            <a:schemeClr val="accent1"/>
-          </a:fillRef>
-          <a:effectRef idx="0">
-            <a:schemeClr val="accent1"/>
-          </a:effectRef>
-          <a:fontRef idx="minor">
-            <a:schemeClr val="lt1"/>
-          </a:fontRef>
-        </p:style>
-        <p:txBody>
-          <a:bodyPr rtlCol="0" anchor="ctr"/>
-          <a:lstStyle/>
-          <a:p>
-            <a:pPr algn="ctr"/>
-            <a:endParaRPr lang="en-US"/>
-          </a:p>
-        </p:txBody>
-      </p:sp>
       <p:pic>
         <p:nvPicPr>
           <p:cNvPr id="5" name="Grafik 4" descr="Ein Bild, das fliegend, Ebene, draußen, Flugzeug enthält.&#10;&#10;Automatisch generierte Beschreibung">
@@ -6594,6 +6687,7 @@
         </p:nvPicPr>
         <p:blipFill rotWithShape="1">
           <a:blip r:embed="rId2">
+            <a:alphaModFix amt="40000"/>
             <a:extLst>
               <a:ext uri="{28A0092B-C50C-407E-A947-70E740481C1C}">
                 <a14:useLocalDpi xmlns:a14="http://schemas.microsoft.com/office/drawing/2010/main" val="0"/>
@@ -6603,328 +6697,91 @@
               </a:ext>
             </a:extLst>
           </a:blip>
-          <a:srcRect l="15039" r="846"/>
+          <a:srcRect t="1458" b="14272"/>
           <a:stretch/>
         </p:blipFill>
         <p:spPr>
           <a:xfrm>
-            <a:off x="557249" y="620722"/>
-            <a:ext cx="6652247" cy="5286838"/>
-          </a:xfrm>
-          <a:custGeom>
+            <a:off x="-3175" y="10"/>
+            <a:ext cx="12192000" cy="6857990"/>
+          </a:xfrm>
+          <a:prstGeom prst="rect">
             <a:avLst/>
-            <a:gdLst/>
-            <a:ahLst/>
-            <a:cxnLst/>
-            <a:rect l="l" t="t" r="r" b="b"/>
-            <a:pathLst>
-              <a:path w="6245352" h="4956048">
-                <a:moveTo>
-                  <a:pt x="534609" y="0"/>
-                </a:moveTo>
-                <a:lnTo>
-                  <a:pt x="6245352" y="0"/>
-                </a:lnTo>
-                <a:lnTo>
-                  <a:pt x="6245352" y="4421439"/>
-                </a:lnTo>
-                <a:lnTo>
-                  <a:pt x="5710743" y="4956048"/>
-                </a:lnTo>
-                <a:lnTo>
-                  <a:pt x="0" y="4956048"/>
-                </a:lnTo>
-                <a:lnTo>
-                  <a:pt x="0" y="534609"/>
-                </a:lnTo>
-                <a:close/>
-              </a:path>
-            </a:pathLst>
-          </a:custGeom>
+          </a:prstGeom>
         </p:spPr>
       </p:pic>
-      <p:grpSp>
-        <p:nvGrpSpPr>
-          <p:cNvPr id="124" name="Group 123">
+      <p:sp>
+        <p:nvSpPr>
+          <p:cNvPr id="2" name="Titel 1">
             <a:extLst>
               <a:ext uri="{FF2B5EF4-FFF2-40B4-BE49-F238E27FC236}">
-                <a16:creationId xmlns:a16="http://schemas.microsoft.com/office/drawing/2014/main" id="{A779F34F-2960-4B81-BA08-445B6F6A0CD7}"/>
-              </a:ext>
-              <a:ext uri="{C183D7F6-B498-43B3-948B-1728B52AA6E4}">
-                <adec:decorative xmlns:adec="http://schemas.microsoft.com/office/drawing/2017/decorative" val="1"/>
+                <a16:creationId xmlns:a16="http://schemas.microsoft.com/office/drawing/2014/main" id="{A9CDC157-AF33-44FA-97EE-11ED2B655187}"/>
               </a:ext>
             </a:extLst>
           </p:cNvPr>
-          <p:cNvGrpSpPr>
-            <a:grpSpLocks noGrp="1" noUngrp="1" noRot="1" noChangeAspect="1" noMove="1" noResize="1"/>
-          </p:cNvGrpSpPr>
-          <p:nvPr>
-            <p:extLst>
-              <p:ext uri="{386F3935-93C4-4BCD-93E2-E3B085C9AB24}">
-                <p16:designElem xmlns:p16="http://schemas.microsoft.com/office/powerpoint/2015/main" val="1"/>
-              </p:ext>
-            </p:extLst>
-          </p:nvPr>
-        </p:nvGrpSpPr>
-        <p:grpSpPr>
+          <p:cNvSpPr>
+            <a:spLocks noGrp="1"/>
+          </p:cNvSpPr>
+          <p:nvPr>
+            <p:ph type="ctrTitle"/>
+          </p:nvPr>
+        </p:nvSpPr>
+        <p:spPr>
           <a:xfrm>
-            <a:off x="9206969" y="2963333"/>
-            <a:ext cx="2981858" cy="3208867"/>
-            <a:chOff x="9206969" y="2963333"/>
-            <a:chExt cx="2981858" cy="3208867"/>
-          </a:xfrm>
-        </p:grpSpPr>
-        <p:cxnSp>
-          <p:nvCxnSpPr>
-            <p:cNvPr id="125" name="Straight Connector 124">
-              <a:extLst>
-                <a:ext uri="{FF2B5EF4-FFF2-40B4-BE49-F238E27FC236}">
-                  <a16:creationId xmlns:a16="http://schemas.microsoft.com/office/drawing/2014/main" id="{10A57ACC-416F-4A5D-B7F7-DDA9886A3A6C}"/>
-                </a:ext>
-                <a:ext uri="{C183D7F6-B498-43B3-948B-1728B52AA6E4}">
-                  <adec:decorative xmlns:adec="http://schemas.microsoft.com/office/drawing/2017/decorative" val="1"/>
-                </a:ext>
-              </a:extLst>
-            </p:cNvPr>
-            <p:cNvCxnSpPr/>
-            <p:nvPr>
-              <p:extLst>
-                <p:ext uri="{386F3935-93C4-4BCD-93E2-E3B085C9AB24}">
-                  <p16:designElem xmlns:p16="http://schemas.microsoft.com/office/powerpoint/2015/main" val="1"/>
-                </p:ext>
-              </p:extLst>
-            </p:nvPr>
-          </p:nvCxnSpPr>
-          <p:spPr>
-            <a:xfrm flipH="1">
-              <a:off x="11276012" y="2963333"/>
-              <a:ext cx="912814" cy="912812"/>
-            </a:xfrm>
-            <a:prstGeom prst="line">
-              <a:avLst/>
-            </a:prstGeom>
-            <a:ln w="9525">
-              <a:solidFill>
-                <a:schemeClr val="tx1"/>
-              </a:solidFill>
-            </a:ln>
-          </p:spPr>
-          <p:style>
-            <a:lnRef idx="2">
-              <a:schemeClr val="accent1"/>
-            </a:lnRef>
-            <a:fillRef idx="0">
-              <a:schemeClr val="accent1"/>
-            </a:fillRef>
-            <a:effectRef idx="1">
-              <a:schemeClr val="accent1"/>
-            </a:effectRef>
-            <a:fontRef idx="minor">
-              <a:schemeClr val="tx1"/>
-            </a:fontRef>
-          </p:style>
-        </p:cxnSp>
-        <p:cxnSp>
-          <p:nvCxnSpPr>
-            <p:cNvPr id="126" name="Straight Connector 125">
-              <a:extLst>
-                <a:ext uri="{FF2B5EF4-FFF2-40B4-BE49-F238E27FC236}">
-                  <a16:creationId xmlns:a16="http://schemas.microsoft.com/office/drawing/2014/main" id="{26522B4F-50C4-4FCE-8AE2-3789D63ED338}"/>
-                </a:ext>
-                <a:ext uri="{C183D7F6-B498-43B3-948B-1728B52AA6E4}">
-                  <adec:decorative xmlns:adec="http://schemas.microsoft.com/office/drawing/2017/decorative" val="1"/>
-                </a:ext>
-              </a:extLst>
-            </p:cNvPr>
-            <p:cNvCxnSpPr/>
-            <p:nvPr>
-              <p:extLst>
-                <p:ext uri="{386F3935-93C4-4BCD-93E2-E3B085C9AB24}">
-                  <p16:designElem xmlns:p16="http://schemas.microsoft.com/office/powerpoint/2015/main" val="1"/>
-                </p:ext>
-              </p:extLst>
-            </p:nvPr>
-          </p:nvCxnSpPr>
-          <p:spPr>
-            <a:xfrm flipH="1">
-              <a:off x="9206969" y="3190344"/>
-              <a:ext cx="2981857" cy="2981856"/>
-            </a:xfrm>
-            <a:prstGeom prst="line">
-              <a:avLst/>
-            </a:prstGeom>
-            <a:ln w="9525">
-              <a:solidFill>
-                <a:schemeClr val="tx1"/>
-              </a:solidFill>
-            </a:ln>
-          </p:spPr>
-          <p:style>
-            <a:lnRef idx="2">
-              <a:schemeClr val="accent1"/>
-            </a:lnRef>
-            <a:fillRef idx="0">
-              <a:schemeClr val="accent1"/>
-            </a:fillRef>
-            <a:effectRef idx="1">
-              <a:schemeClr val="accent1"/>
-            </a:effectRef>
-            <a:fontRef idx="minor">
-              <a:schemeClr val="tx1"/>
-            </a:fontRef>
-          </p:style>
-        </p:cxnSp>
-        <p:cxnSp>
-          <p:nvCxnSpPr>
-            <p:cNvPr id="127" name="Straight Connector 126">
-              <a:extLst>
-                <a:ext uri="{FF2B5EF4-FFF2-40B4-BE49-F238E27FC236}">
-                  <a16:creationId xmlns:a16="http://schemas.microsoft.com/office/drawing/2014/main" id="{2C3978FC-B5D1-42BE-B086-BC2A733D58F0}"/>
-                </a:ext>
-                <a:ext uri="{C183D7F6-B498-43B3-948B-1728B52AA6E4}">
-                  <adec:decorative xmlns:adec="http://schemas.microsoft.com/office/drawing/2017/decorative" val="1"/>
-                </a:ext>
-              </a:extLst>
-            </p:cNvPr>
-            <p:cNvCxnSpPr/>
-            <p:nvPr>
-              <p:extLst>
-                <p:ext uri="{386F3935-93C4-4BCD-93E2-E3B085C9AB24}">
-                  <p16:designElem xmlns:p16="http://schemas.microsoft.com/office/powerpoint/2015/main" val="1"/>
-                </p:ext>
-              </p:extLst>
-            </p:nvPr>
-          </p:nvCxnSpPr>
-          <p:spPr>
-            <a:xfrm flipH="1">
-              <a:off x="10292292" y="3285067"/>
-              <a:ext cx="1896534" cy="1896533"/>
-            </a:xfrm>
-            <a:prstGeom prst="line">
-              <a:avLst/>
-            </a:prstGeom>
-            <a:ln w="9525">
-              <a:solidFill>
-                <a:schemeClr val="tx1"/>
-              </a:solidFill>
-            </a:ln>
-          </p:spPr>
-          <p:style>
-            <a:lnRef idx="2">
-              <a:schemeClr val="accent1"/>
-            </a:lnRef>
-            <a:fillRef idx="0">
-              <a:schemeClr val="accent1"/>
-            </a:fillRef>
-            <a:effectRef idx="1">
-              <a:schemeClr val="accent1"/>
-            </a:effectRef>
-            <a:fontRef idx="minor">
-              <a:schemeClr val="tx1"/>
-            </a:fontRef>
-          </p:style>
-        </p:cxnSp>
-        <p:cxnSp>
-          <p:nvCxnSpPr>
-            <p:cNvPr id="128" name="Straight Connector 127">
-              <a:extLst>
-                <a:ext uri="{FF2B5EF4-FFF2-40B4-BE49-F238E27FC236}">
-                  <a16:creationId xmlns:a16="http://schemas.microsoft.com/office/drawing/2014/main" id="{ACED99F1-340D-4970-8E66-3B28E9271122}"/>
-                </a:ext>
-                <a:ext uri="{C183D7F6-B498-43B3-948B-1728B52AA6E4}">
-                  <adec:decorative xmlns:adec="http://schemas.microsoft.com/office/drawing/2017/decorative" val="1"/>
-                </a:ext>
-              </a:extLst>
-            </p:cNvPr>
-            <p:cNvCxnSpPr/>
-            <p:nvPr>
-              <p:extLst>
-                <p:ext uri="{386F3935-93C4-4BCD-93E2-E3B085C9AB24}">
-                  <p16:designElem xmlns:p16="http://schemas.microsoft.com/office/powerpoint/2015/main" val="1"/>
-                </p:ext>
-              </p:extLst>
-            </p:nvPr>
-          </p:nvCxnSpPr>
-          <p:spPr>
-            <a:xfrm flipH="1">
-              <a:off x="10443103" y="3131080"/>
-              <a:ext cx="1745722" cy="1745720"/>
-            </a:xfrm>
-            <a:prstGeom prst="line">
-              <a:avLst/>
-            </a:prstGeom>
-            <a:ln w="28575">
-              <a:solidFill>
-                <a:schemeClr val="tx1"/>
-              </a:solidFill>
-            </a:ln>
-          </p:spPr>
-          <p:style>
-            <a:lnRef idx="2">
-              <a:schemeClr val="accent1"/>
-            </a:lnRef>
-            <a:fillRef idx="0">
-              <a:schemeClr val="accent1"/>
-            </a:fillRef>
-            <a:effectRef idx="1">
-              <a:schemeClr val="accent1"/>
-            </a:effectRef>
-            <a:fontRef idx="minor">
-              <a:schemeClr val="tx1"/>
-            </a:fontRef>
-          </p:style>
-        </p:cxnSp>
-        <p:cxnSp>
-          <p:nvCxnSpPr>
-            <p:cNvPr id="129" name="Straight Connector 128">
-              <a:extLst>
-                <a:ext uri="{FF2B5EF4-FFF2-40B4-BE49-F238E27FC236}">
-                  <a16:creationId xmlns:a16="http://schemas.microsoft.com/office/drawing/2014/main" id="{50A54E39-63C0-4847-A766-C6B74FEB48D9}"/>
-                </a:ext>
-                <a:ext uri="{C183D7F6-B498-43B3-948B-1728B52AA6E4}">
-                  <adec:decorative xmlns:adec="http://schemas.microsoft.com/office/drawing/2017/decorative" val="1"/>
-                </a:ext>
-              </a:extLst>
-            </p:cNvPr>
-            <p:cNvCxnSpPr/>
-            <p:nvPr>
-              <p:extLst>
-                <p:ext uri="{386F3935-93C4-4BCD-93E2-E3B085C9AB24}">
-                  <p16:designElem xmlns:p16="http://schemas.microsoft.com/office/powerpoint/2015/main" val="1"/>
-                </p:ext>
-              </p:extLst>
-            </p:nvPr>
-          </p:nvCxnSpPr>
-          <p:spPr>
-            <a:xfrm flipH="1">
-              <a:off x="10918826" y="3683001"/>
-              <a:ext cx="1270001" cy="1269999"/>
-            </a:xfrm>
-            <a:prstGeom prst="line">
-              <a:avLst/>
-            </a:prstGeom>
-            <a:ln w="28575">
-              <a:solidFill>
-                <a:schemeClr val="tx1"/>
-              </a:solidFill>
-            </a:ln>
-          </p:spPr>
-          <p:style>
-            <a:lnRef idx="2">
-              <a:schemeClr val="accent1"/>
-            </a:lnRef>
-            <a:fillRef idx="0">
-              <a:schemeClr val="accent1"/>
-            </a:fillRef>
-            <a:effectRef idx="1">
-              <a:schemeClr val="accent1"/>
-            </a:effectRef>
-            <a:fontRef idx="minor">
-              <a:schemeClr val="tx1"/>
-            </a:fontRef>
-          </p:style>
-        </p:cxnSp>
-      </p:grpSp>
+            <a:off x="684212" y="685799"/>
+            <a:ext cx="8001000" cy="2971801"/>
+          </a:xfrm>
+        </p:spPr>
+        <p:txBody>
+          <a:bodyPr>
+            <a:normAutofit/>
+          </a:bodyPr>
+          <a:lstStyle/>
+          <a:p>
+            <a:r>
+              <a:rPr lang="de-DE"/>
+              <a:t>Etourism</a:t>
+            </a:r>
+            <a:endParaRPr lang="de-DE" dirty="0"/>
+          </a:p>
+        </p:txBody>
+      </p:sp>
+      <p:sp>
+        <p:nvSpPr>
+          <p:cNvPr id="3" name="Untertitel 2">
+            <a:extLst>
+              <a:ext uri="{FF2B5EF4-FFF2-40B4-BE49-F238E27FC236}">
+                <a16:creationId xmlns:a16="http://schemas.microsoft.com/office/drawing/2014/main" id="{ADB403E7-8222-48C7-AE38-F3F37EF6F3D0}"/>
+              </a:ext>
+            </a:extLst>
+          </p:cNvPr>
+          <p:cNvSpPr>
+            <a:spLocks noGrp="1"/>
+          </p:cNvSpPr>
+          <p:nvPr>
+            <p:ph type="subTitle" idx="1"/>
+          </p:nvPr>
+        </p:nvSpPr>
+        <p:spPr>
+          <a:xfrm>
+            <a:off x="684212" y="3843867"/>
+            <a:ext cx="6765100" cy="1947333"/>
+          </a:xfrm>
+        </p:spPr>
+        <p:txBody>
+          <a:bodyPr>
+            <a:normAutofit/>
+          </a:bodyPr>
+          <a:lstStyle/>
+          <a:p>
+            <a:r>
+              <a:rPr lang="de-DE"/>
+              <a:t>Benjamin Swarovsky</a:t>
+            </a:r>
+            <a:endParaRPr lang="de-DE" dirty="0"/>
+          </a:p>
+        </p:txBody>
+      </p:sp>
       <p:sp>
         <p:nvSpPr>
           <p:cNvPr id="6" name="Textfeld 5">
@@ -7049,7 +6906,7 @@
           <p:cNvPr id="2" name="Titel 1">
             <a:extLst>
               <a:ext uri="{FF2B5EF4-FFF2-40B4-BE49-F238E27FC236}">
-                <a16:creationId xmlns:a16="http://schemas.microsoft.com/office/drawing/2014/main" id="{A268761E-C0F3-4458-8CB2-E07C26138624}"/>
+                <a16:creationId xmlns:a16="http://schemas.microsoft.com/office/drawing/2014/main" id="{EAE5E7E1-FDE4-48D3-AB11-E2775F64F9BE}"/>
               </a:ext>
             </a:extLst>
           </p:cNvPr>
@@ -7076,7 +6933,7 @@
             </a:br>
             <a:r>
               <a:rPr lang="de-DE" dirty="0"/>
-              <a:t>Flughafen</a:t>
+              <a:t>Hotel und Gastronomie</a:t>
             </a:r>
             <a:br>
               <a:rPr lang="de-DE" dirty="0"/>
@@ -7090,7 +6947,7 @@
           <p:cNvPr id="4" name="Textplatzhalter 3">
             <a:extLst>
               <a:ext uri="{FF2B5EF4-FFF2-40B4-BE49-F238E27FC236}">
-                <a16:creationId xmlns:a16="http://schemas.microsoft.com/office/drawing/2014/main" id="{CE2DA3CB-D0FA-4E99-88A7-52E96FD4B579}"/>
+                <a16:creationId xmlns:a16="http://schemas.microsoft.com/office/drawing/2014/main" id="{E354CEC6-E3B2-4AC8-AF1A-EA36FC182EAF}"/>
               </a:ext>
             </a:extLst>
           </p:cNvPr>
@@ -7104,26 +6961,71 @@
         <p:spPr/>
         <p:txBody>
           <a:bodyPr>
-            <a:normAutofit/>
+            <a:normAutofit fontScale="92500" lnSpcReduction="20000"/>
           </a:bodyPr>
           <a:lstStyle/>
           <a:p>
+            <a:pPr marL="285750" indent="-285750">
+              <a:buFont typeface="Arial" panose="020B0604020202020204" pitchFamily="34" charset="0"/>
+              <a:buChar char="•"/>
+            </a:pPr>
             <a:r>
               <a:rPr lang="de-DE" sz="1800" dirty="0"/>
-              <a:t>Die Systeme sorgen für den reibungslosen Ablauf des Flughafenbetriebes</a:t>
-            </a:r>
-          </a:p>
-          <a:p>
+              <a:t>Ausgebautes WLAN</a:t>
+            </a:r>
+          </a:p>
+          <a:p>
+            <a:pPr marL="285750" indent="-285750">
+              <a:buFont typeface="Arial" panose="020B0604020202020204" pitchFamily="34" charset="0"/>
+              <a:buChar char="•"/>
+            </a:pPr>
             <a:r>
               <a:rPr lang="de-DE" sz="1800" dirty="0"/>
-              <a:t>Für die Planung von Abläufen wie etwa für die Flugzeugabfertigung sowohl kurz- als auch Langfristig, kommen Planungs- Dispositions- und Administrationssystemen zum Einsatz. </a:t>
-            </a:r>
-          </a:p>
-          <a:p>
+              <a:t>Moderne Kassensysteme wie Gastrofix</a:t>
+            </a:r>
+          </a:p>
+          <a:p>
+            <a:pPr marL="285750" indent="-285750">
+              <a:buFont typeface="Arial" panose="020B0604020202020204" pitchFamily="34" charset="0"/>
+              <a:buChar char="•"/>
+            </a:pPr>
             <a:r>
               <a:rPr lang="de-DE" sz="1800" dirty="0"/>
-              <a:t>Passagierleitsysteme betrachten auch Großflächig den verkehr um den Bereich des Flughafens</a:t>
-            </a:r>
+              <a:t>CRS zur Verbindung des Hotels mit externen Reisemittlern über ein Global Distribution System</a:t>
+            </a:r>
+          </a:p>
+          <a:p>
+            <a:r>
+              <a:rPr lang="de-DE" sz="1800" dirty="0"/>
+              <a:t>PMS: </a:t>
+            </a:r>
+          </a:p>
+          <a:p>
+            <a:pPr marL="285750" indent="-285750">
+              <a:buFont typeface="Arial" panose="020B0604020202020204" pitchFamily="34" charset="0"/>
+              <a:buChar char="•"/>
+            </a:pPr>
+            <a:r>
+              <a:rPr lang="de-DE" sz="1800" dirty="0"/>
+              <a:t>Check In/Out, Zimmerplanung, Hotelshops (Einzelhandel) und Sicherheitsmanagement</a:t>
+            </a:r>
+          </a:p>
+          <a:p>
+            <a:pPr marL="285750" indent="-285750">
+              <a:buFont typeface="Arial" panose="020B0604020202020204" pitchFamily="34" charset="0"/>
+              <a:buChar char="•"/>
+            </a:pPr>
+            <a:r>
+              <a:rPr lang="de-DE" sz="1800" dirty="0"/>
+              <a:t>Datensammlung ermöglicht Auswertungen wie  Konsumverhalten des Kunden</a:t>
+            </a:r>
+          </a:p>
+          <a:p>
+            <a:r>
+              <a:rPr lang="de-DE" dirty="0"/>
+              <a:t> </a:t>
+            </a:r>
+            <a:endParaRPr lang="de-DE" sz="1800" dirty="0"/>
           </a:p>
           <a:p>
             <a:endParaRPr lang="de-DE" sz="2400" dirty="0"/>
@@ -7135,7 +7037,7 @@
           <p:cNvPr id="5" name="Fußzeilenplatzhalter 4">
             <a:extLst>
               <a:ext uri="{FF2B5EF4-FFF2-40B4-BE49-F238E27FC236}">
-                <a16:creationId xmlns:a16="http://schemas.microsoft.com/office/drawing/2014/main" id="{90145DC8-D07B-4A67-9013-CDE4B720DB78}"/>
+                <a16:creationId xmlns:a16="http://schemas.microsoft.com/office/drawing/2014/main" id="{55321C3E-E619-480B-9D06-481DC3EE0511}"/>
               </a:ext>
             </a:extLst>
           </p:cNvPr>
@@ -7163,7 +7065,7 @@
           <p:cNvPr id="6" name="Foliennummernplatzhalter 5">
             <a:extLst>
               <a:ext uri="{FF2B5EF4-FFF2-40B4-BE49-F238E27FC236}">
-                <a16:creationId xmlns:a16="http://schemas.microsoft.com/office/drawing/2014/main" id="{8C9B7379-F5DF-40AE-B884-BDF60C15B927}"/>
+                <a16:creationId xmlns:a16="http://schemas.microsoft.com/office/drawing/2014/main" id="{811E94D4-63B8-40A4-9D13-DA23C6CCEED8}"/>
               </a:ext>
             </a:extLst>
           </p:cNvPr>
@@ -7192,7 +7094,7 @@
           <p:cNvPr id="7" name="Inhaltsplatzhalter 6">
             <a:extLst>
               <a:ext uri="{FF2B5EF4-FFF2-40B4-BE49-F238E27FC236}">
-                <a16:creationId xmlns:a16="http://schemas.microsoft.com/office/drawing/2014/main" id="{FF79E92A-CAAB-4541-B833-711E585A5B98}"/>
+                <a16:creationId xmlns:a16="http://schemas.microsoft.com/office/drawing/2014/main" id="{8EEDA8C4-EF58-4292-82FA-B5CEE396E12A}"/>
               </a:ext>
             </a:extLst>
           </p:cNvPr>
@@ -7218,8 +7120,8 @@
         </p:blipFill>
         <p:spPr bwMode="auto">
           <a:xfrm>
-            <a:off x="6096000" y="1187917"/>
-            <a:ext cx="5831418" cy="4482165"/>
+            <a:off x="6096000" y="1138895"/>
+            <a:ext cx="5836356" cy="4231127"/>
           </a:xfrm>
           <a:prstGeom prst="rect">
             <a:avLst/>
@@ -7230,10 +7132,48 @@
           </a:ln>
         </p:spPr>
       </p:pic>
+      <p:sp>
+        <p:nvSpPr>
+          <p:cNvPr id="3" name="Textfeld 2">
+            <a:extLst>
+              <a:ext uri="{FF2B5EF4-FFF2-40B4-BE49-F238E27FC236}">
+                <a16:creationId xmlns:a16="http://schemas.microsoft.com/office/drawing/2014/main" id="{C97A41A2-EF12-4283-8459-6F9B064CE97C}"/>
+              </a:ext>
+            </a:extLst>
+          </p:cNvPr>
+          <p:cNvSpPr txBox="1"/>
+          <p:nvPr/>
+        </p:nvSpPr>
+        <p:spPr>
+          <a:xfrm>
+            <a:off x="6005689" y="5407522"/>
+            <a:ext cx="3860800" cy="615553"/>
+          </a:xfrm>
+          <a:prstGeom prst="rect">
+            <a:avLst/>
+          </a:prstGeom>
+          <a:noFill/>
+        </p:spPr>
+        <p:txBody>
+          <a:bodyPr wrap="square" rtlCol="0">
+            <a:spAutoFit/>
+          </a:bodyPr>
+          <a:lstStyle/>
+          <a:p>
+            <a:r>
+              <a:rPr lang="de-DE" sz="800" dirty="0"/>
+              <a:t>Quelle: Goecke, R. (23. 05 2020). https://www.tourismus-it.de/it-systeme/anbieter-systeme/12-23-im-in-hotel-und-gastronomie </a:t>
+            </a:r>
+          </a:p>
+          <a:p>
+            <a:endParaRPr lang="de-DE" dirty="0"/>
+          </a:p>
+        </p:txBody>
+      </p:sp>
     </p:spTree>
     <p:extLst>
       <p:ext uri="{BB962C8B-B14F-4D97-AF65-F5344CB8AC3E}">
-        <p14:creationId xmlns:p14="http://schemas.microsoft.com/office/powerpoint/2010/main" val="2379958642"/>
+        <p14:creationId xmlns:p14="http://schemas.microsoft.com/office/powerpoint/2010/main" val="3562172237"/>
       </p:ext>
     </p:extLst>
   </p:cSld>
@@ -7285,14 +7225,14 @@
           <a:p>
             <a:r>
               <a:rPr lang="de-DE" dirty="0" err="1"/>
-              <a:t>LeistungsanbieterSysteme</a:t>
+              <a:t>ReisemittlerSysteme</a:t>
             </a:r>
             <a:br>
               <a:rPr lang="de-DE" dirty="0"/>
             </a:br>
             <a:r>
               <a:rPr lang="de-DE" dirty="0"/>
-              <a:t>Hotel und Gastronomie</a:t>
+              <a:t>Global Distribution System</a:t>
             </a:r>
             <a:br>
               <a:rPr lang="de-DE" dirty="0"/>
@@ -7320,41 +7260,17 @@
         <p:spPr/>
         <p:txBody>
           <a:bodyPr>
-            <a:normAutofit fontScale="92500" lnSpcReduction="10000"/>
+            <a:normAutofit/>
           </a:bodyPr>
           <a:lstStyle/>
-          <a:p>
-            <a:r>
-              <a:rPr lang="de-DE" sz="1800" dirty="0"/>
-              <a:t>Ausgebautes WLAN</a:t>
-            </a:r>
-          </a:p>
-          <a:p>
-            <a:r>
-              <a:rPr lang="de-DE" sz="1800" dirty="0"/>
-              <a:t>Moderne Kassensysteme wie zum Beispiel Gastrofix</a:t>
-            </a:r>
-          </a:p>
-          <a:p>
-            <a:r>
-              <a:rPr lang="de-DE" sz="1800" dirty="0"/>
-              <a:t>CRS zur Verbindung des Hotels mit externen Reisemittlern über ein Global Distribution System</a:t>
-            </a:r>
-          </a:p>
-          <a:p>
-            <a:r>
-              <a:rPr lang="de-DE" sz="1800" dirty="0"/>
-              <a:t>PMS: </a:t>
-            </a:r>
-          </a:p>
           <a:p>
             <a:pPr marL="285750" indent="-285750">
               <a:buFont typeface="Arial" panose="020B0604020202020204" pitchFamily="34" charset="0"/>
               <a:buChar char="•"/>
             </a:pPr>
             <a:r>
-              <a:rPr lang="de-DE" dirty="0"/>
-              <a:t>Check In/Out, Zimmerplanung, Hotelshops (Einzelhandel) und Sicherheitsmanagement</a:t>
+              <a:rPr lang="de-DE" sz="1800" dirty="0"/>
+              <a:t>Weltweit verzweigtes Netz verschiedener Reservierungssysteme </a:t>
             </a:r>
           </a:p>
           <a:p>
@@ -7362,32 +7278,42 @@
               <a:buFont typeface="Arial" panose="020B0604020202020204" pitchFamily="34" charset="0"/>
               <a:buChar char="•"/>
             </a:pPr>
-            <a:r>
-              <a:rPr lang="de-DE" dirty="0"/>
-              <a:t>Datensammlung ermöglicht </a:t>
-            </a:r>
-            <a:r>
-              <a:rPr lang="de-DE" dirty="0" err="1"/>
-              <a:t>Auswrtungen</a:t>
-            </a:r>
-            <a:r>
-              <a:rPr lang="de-DE" dirty="0"/>
-              <a:t> wie Beispielsweise Konsumverhalten </a:t>
-            </a:r>
-            <a:r>
-              <a:rPr lang="de-DE"/>
-              <a:t>des Kunden</a:t>
-            </a:r>
-          </a:p>
-          <a:p>
-            <a:r>
-              <a:rPr lang="de-DE" dirty="0"/>
-              <a:t> </a:t>
-            </a:r>
             <a:endParaRPr lang="de-DE" sz="1800" dirty="0"/>
           </a:p>
           <a:p>
-            <a:endParaRPr lang="de-DE" sz="2400" dirty="0"/>
+            <a:pPr marL="285750" indent="-285750">
+              <a:buFont typeface="Arial" panose="020B0604020202020204" pitchFamily="34" charset="0"/>
+              <a:buChar char="•"/>
+            </a:pPr>
+            <a:r>
+              <a:rPr lang="de-DE" sz="1800" dirty="0"/>
+              <a:t>Weltweite Kommunikationszentrale</a:t>
+            </a:r>
+          </a:p>
+          <a:p>
+            <a:pPr marL="285750" indent="-285750">
+              <a:buFont typeface="Arial" panose="020B0604020202020204" pitchFamily="34" charset="0"/>
+              <a:buChar char="•"/>
+            </a:pPr>
+            <a:endParaRPr lang="de-DE" sz="1800" dirty="0"/>
+          </a:p>
+          <a:p>
+            <a:pPr marL="285750" indent="-285750">
+              <a:buFont typeface="Arial" panose="020B0604020202020204" pitchFamily="34" charset="0"/>
+              <a:buChar char="•"/>
+            </a:pPr>
+            <a:r>
+              <a:rPr lang="de-DE" sz="1800" dirty="0"/>
+              <a:t>Hersteller: Amadeus, Sabre und </a:t>
+            </a:r>
+            <a:r>
+              <a:rPr lang="de-DE" sz="1800" dirty="0" err="1"/>
+              <a:t>Travelport</a:t>
+            </a:r>
+            <a:endParaRPr lang="de-DE" sz="1800" dirty="0"/>
+          </a:p>
+          <a:p>
+            <a:endParaRPr lang="de-DE" sz="1800" dirty="0"/>
           </a:p>
         </p:txBody>
       </p:sp>
@@ -7450,10 +7376,10 @@
       </p:sp>
       <p:pic>
         <p:nvPicPr>
-          <p:cNvPr id="7" name="Inhaltsplatzhalter 6">
+          <p:cNvPr id="9" name="Inhaltsplatzhalter 8">
             <a:extLst>
               <a:ext uri="{FF2B5EF4-FFF2-40B4-BE49-F238E27FC236}">
-                <a16:creationId xmlns:a16="http://schemas.microsoft.com/office/drawing/2014/main" id="{8EEDA8C4-EF58-4292-82FA-B5CEE396E12A}"/>
+                <a16:creationId xmlns:a16="http://schemas.microsoft.com/office/drawing/2014/main" id="{135CFEE4-E184-4E36-A98A-07B52D1E2C3D}"/>
               </a:ext>
             </a:extLst>
           </p:cNvPr>
@@ -7479,8 +7405,8 @@
         </p:blipFill>
         <p:spPr bwMode="auto">
           <a:xfrm>
-            <a:off x="5910614" y="1053808"/>
-            <a:ext cx="6102351" cy="4453887"/>
+            <a:off x="6096000" y="2166428"/>
+            <a:ext cx="5915403" cy="2147101"/>
           </a:xfrm>
           <a:prstGeom prst="rect">
             <a:avLst/>
@@ -7491,10 +7417,48 @@
           </a:ln>
         </p:spPr>
       </p:pic>
+      <p:sp>
+        <p:nvSpPr>
+          <p:cNvPr id="3" name="Textfeld 2">
+            <a:extLst>
+              <a:ext uri="{FF2B5EF4-FFF2-40B4-BE49-F238E27FC236}">
+                <a16:creationId xmlns:a16="http://schemas.microsoft.com/office/drawing/2014/main" id="{ABC68956-5F62-43FF-9CD0-A64442DBC754}"/>
+              </a:ext>
+            </a:extLst>
+          </p:cNvPr>
+          <p:cNvSpPr txBox="1"/>
+          <p:nvPr/>
+        </p:nvSpPr>
+        <p:spPr>
+          <a:xfrm>
+            <a:off x="6005689" y="4389701"/>
+            <a:ext cx="3996267" cy="615553"/>
+          </a:xfrm>
+          <a:prstGeom prst="rect">
+            <a:avLst/>
+          </a:prstGeom>
+          <a:noFill/>
+        </p:spPr>
+        <p:txBody>
+          <a:bodyPr wrap="square" rtlCol="0">
+            <a:spAutoFit/>
+          </a:bodyPr>
+          <a:lstStyle/>
+          <a:p>
+            <a:r>
+              <a:rPr lang="de-DE" sz="800" dirty="0"/>
+              <a:t>Quelle: Schulz, A. (04. 06 2020). https://www.tourismus-it.de/it-systeme/reisemittlersysteme/26-42-global-distribution-systeme-gds abgerufen</a:t>
+            </a:r>
+          </a:p>
+          <a:p>
+            <a:endParaRPr lang="de-DE" dirty="0"/>
+          </a:p>
+        </p:txBody>
+      </p:sp>
     </p:spTree>
     <p:extLst>
       <p:ext uri="{BB962C8B-B14F-4D97-AF65-F5344CB8AC3E}">
-        <p14:creationId xmlns:p14="http://schemas.microsoft.com/office/powerpoint/2010/main" val="3562172237"/>
+        <p14:creationId xmlns:p14="http://schemas.microsoft.com/office/powerpoint/2010/main" val="216971525"/>
       </p:ext>
     </p:extLst>
   </p:cSld>
@@ -7526,7 +7490,7 @@
           <p:cNvPr id="2" name="Titel 1">
             <a:extLst>
               <a:ext uri="{FF2B5EF4-FFF2-40B4-BE49-F238E27FC236}">
-                <a16:creationId xmlns:a16="http://schemas.microsoft.com/office/drawing/2014/main" id="{EAE5E7E1-FDE4-48D3-AB11-E2775F64F9BE}"/>
+                <a16:creationId xmlns:a16="http://schemas.microsoft.com/office/drawing/2014/main" id="{F95C437A-E468-4E3E-9925-6E787BB6E02E}"/>
               </a:ext>
             </a:extLst>
           </p:cNvPr>
@@ -7539,9 +7503,7 @@
         </p:nvSpPr>
         <p:spPr/>
         <p:txBody>
-          <a:bodyPr>
-            <a:normAutofit fontScale="90000"/>
-          </a:bodyPr>
+          <a:bodyPr/>
           <a:lstStyle/>
           <a:p>
             <a:r>
@@ -7553,21 +7515,17 @@
             </a:br>
             <a:r>
               <a:rPr lang="de-DE" dirty="0"/>
-              <a:t>Global Distribution System</a:t>
-            </a:r>
-            <a:br>
-              <a:rPr lang="de-DE" dirty="0"/>
-            </a:br>
-            <a:endParaRPr lang="de-DE" dirty="0"/>
-          </a:p>
-        </p:txBody>
-      </p:sp>
-      <p:sp>
-        <p:nvSpPr>
-          <p:cNvPr id="4" name="Textplatzhalter 3">
+              <a:t>Onlinebuchung </a:t>
+            </a:r>
+          </a:p>
+        </p:txBody>
+      </p:sp>
+      <p:sp>
+        <p:nvSpPr>
+          <p:cNvPr id="3" name="Textplatzhalter 2">
             <a:extLst>
               <a:ext uri="{FF2B5EF4-FFF2-40B4-BE49-F238E27FC236}">
-                <a16:creationId xmlns:a16="http://schemas.microsoft.com/office/drawing/2014/main" id="{E354CEC6-E3B2-4AC8-AF1A-EA36FC182EAF}"/>
+                <a16:creationId xmlns:a16="http://schemas.microsoft.com/office/drawing/2014/main" id="{D55B8125-EBC3-4115-BCAB-FABD7252618B}"/>
               </a:ext>
             </a:extLst>
           </p:cNvPr>
@@ -7575,7 +7533,7 @@
             <a:spLocks noGrp="1"/>
           </p:cNvSpPr>
           <p:nvPr>
-            <p:ph type="body" sz="half" idx="2"/>
+            <p:ph type="body" idx="1"/>
           </p:nvPr>
         </p:nvSpPr>
         <p:spPr/>
@@ -7585,45 +7543,98 @@
           </a:bodyPr>
           <a:lstStyle/>
           <a:p>
-            <a:r>
-              <a:rPr lang="de-DE" sz="1800" dirty="0"/>
-              <a:t>Weltweit verzweigtes Netz verschiedener Reservierungssysteme </a:t>
-            </a:r>
-          </a:p>
-          <a:p>
-            <a:endParaRPr lang="de-DE" sz="1800" dirty="0"/>
-          </a:p>
-          <a:p>
-            <a:r>
-              <a:rPr lang="de-DE" sz="1800" dirty="0"/>
-              <a:t>Weltweite Kommunikationszentrale</a:t>
-            </a:r>
-          </a:p>
-          <a:p>
-            <a:endParaRPr lang="de-DE" sz="1800" dirty="0"/>
-          </a:p>
-          <a:p>
-            <a:r>
-              <a:rPr lang="de-DE" sz="1800" dirty="0"/>
-              <a:t>Hersteller: Amadeus, Sabre und </a:t>
-            </a:r>
-            <a:r>
-              <a:rPr lang="de-DE" sz="1800" dirty="0" err="1"/>
-              <a:t>Travelport</a:t>
-            </a:r>
-            <a:endParaRPr lang="de-DE" sz="1800" dirty="0"/>
-          </a:p>
-          <a:p>
-            <a:endParaRPr lang="de-DE" sz="1800" dirty="0"/>
-          </a:p>
-        </p:txBody>
-      </p:sp>
-      <p:sp>
-        <p:nvSpPr>
-          <p:cNvPr id="5" name="Fußzeilenplatzhalter 4">
+            <a:pPr marL="342900" indent="-342900">
+              <a:buFont typeface="Arial" panose="020B0604020202020204" pitchFamily="34" charset="0"/>
+              <a:buChar char="•"/>
+            </a:pPr>
+            <a:r>
+              <a:rPr lang="de-DE" dirty="0"/>
+              <a:t>Decken alle Zahlungsmöglichkeiten ab</a:t>
+            </a:r>
+          </a:p>
+          <a:p>
+            <a:pPr marL="342900" indent="-342900">
+              <a:buFont typeface="Arial" panose="020B0604020202020204" pitchFamily="34" charset="0"/>
+              <a:buChar char="•"/>
+            </a:pPr>
+            <a:r>
+              <a:rPr lang="de-DE" dirty="0"/>
+              <a:t>Schnittstellen zu CMS , </a:t>
+            </a:r>
+            <a:r>
+              <a:rPr lang="de-DE" dirty="0" err="1"/>
+              <a:t>Buchungsplatformen</a:t>
+            </a:r>
+            <a:r>
+              <a:rPr lang="de-DE" dirty="0"/>
+              <a:t>, </a:t>
+            </a:r>
+            <a:r>
+              <a:rPr lang="de-DE" dirty="0" err="1"/>
+              <a:t>Social</a:t>
+            </a:r>
+            <a:r>
+              <a:rPr lang="de-DE" dirty="0"/>
+              <a:t> Commerce und Analysetools</a:t>
+            </a:r>
+          </a:p>
+          <a:p>
+            <a:pPr marL="342900" indent="-342900">
+              <a:buFont typeface="Arial" panose="020B0604020202020204" pitchFamily="34" charset="0"/>
+              <a:buChar char="•"/>
+            </a:pPr>
+            <a:r>
+              <a:rPr lang="de-DE" dirty="0"/>
+              <a:t>Vorteile: Verfügbarkeit, Vergleichbarkeit</a:t>
+            </a:r>
+          </a:p>
+          <a:p>
+            <a:pPr marL="342900" indent="-342900">
+              <a:buFont typeface="Arial" panose="020B0604020202020204" pitchFamily="34" charset="0"/>
+              <a:buChar char="•"/>
+            </a:pPr>
+            <a:r>
+              <a:rPr lang="de-DE" dirty="0"/>
+              <a:t>Nachteil: fehlende Glaubwürdigkeit, Preisgeben Persönlicher Daten</a:t>
+            </a:r>
+          </a:p>
+          <a:p>
+            <a:pPr marL="342900" indent="-342900">
+              <a:buFont typeface="Arial" panose="020B0604020202020204" pitchFamily="34" charset="0"/>
+              <a:buChar char="•"/>
+            </a:pPr>
+            <a:r>
+              <a:rPr lang="de-DE" dirty="0"/>
+              <a:t>Beispielsysteme: </a:t>
+            </a:r>
+            <a:r>
+              <a:rPr lang="de-DE" dirty="0" err="1"/>
+              <a:t>TravelTainment</a:t>
+            </a:r>
+            <a:r>
+              <a:rPr lang="de-DE" dirty="0"/>
+              <a:t> IBE (Reisen), </a:t>
+            </a:r>
+            <a:r>
+              <a:rPr lang="de-DE" dirty="0" err="1"/>
+              <a:t>cruiseportal</a:t>
+            </a:r>
+            <a:r>
+              <a:rPr lang="de-DE" dirty="0"/>
+              <a:t> (Kreuzfahrten) und Sunny Cars (Mietwagen)</a:t>
+            </a:r>
+          </a:p>
+          <a:p>
+            <a:endParaRPr lang="de-DE" dirty="0"/>
+          </a:p>
+        </p:txBody>
+      </p:sp>
+      <p:sp>
+        <p:nvSpPr>
+          <p:cNvPr id="4" name="Fußzeilenplatzhalter 3">
             <a:extLst>
               <a:ext uri="{FF2B5EF4-FFF2-40B4-BE49-F238E27FC236}">
-                <a16:creationId xmlns:a16="http://schemas.microsoft.com/office/drawing/2014/main" id="{55321C3E-E619-480B-9D06-481DC3EE0511}"/>
+                <a16:creationId xmlns:a16="http://schemas.microsoft.com/office/drawing/2014/main" id="{E3F38A19-3A8B-41AD-A177-63A29F0D3E87}"/>
               </a:ext>
             </a:extLst>
           </p:cNvPr>
@@ -7643,15 +7654,16 @@
               <a:rPr lang="de-DE"/>
               <a:t>Benjamin Swarovsky                                                                                                            eTourism</a:t>
             </a:r>
-          </a:p>
-        </p:txBody>
-      </p:sp>
-      <p:sp>
-        <p:nvSpPr>
-          <p:cNvPr id="6" name="Foliennummernplatzhalter 5">
+            <a:endParaRPr lang="de-DE" dirty="0"/>
+          </a:p>
+        </p:txBody>
+      </p:sp>
+      <p:sp>
+        <p:nvSpPr>
+          <p:cNvPr id="5" name="Foliennummernplatzhalter 4">
             <a:extLst>
               <a:ext uri="{FF2B5EF4-FFF2-40B4-BE49-F238E27FC236}">
-                <a16:creationId xmlns:a16="http://schemas.microsoft.com/office/drawing/2014/main" id="{811E94D4-63B8-40A4-9D13-DA23C6CCEED8}"/>
+                <a16:creationId xmlns:a16="http://schemas.microsoft.com/office/drawing/2014/main" id="{643EF6EF-637C-417C-890A-B2C70662D956}"/>
               </a:ext>
             </a:extLst>
           </p:cNvPr>
@@ -7675,53 +7687,10 @@
           </a:p>
         </p:txBody>
       </p:sp>
-      <p:pic>
-        <p:nvPicPr>
-          <p:cNvPr id="9" name="Inhaltsplatzhalter 8">
-            <a:extLst>
-              <a:ext uri="{FF2B5EF4-FFF2-40B4-BE49-F238E27FC236}">
-                <a16:creationId xmlns:a16="http://schemas.microsoft.com/office/drawing/2014/main" id="{135CFEE4-E184-4E36-A98A-07B52D1E2C3D}"/>
-              </a:ext>
-            </a:extLst>
-          </p:cNvPr>
-          <p:cNvPicPr>
-            <a:picLocks noGrp="1"/>
-          </p:cNvPicPr>
-          <p:nvPr>
-            <p:ph idx="1"/>
-          </p:nvPr>
-        </p:nvPicPr>
-        <p:blipFill>
-          <a:blip r:embed="rId2">
-            <a:extLst>
-              <a:ext uri="{28A0092B-C50C-407E-A947-70E740481C1C}">
-                <a14:useLocalDpi xmlns:a14="http://schemas.microsoft.com/office/drawing/2010/main" val="0"/>
-              </a:ext>
-            </a:extLst>
-          </a:blip>
-          <a:srcRect/>
-          <a:stretch>
-            <a:fillRect/>
-          </a:stretch>
-        </p:blipFill>
-        <p:spPr bwMode="auto">
-          <a:xfrm>
-            <a:off x="5723442" y="1320502"/>
-            <a:ext cx="5915403" cy="2147101"/>
-          </a:xfrm>
-          <a:prstGeom prst="rect">
-            <a:avLst/>
-          </a:prstGeom>
-          <a:noFill/>
-          <a:ln>
-            <a:noFill/>
-          </a:ln>
-        </p:spPr>
-      </p:pic>
     </p:spTree>
     <p:extLst>
       <p:ext uri="{BB962C8B-B14F-4D97-AF65-F5344CB8AC3E}">
-        <p14:creationId xmlns:p14="http://schemas.microsoft.com/office/powerpoint/2010/main" val="216971525"/>
+        <p14:creationId xmlns:p14="http://schemas.microsoft.com/office/powerpoint/2010/main" val="2140663426"/>
       </p:ext>
     </p:extLst>
   </p:cSld>
@@ -7778,7 +7747,7 @@
             </a:br>
             <a:r>
               <a:rPr lang="de-DE" dirty="0"/>
-              <a:t>Onlinebuchung </a:t>
+              <a:t>Privatvermittlung</a:t>
             </a:r>
           </a:p>
         </p:txBody>
@@ -7801,97 +7770,57 @@
         </p:nvSpPr>
         <p:spPr/>
         <p:txBody>
-          <a:bodyPr>
-            <a:normAutofit lnSpcReduction="10000"/>
-          </a:bodyPr>
-          <a:lstStyle/>
-          <a:p>
-            <a:r>
-              <a:rPr lang="de-DE" dirty="0" err="1"/>
-              <a:t>Flexsibel</a:t>
-            </a:r>
-            <a:r>
-              <a:rPr lang="de-DE" dirty="0"/>
-              <a:t> und anpassbar</a:t>
-            </a:r>
-          </a:p>
-          <a:p>
-            <a:r>
-              <a:rPr lang="de-DE" dirty="0"/>
-              <a:t>Decken alle Zahlungsmöglichkeiten ab</a:t>
-            </a:r>
-          </a:p>
-          <a:p>
-            <a:r>
-              <a:rPr lang="de-DE" dirty="0"/>
-              <a:t>Schnittstellen zu CMS , </a:t>
-            </a:r>
-            <a:r>
-              <a:rPr lang="de-DE" dirty="0" err="1"/>
-              <a:t>Buchungsplatformen</a:t>
-            </a:r>
-            <a:r>
-              <a:rPr lang="de-DE" dirty="0"/>
-              <a:t> wie TripAdvisor und </a:t>
-            </a:r>
-            <a:r>
-              <a:rPr lang="de-DE" dirty="0" err="1"/>
-              <a:t>Social</a:t>
-            </a:r>
-            <a:r>
-              <a:rPr lang="de-DE" dirty="0"/>
-              <a:t> Commerce wie Facebook oder Analysetools wie Google Analytics</a:t>
-            </a:r>
-          </a:p>
-          <a:p>
-            <a:r>
-              <a:rPr lang="de-DE" dirty="0"/>
-              <a:t>Vorteile: </a:t>
-            </a:r>
-            <a:r>
-              <a:rPr lang="de-DE" dirty="0" err="1"/>
-              <a:t>verfügbarkeit</a:t>
-            </a:r>
-            <a:r>
-              <a:rPr lang="de-DE" dirty="0"/>
-              <a:t>, </a:t>
-            </a:r>
-            <a:r>
-              <a:rPr lang="de-DE" dirty="0" err="1"/>
-              <a:t>vergleichbarkeit</a:t>
-            </a:r>
-            <a:endParaRPr lang="de-DE" dirty="0"/>
-          </a:p>
-          <a:p>
-            <a:r>
-              <a:rPr lang="de-DE" dirty="0"/>
-              <a:t>Nachteil: fehlende Glaubwürdigkeit, Preisgeben Persönlicher Daten</a:t>
-            </a:r>
-          </a:p>
-          <a:p>
-            <a:r>
-              <a:rPr lang="de-DE" dirty="0"/>
-              <a:t>Beispielsysteme: </a:t>
-            </a:r>
-            <a:r>
-              <a:rPr lang="de-DE" dirty="0" err="1"/>
-              <a:t>TravelTainment</a:t>
-            </a:r>
-            <a:r>
-              <a:rPr lang="de-DE" dirty="0"/>
-              <a:t> IBE (Reisen), </a:t>
-            </a:r>
-            <a:r>
-              <a:rPr lang="de-DE" dirty="0" err="1"/>
-              <a:t>cruiseportal</a:t>
-            </a:r>
-            <a:r>
-              <a:rPr lang="de-DE" dirty="0"/>
-              <a:t> (Kreuzfahrten) und Sunny Cars (Mietwagen)</a:t>
-            </a:r>
-          </a:p>
-          <a:p>
-            <a:endParaRPr lang="de-DE" dirty="0"/>
+          <a:bodyPr/>
+          <a:lstStyle/>
+          <a:p>
+            <a:pPr marL="342900" indent="-342900">
+              <a:buFont typeface="Arial" panose="020B0604020202020204" pitchFamily="34" charset="0"/>
+              <a:buChar char="•"/>
+            </a:pPr>
+            <a:r>
+              <a:rPr lang="de-DE" dirty="0"/>
+              <a:t>Vermittlung von privatem Wohneigentum an Gäste</a:t>
+            </a:r>
+          </a:p>
+          <a:p>
+            <a:pPr marL="342900" indent="-342900">
+              <a:buFont typeface="Arial" panose="020B0604020202020204" pitchFamily="34" charset="0"/>
+              <a:buChar char="•"/>
+            </a:pPr>
+            <a:r>
+              <a:rPr lang="de-DE" dirty="0"/>
+              <a:t>Besonders beliebt bei jungen Leuten </a:t>
+            </a:r>
+          </a:p>
+          <a:p>
+            <a:pPr marL="342900" indent="-342900">
+              <a:buFont typeface="Arial" panose="020B0604020202020204" pitchFamily="34" charset="0"/>
+              <a:buChar char="•"/>
+            </a:pPr>
+            <a:r>
+              <a:rPr lang="de-DE" dirty="0"/>
+              <a:t>Gebühr für Gastgeber: 3-5% </a:t>
+            </a:r>
+          </a:p>
+          <a:p>
+            <a:pPr marL="342900" indent="-342900">
+              <a:buFont typeface="Arial" panose="020B0604020202020204" pitchFamily="34" charset="0"/>
+              <a:buChar char="•"/>
+            </a:pPr>
+            <a:r>
+              <a:rPr lang="de-DE" dirty="0"/>
+              <a:t>Gebühr für Gäste 5-15%</a:t>
+            </a:r>
+          </a:p>
+          <a:p>
+            <a:pPr marL="342900" indent="-342900">
+              <a:buFont typeface="Arial" panose="020B0604020202020204" pitchFamily="34" charset="0"/>
+              <a:buChar char="•"/>
+            </a:pPr>
+            <a:r>
+              <a:rPr lang="de-DE" dirty="0"/>
+              <a:t>Im Januar 2020 wurden über 500 Millionen Unterkünfte in 220 Ländern Angeboten</a:t>
+            </a:r>
           </a:p>
         </p:txBody>
       </p:sp>
@@ -7953,10 +7882,81 @@
           </a:p>
         </p:txBody>
       </p:sp>
+      <p:pic>
+        <p:nvPicPr>
+          <p:cNvPr id="8" name="Grafik 7" descr="Ein Bild, das Zeichnung, Essen enthält.&#10;&#10;Automatisch generierte Beschreibung">
+            <a:extLst>
+              <a:ext uri="{FF2B5EF4-FFF2-40B4-BE49-F238E27FC236}">
+                <a16:creationId xmlns:a16="http://schemas.microsoft.com/office/drawing/2014/main" id="{40F22F68-79D3-45FE-950E-63107994404F}"/>
+              </a:ext>
+            </a:extLst>
+          </p:cNvPr>
+          <p:cNvPicPr>
+            <a:picLocks noChangeAspect="1"/>
+          </p:cNvPicPr>
+          <p:nvPr/>
+        </p:nvPicPr>
+        <p:blipFill>
+          <a:blip r:embed="rId2">
+            <a:extLst>
+              <a:ext uri="{28A0092B-C50C-407E-A947-70E740481C1C}">
+                <a14:useLocalDpi xmlns:a14="http://schemas.microsoft.com/office/drawing/2010/main" val="0"/>
+              </a:ext>
+            </a:extLst>
+          </a:blip>
+          <a:stretch>
+            <a:fillRect/>
+          </a:stretch>
+        </p:blipFill>
+        <p:spPr>
+          <a:xfrm>
+            <a:off x="8228012" y="823675"/>
+            <a:ext cx="1693326" cy="1851020"/>
+          </a:xfrm>
+          <a:prstGeom prst="rect">
+            <a:avLst/>
+          </a:prstGeom>
+        </p:spPr>
+      </p:pic>
+      <p:sp>
+        <p:nvSpPr>
+          <p:cNvPr id="9" name="Textfeld 8">
+            <a:extLst>
+              <a:ext uri="{FF2B5EF4-FFF2-40B4-BE49-F238E27FC236}">
+                <a16:creationId xmlns:a16="http://schemas.microsoft.com/office/drawing/2014/main" id="{CC61AEC7-6CEE-4D21-94BE-7AE7E97CE6C4}"/>
+              </a:ext>
+            </a:extLst>
+          </p:cNvPr>
+          <p:cNvSpPr txBox="1"/>
+          <p:nvPr/>
+        </p:nvSpPr>
+        <p:spPr>
+          <a:xfrm>
+            <a:off x="8137855" y="2743199"/>
+            <a:ext cx="2346469" cy="461665"/>
+          </a:xfrm>
+          <a:prstGeom prst="rect">
+            <a:avLst/>
+          </a:prstGeom>
+          <a:noFill/>
+        </p:spPr>
+        <p:txBody>
+          <a:bodyPr wrap="square" rtlCol="0">
+            <a:spAutoFit/>
+          </a:bodyPr>
+          <a:lstStyle/>
+          <a:p>
+            <a:r>
+              <a:rPr lang="de-DE" sz="800" dirty="0"/>
+              <a:t>Quelle: (07.07.2020) https://www.rgblog.de/airbnb-logo-marketingaktion/</a:t>
+            </a:r>
+          </a:p>
+        </p:txBody>
+      </p:sp>
     </p:spTree>
     <p:extLst>
       <p:ext uri="{BB962C8B-B14F-4D97-AF65-F5344CB8AC3E}">
-        <p14:creationId xmlns:p14="http://schemas.microsoft.com/office/powerpoint/2010/main" val="2140663426"/>
+        <p14:creationId xmlns:p14="http://schemas.microsoft.com/office/powerpoint/2010/main" val="756910462"/>
       </p:ext>
     </p:extLst>
   </p:cSld>
@@ -8005,15 +8005,19 @@
           <a:lstStyle/>
           <a:p>
             <a:r>
+              <a:rPr lang="de-DE" dirty="0"/>
+              <a:t>Marketing Managementsysteme</a:t>
+            </a:r>
+            <a:br>
+              <a:rPr lang="de-DE" dirty="0"/>
+            </a:br>
+            <a:r>
               <a:rPr lang="de-DE" dirty="0" err="1"/>
-              <a:t>ReisemittlerSysteme</a:t>
-            </a:r>
-            <a:br>
-              <a:rPr lang="de-DE" dirty="0"/>
-            </a:br>
-            <a:r>
-              <a:rPr lang="de-DE" dirty="0"/>
-              <a:t>Privatvermittlung</a:t>
+              <a:t>Yield</a:t>
+            </a:r>
+            <a:r>
+              <a:rPr lang="de-DE" dirty="0"/>
+              <a:t> Management</a:t>
             </a:r>
           </a:p>
         </p:txBody>
@@ -8036,40 +8040,93 @@
         </p:nvSpPr>
         <p:spPr/>
         <p:txBody>
-          <a:bodyPr/>
-          <a:lstStyle/>
-          <a:p>
+          <a:bodyPr>
+            <a:normAutofit fontScale="92500" lnSpcReduction="10000"/>
+          </a:bodyPr>
+          <a:lstStyle/>
+          <a:p>
+            <a:r>
+              <a:rPr lang="de-DE" dirty="0"/>
+              <a:t>Elemente des </a:t>
+            </a:r>
             <a:r>
               <a:rPr lang="de-DE" dirty="0" err="1"/>
-              <a:t>Vemittlung</a:t>
-            </a:r>
-            <a:r>
-              <a:rPr lang="de-DE" dirty="0"/>
-              <a:t> von privatem Wohneigentum an Gäste</a:t>
-            </a:r>
-          </a:p>
-          <a:p>
-            <a:r>
-              <a:rPr lang="de-DE" dirty="0"/>
-              <a:t>Besonders beliebt bei jungen Leuten </a:t>
-            </a:r>
-          </a:p>
-          <a:p>
-            <a:r>
-              <a:rPr lang="de-DE" dirty="0"/>
-              <a:t>Gebühr für Gastgeber: 3-5% </a:t>
-            </a:r>
-          </a:p>
-          <a:p>
-            <a:r>
-              <a:rPr lang="de-DE" dirty="0"/>
-              <a:t>Gebühr für Gäste 5-15%</a:t>
-            </a:r>
-          </a:p>
-          <a:p>
-            <a:r>
-              <a:rPr lang="de-DE" dirty="0"/>
-              <a:t>Im Januar 2020 wurden über 500 Millionen Unterkünfte in 220 Ländern Angeboten</a:t>
+              <a:t>Yield</a:t>
+            </a:r>
+            <a:r>
+              <a:rPr lang="de-DE" dirty="0"/>
+              <a:t> Managements:</a:t>
+            </a:r>
+          </a:p>
+          <a:p>
+            <a:pPr marL="342900" indent="-342900">
+              <a:buFont typeface="Arial" panose="020B0604020202020204" pitchFamily="34" charset="0"/>
+              <a:buChar char="•"/>
+            </a:pPr>
+            <a:r>
+              <a:rPr lang="de-DE" dirty="0"/>
+              <a:t>Marktsegmentierung und Preisdifferenzierung</a:t>
+            </a:r>
+          </a:p>
+          <a:p>
+            <a:pPr marL="342900" indent="-342900">
+              <a:buFont typeface="Arial" panose="020B0604020202020204" pitchFamily="34" charset="0"/>
+              <a:buChar char="•"/>
+            </a:pPr>
+            <a:r>
+              <a:rPr lang="de-DE" dirty="0"/>
+              <a:t>Nachfragelenkung im Zeitverlauf</a:t>
+            </a:r>
+          </a:p>
+          <a:p>
+            <a:pPr marL="342900" indent="-342900">
+              <a:buFont typeface="Arial" panose="020B0604020202020204" pitchFamily="34" charset="0"/>
+              <a:buChar char="•"/>
+            </a:pPr>
+            <a:r>
+              <a:rPr lang="de-DE" dirty="0"/>
+              <a:t>Überbuchung</a:t>
+            </a:r>
+          </a:p>
+          <a:p>
+            <a:pPr marL="342900" indent="-342900">
+              <a:buFont typeface="Arial" panose="020B0604020202020204" pitchFamily="34" charset="0"/>
+              <a:buChar char="•"/>
+            </a:pPr>
+            <a:r>
+              <a:rPr lang="de-DE" dirty="0"/>
+              <a:t>Bildung und Einzelsteuerung von Buchungsklassen</a:t>
+            </a:r>
+          </a:p>
+          <a:p>
+            <a:pPr marL="342900" indent="-342900">
+              <a:buFont typeface="Arial" panose="020B0604020202020204" pitchFamily="34" charset="0"/>
+              <a:buChar char="•"/>
+            </a:pPr>
+            <a:r>
+              <a:rPr lang="de-DE" dirty="0" err="1"/>
+              <a:t>Nesting</a:t>
+            </a:r>
+            <a:endParaRPr lang="de-DE" dirty="0"/>
+          </a:p>
+          <a:p>
+            <a:pPr marL="342900" indent="-342900">
+              <a:buFont typeface="Arial" panose="020B0604020202020204" pitchFamily="34" charset="0"/>
+              <a:buChar char="•"/>
+            </a:pPr>
+            <a:r>
+              <a:rPr lang="de-DE" dirty="0"/>
+              <a:t>Verkehrsstrombezogene Buchungsklassensteuerung</a:t>
+            </a:r>
+          </a:p>
+          <a:p>
+            <a:pPr marL="342900" indent="-342900">
+              <a:buFont typeface="Arial" panose="020B0604020202020204" pitchFamily="34" charset="0"/>
+              <a:buChar char="•"/>
+            </a:pPr>
+            <a:r>
+              <a:rPr lang="de-DE" dirty="0"/>
+              <a:t>Verkaufsursprungsbezogene Buchungsklassensteuerung</a:t>
             </a:r>
           </a:p>
         </p:txBody>
@@ -8134,10 +8191,10 @@
       </p:sp>
       <p:pic>
         <p:nvPicPr>
-          <p:cNvPr id="7" name="Grafik 6" descr="Ein Bild, das Zeichnung enthält.&#10;&#10;Automatisch generierte Beschreibung">
+          <p:cNvPr id="7" name="Grafik 6" descr="Kreisdiagramm">
             <a:extLst>
               <a:ext uri="{FF2B5EF4-FFF2-40B4-BE49-F238E27FC236}">
-                <a16:creationId xmlns:a16="http://schemas.microsoft.com/office/drawing/2014/main" id="{E907E792-366E-466D-9549-6B58C527D3A3}"/>
+                <a16:creationId xmlns:a16="http://schemas.microsoft.com/office/drawing/2014/main" id="{F50C43DB-DB22-4172-B7E4-6D45593B5F6B}"/>
               </a:ext>
             </a:extLst>
           </p:cNvPr>
@@ -8152,6 +8209,9 @@
               <a:ext uri="{28A0092B-C50C-407E-A947-70E740481C1C}">
                 <a14:useLocalDpi xmlns:a14="http://schemas.microsoft.com/office/drawing/2010/main" val="0"/>
               </a:ext>
+              <a:ext uri="{96DAC541-7B7A-43D3-8B79-37D633B846F1}">
+                <asvg:svgBlip xmlns:asvg="http://schemas.microsoft.com/office/drawing/2016/SVG/main" r:embed="rId3"/>
+              </a:ext>
             </a:extLst>
           </a:blip>
           <a:stretch>
@@ -8160,8 +8220,281 @@
         </p:blipFill>
         <p:spPr>
           <a:xfrm>
-            <a:off x="4767820" y="1034902"/>
-            <a:ext cx="3000374" cy="1347787"/>
+            <a:off x="6511853" y="3216099"/>
+            <a:ext cx="352778" cy="352778"/>
+          </a:xfrm>
+          <a:prstGeom prst="rect">
+            <a:avLst/>
+          </a:prstGeom>
+        </p:spPr>
+      </p:pic>
+      <p:pic>
+        <p:nvPicPr>
+          <p:cNvPr id="9" name="Grafik 8" descr="Balkendiagramm">
+            <a:extLst>
+              <a:ext uri="{FF2B5EF4-FFF2-40B4-BE49-F238E27FC236}">
+                <a16:creationId xmlns:a16="http://schemas.microsoft.com/office/drawing/2014/main" id="{D316007B-FDCD-449D-984B-F2BFC49AD367}"/>
+              </a:ext>
+            </a:extLst>
+          </p:cNvPr>
+          <p:cNvPicPr>
+            <a:picLocks noChangeAspect="1"/>
+          </p:cNvPicPr>
+          <p:nvPr/>
+        </p:nvPicPr>
+        <p:blipFill>
+          <a:blip r:embed="rId4">
+            <a:extLst>
+              <a:ext uri="{28A0092B-C50C-407E-A947-70E740481C1C}">
+                <a14:useLocalDpi xmlns:a14="http://schemas.microsoft.com/office/drawing/2010/main" val="0"/>
+              </a:ext>
+              <a:ext uri="{96DAC541-7B7A-43D3-8B79-37D633B846F1}">
+                <asvg:svgBlip xmlns:asvg="http://schemas.microsoft.com/office/drawing/2016/SVG/main" r:embed="rId5"/>
+              </a:ext>
+            </a:extLst>
+          </a:blip>
+          <a:stretch>
+            <a:fillRect/>
+          </a:stretch>
+        </p:blipFill>
+        <p:spPr>
+          <a:xfrm>
+            <a:off x="6946014" y="4294888"/>
+            <a:ext cx="457199" cy="457199"/>
+          </a:xfrm>
+          <a:prstGeom prst="rect">
+            <a:avLst/>
+          </a:prstGeom>
+        </p:spPr>
+      </p:pic>
+      <p:pic>
+        <p:nvPicPr>
+          <p:cNvPr id="11" name="Grafik 10" descr="Chevron Pfeile">
+            <a:extLst>
+              <a:ext uri="{FF2B5EF4-FFF2-40B4-BE49-F238E27FC236}">
+                <a16:creationId xmlns:a16="http://schemas.microsoft.com/office/drawing/2014/main" id="{EB91DDED-5A38-4058-A998-AEB738EBE360}"/>
+              </a:ext>
+            </a:extLst>
+          </p:cNvPr>
+          <p:cNvPicPr>
+            <a:picLocks noChangeAspect="1"/>
+          </p:cNvPicPr>
+          <p:nvPr/>
+        </p:nvPicPr>
+        <p:blipFill>
+          <a:blip r:embed="rId6">
+            <a:extLst>
+              <a:ext uri="{28A0092B-C50C-407E-A947-70E740481C1C}">
+                <a14:useLocalDpi xmlns:a14="http://schemas.microsoft.com/office/drawing/2010/main" val="0"/>
+              </a:ext>
+              <a:ext uri="{96DAC541-7B7A-43D3-8B79-37D633B846F1}">
+                <asvg:svgBlip xmlns:asvg="http://schemas.microsoft.com/office/drawing/2016/SVG/main" r:embed="rId7"/>
+              </a:ext>
+            </a:extLst>
+          </a:blip>
+          <a:stretch>
+            <a:fillRect/>
+          </a:stretch>
+        </p:blipFill>
+        <p:spPr>
+          <a:xfrm>
+            <a:off x="7174613" y="5085021"/>
+            <a:ext cx="457200" cy="457200"/>
+          </a:xfrm>
+          <a:prstGeom prst="rect">
+            <a:avLst/>
+          </a:prstGeom>
+        </p:spPr>
+      </p:pic>
+      <p:pic>
+        <p:nvPicPr>
+          <p:cNvPr id="13" name="Grafik 12" descr="Erdkugel Afrika und Europa">
+            <a:extLst>
+              <a:ext uri="{FF2B5EF4-FFF2-40B4-BE49-F238E27FC236}">
+                <a16:creationId xmlns:a16="http://schemas.microsoft.com/office/drawing/2014/main" id="{CA9F9100-D939-4973-8344-B27D18E436D1}"/>
+              </a:ext>
+            </a:extLst>
+          </p:cNvPr>
+          <p:cNvPicPr>
+            <a:picLocks noChangeAspect="1"/>
+          </p:cNvPicPr>
+          <p:nvPr/>
+        </p:nvPicPr>
+        <p:blipFill>
+          <a:blip r:embed="rId8">
+            <a:extLst>
+              <a:ext uri="{28A0092B-C50C-407E-A947-70E740481C1C}">
+                <a14:useLocalDpi xmlns:a14="http://schemas.microsoft.com/office/drawing/2010/main" val="0"/>
+              </a:ext>
+              <a:ext uri="{96DAC541-7B7A-43D3-8B79-37D633B846F1}">
+                <asvg:svgBlip xmlns:asvg="http://schemas.microsoft.com/office/drawing/2016/SVG/main" r:embed="rId9"/>
+              </a:ext>
+            </a:extLst>
+          </a:blip>
+          <a:stretch>
+            <a:fillRect/>
+          </a:stretch>
+        </p:blipFill>
+        <p:spPr>
+          <a:xfrm>
+            <a:off x="7770812" y="5542221"/>
+            <a:ext cx="457200" cy="457199"/>
+          </a:xfrm>
+          <a:prstGeom prst="rect">
+            <a:avLst/>
+          </a:prstGeom>
+        </p:spPr>
+      </p:pic>
+      <p:pic>
+        <p:nvPicPr>
+          <p:cNvPr id="15" name="Grafik 14" descr="Hierarchie">
+            <a:extLst>
+              <a:ext uri="{FF2B5EF4-FFF2-40B4-BE49-F238E27FC236}">
+                <a16:creationId xmlns:a16="http://schemas.microsoft.com/office/drawing/2014/main" id="{04B5772F-DD89-47D9-8554-F00491C0C9EE}"/>
+              </a:ext>
+            </a:extLst>
+          </p:cNvPr>
+          <p:cNvPicPr>
+            <a:picLocks noChangeAspect="1"/>
+          </p:cNvPicPr>
+          <p:nvPr/>
+        </p:nvPicPr>
+        <p:blipFill>
+          <a:blip r:embed="rId10">
+            <a:extLst>
+              <a:ext uri="{28A0092B-C50C-407E-A947-70E740481C1C}">
+                <a14:useLocalDpi xmlns:a14="http://schemas.microsoft.com/office/drawing/2010/main" val="0"/>
+              </a:ext>
+              <a:ext uri="{96DAC541-7B7A-43D3-8B79-37D633B846F1}">
+                <asvg:svgBlip xmlns:asvg="http://schemas.microsoft.com/office/drawing/2016/SVG/main" r:embed="rId11"/>
+              </a:ext>
+            </a:extLst>
+          </a:blip>
+          <a:stretch>
+            <a:fillRect/>
+          </a:stretch>
+        </p:blipFill>
+        <p:spPr>
+          <a:xfrm>
+            <a:off x="2079650" y="4620095"/>
+            <a:ext cx="457199" cy="457199"/>
+          </a:xfrm>
+          <a:prstGeom prst="rect">
+            <a:avLst/>
+          </a:prstGeom>
+        </p:spPr>
+      </p:pic>
+      <p:pic>
+        <p:nvPicPr>
+          <p:cNvPr id="21" name="Grafik 20" descr="Sanduhr">
+            <a:extLst>
+              <a:ext uri="{FF2B5EF4-FFF2-40B4-BE49-F238E27FC236}">
+                <a16:creationId xmlns:a16="http://schemas.microsoft.com/office/drawing/2014/main" id="{B89E4BE3-8C1B-43A7-BDCC-90965C61ED7B}"/>
+              </a:ext>
+            </a:extLst>
+          </p:cNvPr>
+          <p:cNvPicPr>
+            <a:picLocks noChangeAspect="1"/>
+          </p:cNvPicPr>
+          <p:nvPr/>
+        </p:nvPicPr>
+        <p:blipFill>
+          <a:blip r:embed="rId12">
+            <a:extLst>
+              <a:ext uri="{28A0092B-C50C-407E-A947-70E740481C1C}">
+                <a14:useLocalDpi xmlns:a14="http://schemas.microsoft.com/office/drawing/2010/main" val="0"/>
+              </a:ext>
+              <a:ext uri="{96DAC541-7B7A-43D3-8B79-37D633B846F1}">
+                <asvg:svgBlip xmlns:asvg="http://schemas.microsoft.com/office/drawing/2016/SVG/main" r:embed="rId13"/>
+              </a:ext>
+            </a:extLst>
+          </a:blip>
+          <a:stretch>
+            <a:fillRect/>
+          </a:stretch>
+        </p:blipFill>
+        <p:spPr>
+          <a:xfrm>
+            <a:off x="4931350" y="3547696"/>
+            <a:ext cx="352778" cy="352778"/>
+          </a:xfrm>
+          <a:prstGeom prst="rect">
+            <a:avLst/>
+          </a:prstGeom>
+        </p:spPr>
+      </p:pic>
+      <p:pic>
+        <p:nvPicPr>
+          <p:cNvPr id="27" name="Grafik 26" descr="Bett">
+            <a:extLst>
+              <a:ext uri="{FF2B5EF4-FFF2-40B4-BE49-F238E27FC236}">
+                <a16:creationId xmlns:a16="http://schemas.microsoft.com/office/drawing/2014/main" id="{F15F1696-053D-48D2-85BF-142DAF8D964E}"/>
+              </a:ext>
+            </a:extLst>
+          </p:cNvPr>
+          <p:cNvPicPr>
+            <a:picLocks noChangeAspect="1"/>
+          </p:cNvPicPr>
+          <p:nvPr/>
+        </p:nvPicPr>
+        <p:blipFill>
+          <a:blip r:embed="rId14">
+            <a:extLst>
+              <a:ext uri="{28A0092B-C50C-407E-A947-70E740481C1C}">
+                <a14:useLocalDpi xmlns:a14="http://schemas.microsoft.com/office/drawing/2010/main" val="0"/>
+              </a:ext>
+              <a:ext uri="{96DAC541-7B7A-43D3-8B79-37D633B846F1}">
+                <asvg:svgBlip xmlns:asvg="http://schemas.microsoft.com/office/drawing/2016/SVG/main" r:embed="rId15"/>
+              </a:ext>
+            </a:extLst>
+          </a:blip>
+          <a:stretch>
+            <a:fillRect/>
+          </a:stretch>
+        </p:blipFill>
+        <p:spPr>
+          <a:xfrm>
+            <a:off x="2903847" y="3900474"/>
+            <a:ext cx="457199" cy="457199"/>
+          </a:xfrm>
+          <a:prstGeom prst="rect">
+            <a:avLst/>
+          </a:prstGeom>
+        </p:spPr>
+      </p:pic>
+      <p:pic>
+        <p:nvPicPr>
+          <p:cNvPr id="31" name="Grafik 30" descr="Kinder">
+            <a:extLst>
+              <a:ext uri="{FF2B5EF4-FFF2-40B4-BE49-F238E27FC236}">
+                <a16:creationId xmlns:a16="http://schemas.microsoft.com/office/drawing/2014/main" id="{BEED96A5-3C40-4B76-B8C3-C6BCC640CF74}"/>
+              </a:ext>
+            </a:extLst>
+          </p:cNvPr>
+          <p:cNvPicPr>
+            <a:picLocks noChangeAspect="1"/>
+          </p:cNvPicPr>
+          <p:nvPr/>
+        </p:nvPicPr>
+        <p:blipFill>
+          <a:blip r:embed="rId16">
+            <a:extLst>
+              <a:ext uri="{28A0092B-C50C-407E-A947-70E740481C1C}">
+                <a14:useLocalDpi xmlns:a14="http://schemas.microsoft.com/office/drawing/2010/main" val="0"/>
+              </a:ext>
+              <a:ext uri="{96DAC541-7B7A-43D3-8B79-37D633B846F1}">
+                <asvg:svgBlip xmlns:asvg="http://schemas.microsoft.com/office/drawing/2016/SVG/main" r:embed="rId17"/>
+              </a:ext>
+            </a:extLst>
+          </a:blip>
+          <a:stretch>
+            <a:fillRect/>
+          </a:stretch>
+        </p:blipFill>
+        <p:spPr>
+          <a:xfrm>
+            <a:off x="3488220" y="3848262"/>
+            <a:ext cx="561622" cy="561622"/>
           </a:xfrm>
           <a:prstGeom prst="rect">
             <a:avLst/>
@@ -8171,7 +8504,7 @@
     </p:spTree>
     <p:extLst>
       <p:ext uri="{BB962C8B-B14F-4D97-AF65-F5344CB8AC3E}">
-        <p14:creationId xmlns:p14="http://schemas.microsoft.com/office/powerpoint/2010/main" val="756910462"/>
+        <p14:creationId xmlns:p14="http://schemas.microsoft.com/office/powerpoint/2010/main" val="1573554273"/>
       </p:ext>
     </p:extLst>
   </p:cSld>
@@ -8221,18 +8554,18 @@
           <a:p>
             <a:r>
               <a:rPr lang="de-DE" dirty="0"/>
-              <a:t>Marketing Managementsysteme</a:t>
+              <a:t>Systeme für Endkunden</a:t>
             </a:r>
             <a:br>
               <a:rPr lang="de-DE" dirty="0"/>
             </a:br>
             <a:r>
               <a:rPr lang="de-DE" dirty="0" err="1"/>
-              <a:t>Yield</a:t>
-            </a:r>
-            <a:r>
-              <a:rPr lang="de-DE" dirty="0"/>
-              <a:t> Management</a:t>
+              <a:t>Social</a:t>
+            </a:r>
+            <a:r>
+              <a:rPr lang="de-DE" dirty="0"/>
+              <a:t> Media</a:t>
             </a:r>
           </a:p>
         </p:txBody>
@@ -8255,30 +8588,8 @@
         </p:nvSpPr>
         <p:spPr/>
         <p:txBody>
-          <a:bodyPr>
-            <a:normAutofit fontScale="70000" lnSpcReduction="20000"/>
-          </a:bodyPr>
-          <a:lstStyle/>
-          <a:p>
-            <a:r>
-              <a:rPr lang="de-DE" dirty="0"/>
-              <a:t>Der Nachfrage mit der Höchsten Zahlungsbereitschaft wird die höchste Priorität zugewiesen</a:t>
-            </a:r>
-          </a:p>
-          <a:p>
-            <a:r>
-              <a:rPr lang="de-DE" dirty="0"/>
-              <a:t>Elemente des </a:t>
-            </a:r>
-            <a:r>
-              <a:rPr lang="de-DE" dirty="0" err="1"/>
-              <a:t>Yield</a:t>
-            </a:r>
-            <a:r>
-              <a:rPr lang="de-DE" dirty="0"/>
-              <a:t> Managements:</a:t>
-            </a:r>
-          </a:p>
+          <a:bodyPr/>
+          <a:lstStyle/>
           <a:p>
             <a:pPr marL="342900" indent="-342900">
               <a:buFont typeface="Arial" panose="020B0604020202020204" pitchFamily="34" charset="0"/>
@@ -8286,7 +8597,7 @@
             </a:pPr>
             <a:r>
               <a:rPr lang="de-DE" dirty="0"/>
-              <a:t>Marktsegmentierung und Preisdifferenzierung</a:t>
+              <a:t>Storys und Live-Bilder erzeugen erhöhte Aufmerksamkeit auf Seiten des Kunden</a:t>
             </a:r>
           </a:p>
           <a:p>
@@ -8296,7 +8607,7 @@
             </a:pPr>
             <a:r>
               <a:rPr lang="de-DE" dirty="0"/>
-              <a:t>Nachfragelenkung im Zeitverlauf</a:t>
+              <a:t>Werbeplattform für Tourismusbranche</a:t>
             </a:r>
           </a:p>
           <a:p>
@@ -8306,7 +8617,7 @@
             </a:pPr>
             <a:r>
               <a:rPr lang="de-DE" dirty="0"/>
-              <a:t>Überbuchung</a:t>
+              <a:t>Beeinflussung zur Wahl des Reiseziels</a:t>
             </a:r>
           </a:p>
           <a:p>
@@ -8316,48 +8627,13 @@
             </a:pPr>
             <a:r>
               <a:rPr lang="de-DE" dirty="0"/>
-              <a:t>Bildung und Einzelsteuerung von Buchungsklassen</a:t>
-            </a:r>
-          </a:p>
-          <a:p>
-            <a:pPr marL="342900" indent="-342900">
-              <a:buFont typeface="Arial" panose="020B0604020202020204" pitchFamily="34" charset="0"/>
-              <a:buChar char="•"/>
-            </a:pPr>
-            <a:r>
-              <a:rPr lang="de-DE" dirty="0" err="1"/>
-              <a:t>Nesting</a:t>
-            </a:r>
-            <a:endParaRPr lang="de-DE" dirty="0"/>
-          </a:p>
-          <a:p>
-            <a:pPr marL="342900" indent="-342900">
-              <a:buFont typeface="Arial" panose="020B0604020202020204" pitchFamily="34" charset="0"/>
-              <a:buChar char="•"/>
-            </a:pPr>
-            <a:r>
-              <a:rPr lang="de-DE" dirty="0"/>
-              <a:t>Verkehrsstrombezogene Buchungsklassensteuerung</a:t>
-            </a:r>
-          </a:p>
-          <a:p>
-            <a:pPr marL="342900" indent="-342900">
-              <a:buFont typeface="Arial" panose="020B0604020202020204" pitchFamily="34" charset="0"/>
-              <a:buChar char="•"/>
-            </a:pPr>
-            <a:r>
-              <a:rPr lang="de-DE" dirty="0"/>
-              <a:t>Verkaufsursprungsbezogene Buchungsklassensteuerung</a:t>
-            </a:r>
-          </a:p>
-          <a:p>
-            <a:pPr marL="342900" indent="-342900">
-              <a:buFont typeface="Arial" panose="020B0604020202020204" pitchFamily="34" charset="0"/>
-              <a:buChar char="•"/>
-            </a:pPr>
-            <a:r>
-              <a:rPr lang="de-DE" dirty="0"/>
-              <a:t>Prognosemodelle</a:t>
+              <a:t>Andere an eigenen Erlebnissen teilhaben lassen</a:t>
+            </a:r>
+          </a:p>
+          <a:p>
+            <a:r>
+              <a:rPr lang="de-DE" dirty="0"/>
+              <a:t>	Dadurch neue Ideen für eigene Urlaubsplanung</a:t>
             </a:r>
           </a:p>
         </p:txBody>
@@ -8422,10 +8698,10 @@
       </p:sp>
       <p:pic>
         <p:nvPicPr>
-          <p:cNvPr id="7" name="Grafik 6" descr="Kreisdiagramm">
+          <p:cNvPr id="7" name="Grafik 6" descr="Ein Bild, das Zeichnung enthält.&#10;&#10;Automatisch generierte Beschreibung">
             <a:extLst>
               <a:ext uri="{FF2B5EF4-FFF2-40B4-BE49-F238E27FC236}">
-                <a16:creationId xmlns:a16="http://schemas.microsoft.com/office/drawing/2014/main" id="{F50C43DB-DB22-4172-B7E4-6D45593B5F6B}"/>
+                <a16:creationId xmlns:a16="http://schemas.microsoft.com/office/drawing/2014/main" id="{E0D10594-9187-421B-BD14-910C4580A1A2}"/>
               </a:ext>
             </a:extLst>
           </p:cNvPr>
@@ -8440,9 +8716,6 @@
               <a:ext uri="{28A0092B-C50C-407E-A947-70E740481C1C}">
                 <a14:useLocalDpi xmlns:a14="http://schemas.microsoft.com/office/drawing/2010/main" val="0"/>
               </a:ext>
-              <a:ext uri="{96DAC541-7B7A-43D3-8B79-37D633B846F1}">
-                <asvg:svgBlip xmlns:asvg="http://schemas.microsoft.com/office/drawing/2016/SVG/main" r:embed="rId3"/>
-              </a:ext>
             </a:extLst>
           </a:blip>
           <a:stretch>
@@ -8451,8 +8724,8 @@
         </p:blipFill>
         <p:spPr>
           <a:xfrm>
-            <a:off x="5043911" y="3422105"/>
-            <a:ext cx="352778" cy="352778"/>
+            <a:off x="6132513" y="1185045"/>
+            <a:ext cx="1089032" cy="1089032"/>
           </a:xfrm>
           <a:prstGeom prst="rect">
             <a:avLst/>
@@ -8461,10 +8734,10 @@
       </p:pic>
       <p:pic>
         <p:nvPicPr>
-          <p:cNvPr id="9" name="Grafik 8" descr="Balkendiagramm">
+          <p:cNvPr id="9" name="Grafik 8" descr="Ein Bild, das Zeichnung enthält.&#10;&#10;Automatisch generierte Beschreibung">
             <a:extLst>
               <a:ext uri="{FF2B5EF4-FFF2-40B4-BE49-F238E27FC236}">
-                <a16:creationId xmlns:a16="http://schemas.microsoft.com/office/drawing/2014/main" id="{D316007B-FDCD-449D-984B-F2BFC49AD367}"/>
+                <a16:creationId xmlns:a16="http://schemas.microsoft.com/office/drawing/2014/main" id="{65AFA8A5-2E85-452A-BE62-9839562CD7B9}"/>
               </a:ext>
             </a:extLst>
           </p:cNvPr>
@@ -8474,13 +8747,10 @@
           <p:nvPr/>
         </p:nvPicPr>
         <p:blipFill>
-          <a:blip r:embed="rId4">
+          <a:blip r:embed="rId3">
             <a:extLst>
               <a:ext uri="{28A0092B-C50C-407E-A947-70E740481C1C}">
                 <a14:useLocalDpi xmlns:a14="http://schemas.microsoft.com/office/drawing/2010/main" val="0"/>
-              </a:ext>
-              <a:ext uri="{96DAC541-7B7A-43D3-8B79-37D633B846F1}">
-                <asvg:svgBlip xmlns:asvg="http://schemas.microsoft.com/office/drawing/2016/SVG/main" r:embed="rId5"/>
               </a:ext>
             </a:extLst>
           </a:blip>
@@ -8490,291 +8760,142 @@
         </p:blipFill>
         <p:spPr>
           <a:xfrm>
-            <a:off x="5498214" y="4233496"/>
-            <a:ext cx="457199" cy="457199"/>
+            <a:off x="8220942" y="1185045"/>
+            <a:ext cx="1089033" cy="1089033"/>
           </a:xfrm>
           <a:prstGeom prst="rect">
             <a:avLst/>
           </a:prstGeom>
         </p:spPr>
       </p:pic>
-      <p:pic>
-        <p:nvPicPr>
-          <p:cNvPr id="11" name="Grafik 10" descr="Chevron Pfeile">
+      <p:sp>
+        <p:nvSpPr>
+          <p:cNvPr id="6" name="Pfeil: nach rechts 5">
             <a:extLst>
               <a:ext uri="{FF2B5EF4-FFF2-40B4-BE49-F238E27FC236}">
-                <a16:creationId xmlns:a16="http://schemas.microsoft.com/office/drawing/2014/main" id="{EB91DDED-5A38-4058-A998-AEB738EBE360}"/>
+                <a16:creationId xmlns:a16="http://schemas.microsoft.com/office/drawing/2014/main" id="{E472ABDD-B1A7-453D-AFE5-D4EC05CCCDFA}"/>
               </a:ext>
             </a:extLst>
           </p:cNvPr>
-          <p:cNvPicPr>
-            <a:picLocks noChangeAspect="1"/>
-          </p:cNvPicPr>
+          <p:cNvSpPr/>
           <p:nvPr/>
-        </p:nvPicPr>
-        <p:blipFill>
-          <a:blip r:embed="rId6">
-            <a:extLst>
-              <a:ext uri="{28A0092B-C50C-407E-A947-70E740481C1C}">
-                <a14:useLocalDpi xmlns:a14="http://schemas.microsoft.com/office/drawing/2010/main" val="0"/>
-              </a:ext>
-              <a:ext uri="{96DAC541-7B7A-43D3-8B79-37D633B846F1}">
-                <asvg:svgBlip xmlns:asvg="http://schemas.microsoft.com/office/drawing/2016/SVG/main" r:embed="rId7"/>
-              </a:ext>
-            </a:extLst>
-          </a:blip>
-          <a:stretch>
-            <a:fillRect/>
-          </a:stretch>
-        </p:blipFill>
+        </p:nvSpPr>
         <p:spPr>
           <a:xfrm>
-            <a:off x="5939004" y="4783739"/>
-            <a:ext cx="457200" cy="457200"/>
+            <a:off x="704232" y="5326592"/>
+            <a:ext cx="325438" cy="171450"/>
+          </a:xfrm>
+          <a:prstGeom prst="rightArrow">
+            <a:avLst/>
+          </a:prstGeom>
+          <a:solidFill>
+            <a:schemeClr val="tx1"/>
+          </a:solidFill>
+          <a:ln>
+            <a:solidFill>
+              <a:schemeClr val="tx1"/>
+            </a:solidFill>
+          </a:ln>
+        </p:spPr>
+        <p:style>
+          <a:lnRef idx="2">
+            <a:schemeClr val="accent1">
+              <a:shade val="50000"/>
+            </a:schemeClr>
+          </a:lnRef>
+          <a:fillRef idx="1">
+            <a:schemeClr val="accent1"/>
+          </a:fillRef>
+          <a:effectRef idx="0">
+            <a:schemeClr val="accent1"/>
+          </a:effectRef>
+          <a:fontRef idx="minor">
+            <a:schemeClr val="lt1"/>
+          </a:fontRef>
+        </p:style>
+        <p:txBody>
+          <a:bodyPr rtlCol="0" anchor="ctr"/>
+          <a:lstStyle/>
+          <a:p>
+            <a:pPr algn="ctr"/>
+            <a:endParaRPr lang="de-DE"/>
+          </a:p>
+        </p:txBody>
+      </p:sp>
+      <p:sp>
+        <p:nvSpPr>
+          <p:cNvPr id="8" name="Textfeld 7">
+            <a:extLst>
+              <a:ext uri="{FF2B5EF4-FFF2-40B4-BE49-F238E27FC236}">
+                <a16:creationId xmlns:a16="http://schemas.microsoft.com/office/drawing/2014/main" id="{74F1DA26-9CCA-48D8-B4DE-A13ECEFDDAF8}"/>
+              </a:ext>
+            </a:extLst>
+          </p:cNvPr>
+          <p:cNvSpPr txBox="1"/>
+          <p:nvPr/>
+        </p:nvSpPr>
+        <p:spPr>
+          <a:xfrm>
+            <a:off x="6056137" y="2306712"/>
+            <a:ext cx="1992841" cy="584775"/>
           </a:xfrm>
           <a:prstGeom prst="rect">
             <a:avLst/>
           </a:prstGeom>
-        </p:spPr>
-      </p:pic>
-      <p:pic>
-        <p:nvPicPr>
-          <p:cNvPr id="13" name="Grafik 12" descr="Erdkugel Afrika und Europa">
+          <a:noFill/>
+        </p:spPr>
+        <p:txBody>
+          <a:bodyPr wrap="square" rtlCol="0">
+            <a:spAutoFit/>
+          </a:bodyPr>
+          <a:lstStyle/>
+          <a:p>
+            <a:r>
+              <a:rPr lang="de-DE" sz="800" dirty="0"/>
+              <a:t>Quelle: (07.07.2020) https://pixabay.com/de/illustrations/facebook-logo-soziales-netzwerk-770688/ </a:t>
+            </a:r>
+          </a:p>
+        </p:txBody>
+      </p:sp>
+      <p:sp>
+        <p:nvSpPr>
+          <p:cNvPr id="10" name="Textfeld 9">
             <a:extLst>
               <a:ext uri="{FF2B5EF4-FFF2-40B4-BE49-F238E27FC236}">
-                <a16:creationId xmlns:a16="http://schemas.microsoft.com/office/drawing/2014/main" id="{CA9F9100-D939-4973-8344-B27D18E436D1}"/>
+                <a16:creationId xmlns:a16="http://schemas.microsoft.com/office/drawing/2014/main" id="{130335F9-9EF5-4839-8691-06B8E02B7D21}"/>
               </a:ext>
             </a:extLst>
           </p:cNvPr>
-          <p:cNvPicPr>
-            <a:picLocks noChangeAspect="1"/>
-          </p:cNvPicPr>
+          <p:cNvSpPr txBox="1"/>
           <p:nvPr/>
-        </p:nvPicPr>
-        <p:blipFill>
-          <a:blip r:embed="rId8">
-            <a:extLst>
-              <a:ext uri="{28A0092B-C50C-407E-A947-70E740481C1C}">
-                <a14:useLocalDpi xmlns:a14="http://schemas.microsoft.com/office/drawing/2010/main" val="0"/>
-              </a:ext>
-              <a:ext uri="{96DAC541-7B7A-43D3-8B79-37D633B846F1}">
-                <asvg:svgBlip xmlns:asvg="http://schemas.microsoft.com/office/drawing/2016/SVG/main" r:embed="rId9"/>
-              </a:ext>
-            </a:extLst>
-          </a:blip>
-          <a:stretch>
-            <a:fillRect/>
-          </a:stretch>
-        </p:blipFill>
+        </p:nvSpPr>
         <p:spPr>
           <a:xfrm>
-            <a:off x="5939004" y="5200992"/>
-            <a:ext cx="457200" cy="457199"/>
+            <a:off x="8103335" y="2274077"/>
+            <a:ext cx="1898121" cy="584775"/>
           </a:xfrm>
           <a:prstGeom prst="rect">
             <a:avLst/>
           </a:prstGeom>
-        </p:spPr>
-      </p:pic>
-      <p:pic>
-        <p:nvPicPr>
-          <p:cNvPr id="15" name="Grafik 14" descr="Hierarchie">
-            <a:extLst>
-              <a:ext uri="{FF2B5EF4-FFF2-40B4-BE49-F238E27FC236}">
-                <a16:creationId xmlns:a16="http://schemas.microsoft.com/office/drawing/2014/main" id="{04B5772F-DD89-47D9-8554-F00491C0C9EE}"/>
-              </a:ext>
-            </a:extLst>
-          </p:cNvPr>
-          <p:cNvPicPr>
-            <a:picLocks noChangeAspect="1"/>
-          </p:cNvPicPr>
-          <p:nvPr/>
-        </p:nvPicPr>
-        <p:blipFill>
-          <a:blip r:embed="rId10">
-            <a:extLst>
-              <a:ext uri="{28A0092B-C50C-407E-A947-70E740481C1C}">
-                <a14:useLocalDpi xmlns:a14="http://schemas.microsoft.com/office/drawing/2010/main" val="0"/>
-              </a:ext>
-              <a:ext uri="{96DAC541-7B7A-43D3-8B79-37D633B846F1}">
-                <asvg:svgBlip xmlns:asvg="http://schemas.microsoft.com/office/drawing/2016/SVG/main" r:embed="rId11"/>
-              </a:ext>
-            </a:extLst>
-          </a:blip>
-          <a:stretch>
-            <a:fillRect/>
-          </a:stretch>
-        </p:blipFill>
-        <p:spPr>
-          <a:xfrm>
-            <a:off x="1983230" y="4555140"/>
-            <a:ext cx="457199" cy="457199"/>
-          </a:xfrm>
-          <a:prstGeom prst="rect">
-            <a:avLst/>
-          </a:prstGeom>
-        </p:spPr>
-      </p:pic>
-      <p:pic>
-        <p:nvPicPr>
-          <p:cNvPr id="17" name="Grafik 16" descr="Geschäftswachstum">
-            <a:extLst>
-              <a:ext uri="{FF2B5EF4-FFF2-40B4-BE49-F238E27FC236}">
-                <a16:creationId xmlns:a16="http://schemas.microsoft.com/office/drawing/2014/main" id="{CD9399CD-EE05-4666-BA95-9ECB1DC4BD48}"/>
-              </a:ext>
-            </a:extLst>
-          </p:cNvPr>
-          <p:cNvPicPr>
-            <a:picLocks noChangeAspect="1"/>
-          </p:cNvPicPr>
-          <p:nvPr/>
-        </p:nvPicPr>
-        <p:blipFill>
-          <a:blip r:embed="rId12">
-            <a:extLst>
-              <a:ext uri="{28A0092B-C50C-407E-A947-70E740481C1C}">
-                <a14:useLocalDpi xmlns:a14="http://schemas.microsoft.com/office/drawing/2010/main" val="0"/>
-              </a:ext>
-              <a:ext uri="{96DAC541-7B7A-43D3-8B79-37D633B846F1}">
-                <asvg:svgBlip xmlns:asvg="http://schemas.microsoft.com/office/drawing/2016/SVG/main" r:embed="rId13"/>
-              </a:ext>
-            </a:extLst>
-          </a:blip>
-          <a:stretch>
-            <a:fillRect/>
-          </a:stretch>
-        </p:blipFill>
-        <p:spPr>
-          <a:xfrm>
-            <a:off x="2750289" y="5486077"/>
-            <a:ext cx="579856" cy="579856"/>
-          </a:xfrm>
-          <a:prstGeom prst="rect">
-            <a:avLst/>
-          </a:prstGeom>
-        </p:spPr>
-      </p:pic>
-      <p:pic>
-        <p:nvPicPr>
-          <p:cNvPr id="21" name="Grafik 20" descr="Sanduhr">
-            <a:extLst>
-              <a:ext uri="{FF2B5EF4-FFF2-40B4-BE49-F238E27FC236}">
-                <a16:creationId xmlns:a16="http://schemas.microsoft.com/office/drawing/2014/main" id="{B89E4BE3-8C1B-43A7-BDCC-90965C61ED7B}"/>
-              </a:ext>
-            </a:extLst>
-          </p:cNvPr>
-          <p:cNvPicPr>
-            <a:picLocks noChangeAspect="1"/>
-          </p:cNvPicPr>
-          <p:nvPr/>
-        </p:nvPicPr>
-        <p:blipFill>
-          <a:blip r:embed="rId14">
-            <a:extLst>
-              <a:ext uri="{28A0092B-C50C-407E-A947-70E740481C1C}">
-                <a14:useLocalDpi xmlns:a14="http://schemas.microsoft.com/office/drawing/2010/main" val="0"/>
-              </a:ext>
-              <a:ext uri="{96DAC541-7B7A-43D3-8B79-37D633B846F1}">
-                <asvg:svgBlip xmlns:asvg="http://schemas.microsoft.com/office/drawing/2016/SVG/main" r:embed="rId15"/>
-              </a:ext>
-            </a:extLst>
-          </a:blip>
-          <a:stretch>
-            <a:fillRect/>
-          </a:stretch>
-        </p:blipFill>
-        <p:spPr>
-          <a:xfrm>
-            <a:off x="4039896" y="3774883"/>
-            <a:ext cx="352778" cy="352778"/>
-          </a:xfrm>
-          <a:prstGeom prst="rect">
-            <a:avLst/>
-          </a:prstGeom>
-        </p:spPr>
-      </p:pic>
-      <p:pic>
-        <p:nvPicPr>
-          <p:cNvPr id="27" name="Grafik 26" descr="Bett">
-            <a:extLst>
-              <a:ext uri="{FF2B5EF4-FFF2-40B4-BE49-F238E27FC236}">
-                <a16:creationId xmlns:a16="http://schemas.microsoft.com/office/drawing/2014/main" id="{F15F1696-053D-48D2-85BF-142DAF8D964E}"/>
-              </a:ext>
-            </a:extLst>
-          </p:cNvPr>
-          <p:cNvPicPr>
-            <a:picLocks noChangeAspect="1"/>
-          </p:cNvPicPr>
-          <p:nvPr/>
-        </p:nvPicPr>
-        <p:blipFill>
-          <a:blip r:embed="rId16">
-            <a:extLst>
-              <a:ext uri="{28A0092B-C50C-407E-A947-70E740481C1C}">
-                <a14:useLocalDpi xmlns:a14="http://schemas.microsoft.com/office/drawing/2010/main" val="0"/>
-              </a:ext>
-              <a:ext uri="{96DAC541-7B7A-43D3-8B79-37D633B846F1}">
-                <asvg:svgBlip xmlns:asvg="http://schemas.microsoft.com/office/drawing/2016/SVG/main" r:embed="rId17"/>
-              </a:ext>
-            </a:extLst>
-          </a:blip>
-          <a:stretch>
-            <a:fillRect/>
-          </a:stretch>
-        </p:blipFill>
-        <p:spPr>
-          <a:xfrm>
-            <a:off x="2666765" y="4004897"/>
-            <a:ext cx="457199" cy="457199"/>
-          </a:xfrm>
-          <a:prstGeom prst="rect">
-            <a:avLst/>
-          </a:prstGeom>
-        </p:spPr>
-      </p:pic>
-      <p:pic>
-        <p:nvPicPr>
-          <p:cNvPr id="31" name="Grafik 30" descr="Kinder">
-            <a:extLst>
-              <a:ext uri="{FF2B5EF4-FFF2-40B4-BE49-F238E27FC236}">
-                <a16:creationId xmlns:a16="http://schemas.microsoft.com/office/drawing/2014/main" id="{BEED96A5-3C40-4B76-B8C3-C6BCC640CF74}"/>
-              </a:ext>
-            </a:extLst>
-          </p:cNvPr>
-          <p:cNvPicPr>
-            <a:picLocks noChangeAspect="1"/>
-          </p:cNvPicPr>
-          <p:nvPr/>
-        </p:nvPicPr>
-        <p:blipFill>
-          <a:blip r:embed="rId18">
-            <a:extLst>
-              <a:ext uri="{28A0092B-C50C-407E-A947-70E740481C1C}">
-                <a14:useLocalDpi xmlns:a14="http://schemas.microsoft.com/office/drawing/2010/main" val="0"/>
-              </a:ext>
-              <a:ext uri="{96DAC541-7B7A-43D3-8B79-37D633B846F1}">
-                <asvg:svgBlip xmlns:asvg="http://schemas.microsoft.com/office/drawing/2016/SVG/main" r:embed="rId19"/>
-              </a:ext>
-            </a:extLst>
-          </a:blip>
-          <a:stretch>
-            <a:fillRect/>
-          </a:stretch>
-        </p:blipFill>
-        <p:spPr>
-          <a:xfrm>
-            <a:off x="3217190" y="3952685"/>
-            <a:ext cx="561622" cy="561622"/>
-          </a:xfrm>
-          <a:prstGeom prst="rect">
-            <a:avLst/>
-          </a:prstGeom>
-        </p:spPr>
-      </p:pic>
+          <a:noFill/>
+        </p:spPr>
+        <p:txBody>
+          <a:bodyPr wrap="square" rtlCol="0">
+            <a:spAutoFit/>
+          </a:bodyPr>
+          <a:lstStyle/>
+          <a:p>
+            <a:r>
+              <a:rPr lang="de-DE" sz="800" dirty="0"/>
+              <a:t>Quelle: (07.07.2020) https://www.uni-giessen.de/fbz/svc/ahs/bilder/instagramlogo/image_view_fullscreen </a:t>
+            </a:r>
+          </a:p>
+        </p:txBody>
+      </p:sp>
     </p:spTree>
     <p:extLst>
       <p:ext uri="{BB962C8B-B14F-4D97-AF65-F5344CB8AC3E}">
-        <p14:creationId xmlns:p14="http://schemas.microsoft.com/office/powerpoint/2010/main" val="1573554273"/>
+        <p14:creationId xmlns:p14="http://schemas.microsoft.com/office/powerpoint/2010/main" val="2000795415"/>
       </p:ext>
     </p:extLst>
   </p:cSld>
@@ -8859,41 +8980,49 @@
           </a:bodyPr>
           <a:lstStyle/>
           <a:p>
-            <a:r>
-              <a:rPr lang="de-DE" dirty="0"/>
-              <a:t>Übersicht für Waren oder Dienstleistungen welche nach bestimmten Kriterien wie zum Beispiel nach Preis sortiert sind</a:t>
-            </a:r>
-          </a:p>
-          <a:p>
-            <a:r>
-              <a:rPr lang="de-DE" dirty="0"/>
-              <a:t>Per Schnittstelle werden die Internetseiten der Händler mit dem Vergleichs Portal verknüpft.</a:t>
-            </a:r>
-          </a:p>
-          <a:p>
-            <a:r>
-              <a:rPr lang="de-DE" dirty="0" err="1"/>
-              <a:t>Durchnittliche</a:t>
-            </a:r>
-            <a:r>
-              <a:rPr lang="de-DE" dirty="0"/>
-              <a:t> Provision für Vermittlung 5-13%</a:t>
-            </a:r>
-          </a:p>
-          <a:p>
-            <a:r>
-              <a:rPr lang="de-DE" dirty="0"/>
-              <a:t>Verbraucherprobleme:</a:t>
-            </a:r>
-          </a:p>
-          <a:p>
             <a:pPr marL="342900" indent="-342900">
               <a:buFont typeface="Arial" panose="020B0604020202020204" pitchFamily="34" charset="0"/>
               <a:buChar char="•"/>
             </a:pPr>
             <a:r>
               <a:rPr lang="de-DE" dirty="0"/>
-              <a:t>Premium Mitgliedschaften für Anbieter (kein fairer vergleich)</a:t>
+              <a:t>Übersicht für Waren oder Dienstleistungen welche nach bestimmten Kriterien sortiert sind</a:t>
+            </a:r>
+          </a:p>
+          <a:p>
+            <a:pPr marL="342900" indent="-342900">
+              <a:buFont typeface="Arial" panose="020B0604020202020204" pitchFamily="34" charset="0"/>
+              <a:buChar char="•"/>
+            </a:pPr>
+            <a:r>
+              <a:rPr lang="de-DE" dirty="0"/>
+              <a:t>Per Schnittstelle werden Internetseiten der Händler mit Vergleichs Portal verknüpft</a:t>
+            </a:r>
+          </a:p>
+          <a:p>
+            <a:pPr marL="342900" indent="-342900">
+              <a:buFont typeface="Arial" panose="020B0604020202020204" pitchFamily="34" charset="0"/>
+              <a:buChar char="•"/>
+            </a:pPr>
+            <a:r>
+              <a:rPr lang="de-DE" dirty="0"/>
+              <a:t>Durchschnittliche Provision für Vermittlung 5-13%</a:t>
+            </a:r>
+          </a:p>
+          <a:p>
+            <a:r>
+              <a:rPr lang="de-DE" dirty="0"/>
+              <a:t>Verbraucherprobleme:</a:t>
+            </a:r>
+          </a:p>
+          <a:p>
+            <a:pPr marL="342900" indent="-342900">
+              <a:buFont typeface="Arial" panose="020B0604020202020204" pitchFamily="34" charset="0"/>
+              <a:buChar char="•"/>
+            </a:pPr>
+            <a:r>
+              <a:rPr lang="de-DE" dirty="0"/>
+              <a:t>Premium Mitgliedschaften für Anbieter </a:t>
             </a:r>
           </a:p>
           <a:p>
@@ -9012,7 +9141,7 @@
         </p:blipFill>
         <p:spPr>
           <a:xfrm>
-            <a:off x="9535639" y="1513044"/>
+            <a:off x="9870432" y="1194228"/>
             <a:ext cx="1452748" cy="1089561"/>
           </a:xfrm>
           <a:prstGeom prst="rect">
@@ -9048,7 +9177,7 @@
         </p:blipFill>
         <p:spPr>
           <a:xfrm>
-            <a:off x="5830660" y="1513044"/>
+            <a:off x="6149740" y="1194228"/>
             <a:ext cx="2957080" cy="1070667"/>
           </a:xfrm>
           <a:prstGeom prst="rect">
@@ -9056,6 +9185,76 @@
           </a:prstGeom>
         </p:spPr>
       </p:pic>
+      <p:sp>
+        <p:nvSpPr>
+          <p:cNvPr id="6" name="Textfeld 5">
+            <a:extLst>
+              <a:ext uri="{FF2B5EF4-FFF2-40B4-BE49-F238E27FC236}">
+                <a16:creationId xmlns:a16="http://schemas.microsoft.com/office/drawing/2014/main" id="{C14D07ED-DBE5-4F85-8287-8C0351D0F48D}"/>
+              </a:ext>
+            </a:extLst>
+          </p:cNvPr>
+          <p:cNvSpPr txBox="1"/>
+          <p:nvPr/>
+        </p:nvSpPr>
+        <p:spPr>
+          <a:xfrm>
+            <a:off x="6068287" y="2246523"/>
+            <a:ext cx="2957080" cy="461665"/>
+          </a:xfrm>
+          <a:prstGeom prst="rect">
+            <a:avLst/>
+          </a:prstGeom>
+          <a:noFill/>
+        </p:spPr>
+        <p:txBody>
+          <a:bodyPr wrap="square" rtlCol="0">
+            <a:spAutoFit/>
+          </a:bodyPr>
+          <a:lstStyle/>
+          <a:p>
+            <a:r>
+              <a:rPr lang="de-DE" sz="800" dirty="0"/>
+              <a:t>Quelle: (07.07.2020) https://www.urlaubstracker.de/reiseanbieter/holidaycheck/ </a:t>
+            </a:r>
+          </a:p>
+        </p:txBody>
+      </p:sp>
+      <p:sp>
+        <p:nvSpPr>
+          <p:cNvPr id="8" name="Textfeld 7">
+            <a:extLst>
+              <a:ext uri="{FF2B5EF4-FFF2-40B4-BE49-F238E27FC236}">
+                <a16:creationId xmlns:a16="http://schemas.microsoft.com/office/drawing/2014/main" id="{441562E1-7720-423C-9256-CDDAD290975D}"/>
+              </a:ext>
+            </a:extLst>
+          </p:cNvPr>
+          <p:cNvSpPr txBox="1"/>
+          <p:nvPr/>
+        </p:nvSpPr>
+        <p:spPr>
+          <a:xfrm>
+            <a:off x="9788979" y="2264895"/>
+            <a:ext cx="1868619" cy="707886"/>
+          </a:xfrm>
+          <a:prstGeom prst="rect">
+            <a:avLst/>
+          </a:prstGeom>
+          <a:noFill/>
+        </p:spPr>
+        <p:txBody>
+          <a:bodyPr wrap="square" rtlCol="0">
+            <a:spAutoFit/>
+          </a:bodyPr>
+          <a:lstStyle/>
+          <a:p>
+            <a:r>
+              <a:rPr lang="de-DE" sz="800" dirty="0"/>
+              <a:t>Quelle: (07.07.2020) https://www.travindy.com/2016/10/tripadvisor-animal-welfare-booking-information-portal/trip-advisor-logo-png/ </a:t>
+            </a:r>
+          </a:p>
+        </p:txBody>
+      </p:sp>
     </p:spTree>
     <p:extLst>
       <p:ext uri="{BB962C8B-B14F-4D97-AF65-F5344CB8AC3E}">
@@ -9091,7 +9290,7 @@
           <p:cNvPr id="2" name="Titel 1">
             <a:extLst>
               <a:ext uri="{FF2B5EF4-FFF2-40B4-BE49-F238E27FC236}">
-                <a16:creationId xmlns:a16="http://schemas.microsoft.com/office/drawing/2014/main" id="{F95C437A-E468-4E3E-9925-6E787BB6E02E}"/>
+                <a16:creationId xmlns:a16="http://schemas.microsoft.com/office/drawing/2014/main" id="{62C1817D-9148-45C6-8298-339B70BF154A}"/>
               </a:ext>
             </a:extLst>
           </p:cNvPr>
@@ -9102,35 +9301,61 @@
             <p:ph type="title"/>
           </p:nvPr>
         </p:nvSpPr>
-        <p:spPr/>
-        <p:txBody>
-          <a:bodyPr/>
-          <a:lstStyle/>
-          <a:p>
-            <a:r>
-              <a:rPr lang="de-DE" dirty="0"/>
-              <a:t>Systeme für Endkunden</a:t>
-            </a:r>
+        <p:spPr>
+          <a:xfrm>
+            <a:off x="684212" y="2156950"/>
+            <a:ext cx="6202011" cy="1089837"/>
+          </a:xfrm>
+        </p:spPr>
+        <p:txBody>
+          <a:bodyPr>
+            <a:normAutofit fontScale="90000"/>
+          </a:bodyPr>
+          <a:lstStyle/>
+          <a:p>
             <a:br>
               <a:rPr lang="de-DE" dirty="0"/>
             </a:br>
-            <a:r>
-              <a:rPr lang="de-DE" dirty="0" err="1"/>
-              <a:t>Social</a:t>
-            </a:r>
-            <a:r>
-              <a:rPr lang="de-DE" dirty="0"/>
-              <a:t> Media</a:t>
-            </a:r>
-          </a:p>
-        </p:txBody>
-      </p:sp>
-      <p:sp>
-        <p:nvSpPr>
-          <p:cNvPr id="3" name="Textplatzhalter 2">
+            <a:br>
+              <a:rPr lang="de-DE" dirty="0"/>
+            </a:br>
+            <a:br>
+              <a:rPr lang="de-DE" dirty="0"/>
+            </a:br>
+            <a:r>
+              <a:rPr lang="de-DE" sz="3100" dirty="0"/>
+              <a:t>Zukunftsaussichten und </a:t>
+            </a:r>
+            <a:r>
+              <a:rPr lang="de-DE" sz="3100" dirty="0" err="1"/>
+              <a:t>trends</a:t>
+            </a:r>
+            <a:br>
+              <a:rPr lang="de-DE" sz="3100" dirty="0"/>
+            </a:br>
+            <a:r>
+              <a:rPr lang="de-DE" sz="3100" dirty="0"/>
+              <a:t>Virtual Reality (VR)</a:t>
+            </a:r>
+            <a:br>
+              <a:rPr lang="de-DE" dirty="0"/>
+            </a:br>
+            <a:br>
+              <a:rPr lang="de-DE" dirty="0"/>
+            </a:br>
+            <a:br>
+              <a:rPr lang="de-DE" dirty="0"/>
+            </a:br>
+            <a:endParaRPr lang="de-DE" dirty="0"/>
+          </a:p>
+        </p:txBody>
+      </p:sp>
+      <p:sp>
+        <p:nvSpPr>
+          <p:cNvPr id="4" name="Textplatzhalter 3">
             <a:extLst>
               <a:ext uri="{FF2B5EF4-FFF2-40B4-BE49-F238E27FC236}">
-                <a16:creationId xmlns:a16="http://schemas.microsoft.com/office/drawing/2014/main" id="{D55B8125-EBC3-4115-BCAB-FABD7252618B}"/>
+                <a16:creationId xmlns:a16="http://schemas.microsoft.com/office/drawing/2014/main" id="{879D48CF-BFCE-48A9-BA62-CA39268C461E}"/>
               </a:ext>
             </a:extLst>
           </p:cNvPr>
@@ -9138,75 +9363,113 @@
             <a:spLocks noGrp="1"/>
           </p:cNvSpPr>
           <p:nvPr>
-            <p:ph type="body" idx="1"/>
-          </p:nvPr>
-        </p:nvSpPr>
-        <p:spPr/>
-        <p:txBody>
-          <a:bodyPr/>
-          <a:lstStyle/>
-          <a:p>
-            <a:r>
-              <a:rPr lang="de-DE" dirty="0"/>
-              <a:t>Storys und Live-Bilder sorgen für erhöhte Aufmerksamkeit auf Seiten des Kunden</a:t>
-            </a:r>
-          </a:p>
-          <a:p>
-            <a:r>
-              <a:rPr lang="de-DE" dirty="0"/>
-              <a:t>Werbeplattform für die Tourismusbranche</a:t>
-            </a:r>
-          </a:p>
-          <a:p>
-            <a:r>
-              <a:rPr lang="de-DE" dirty="0"/>
-              <a:t>2015 wurde in einer Umfrage Ferienhaus-Urlaubsanalyse ermittelt, dass unter 32,4 Prozent der Umfrageteilnehmer geteilte Inhalte auf </a:t>
-            </a:r>
-            <a:r>
-              <a:rPr lang="de-DE" dirty="0" err="1"/>
-              <a:t>Social</a:t>
-            </a:r>
-            <a:r>
-              <a:rPr lang="de-DE" dirty="0"/>
-              <a:t> Media </a:t>
-            </a:r>
-            <a:r>
-              <a:rPr lang="de-DE" dirty="0" err="1"/>
-              <a:t>Platformen</a:t>
-            </a:r>
-            <a:r>
-              <a:rPr lang="de-DE" dirty="0"/>
-              <a:t> zur Wahl des Reiseziels geführt haben</a:t>
-            </a:r>
-          </a:p>
-          <a:p>
-            <a:r>
-              <a:rPr lang="de-DE" dirty="0"/>
-              <a:t>Andere an eigenen Erlebnissen teilhaben lassen</a:t>
-            </a:r>
-          </a:p>
-          <a:p>
-            <a:r>
-              <a:rPr lang="de-DE" dirty="0"/>
-              <a:t>Dadurch neue </a:t>
-            </a:r>
-            <a:r>
-              <a:rPr lang="de-DE" dirty="0" err="1"/>
-              <a:t>ideen</a:t>
-            </a:r>
-            <a:r>
-              <a:rPr lang="de-DE" dirty="0"/>
-              <a:t> für die eigene Urlaubsplanung</a:t>
-            </a:r>
-          </a:p>
-        </p:txBody>
-      </p:sp>
-      <p:sp>
-        <p:nvSpPr>
-          <p:cNvPr id="4" name="Fußzeilenplatzhalter 3">
+            <p:ph type="body" sz="half" idx="2"/>
+          </p:nvPr>
+        </p:nvSpPr>
+        <p:spPr>
+          <a:xfrm>
+            <a:off x="684212" y="2596720"/>
+            <a:ext cx="5411788" cy="3446688"/>
+          </a:xfrm>
+        </p:spPr>
+        <p:txBody>
+          <a:bodyPr>
+            <a:normAutofit lnSpcReduction="10000"/>
+          </a:bodyPr>
+          <a:lstStyle/>
+          <a:p>
+            <a:r>
+              <a:rPr lang="de-DE" sz="1900" dirty="0"/>
+              <a:t>Im Flugzeug:</a:t>
+            </a:r>
+          </a:p>
+          <a:p>
+            <a:pPr marL="342900" indent="-342900">
+              <a:buFont typeface="Arial" panose="020B0604020202020204" pitchFamily="34" charset="0"/>
+              <a:buChar char="•"/>
+            </a:pPr>
+            <a:r>
+              <a:rPr lang="de-DE" sz="1900" dirty="0"/>
+              <a:t>Vermittlung des Gefühls von Freiraum </a:t>
+            </a:r>
+          </a:p>
+          <a:p>
+            <a:pPr marL="342900" indent="-342900">
+              <a:buFont typeface="Arial" panose="020B0604020202020204" pitchFamily="34" charset="0"/>
+              <a:buChar char="•"/>
+            </a:pPr>
+            <a:r>
+              <a:rPr lang="de-DE" sz="1900" dirty="0"/>
+              <a:t>Konzept für Fensterloses Fliegen</a:t>
+            </a:r>
+          </a:p>
+          <a:p>
+            <a:pPr marL="342900" indent="-342900">
+              <a:buFont typeface="Arial" panose="020B0604020202020204" pitchFamily="34" charset="0"/>
+              <a:buChar char="•"/>
+            </a:pPr>
+            <a:r>
+              <a:rPr lang="de-DE" sz="1900" dirty="0"/>
+              <a:t>Probleme: Panische Bewegungen, Übelkeit</a:t>
+            </a:r>
+          </a:p>
+          <a:p>
+            <a:endParaRPr lang="de-DE" sz="1900" dirty="0"/>
+          </a:p>
+          <a:p>
+            <a:r>
+              <a:rPr lang="de-DE" sz="1900" dirty="0"/>
+              <a:t>Im Reisebüro:</a:t>
+            </a:r>
+          </a:p>
+          <a:p>
+            <a:pPr marL="342900" indent="-342900">
+              <a:buFont typeface="Arial" panose="020B0604020202020204" pitchFamily="34" charset="0"/>
+              <a:buChar char="•"/>
+            </a:pPr>
+            <a:r>
+              <a:rPr lang="de-DE" sz="1900" dirty="0"/>
+              <a:t>Begutachtung des Reiseziels schon vor der Buchung möglich</a:t>
+            </a:r>
+          </a:p>
+          <a:p>
+            <a:endParaRPr lang="de-DE" sz="1900" dirty="0"/>
+          </a:p>
+          <a:p>
+            <a:endParaRPr lang="de-DE" sz="2000" dirty="0"/>
+          </a:p>
+          <a:p>
+            <a:endParaRPr lang="de-DE" sz="2000" dirty="0"/>
+          </a:p>
+          <a:p>
+            <a:endParaRPr lang="de-DE" sz="2000" dirty="0"/>
+          </a:p>
+          <a:p>
+            <a:endParaRPr lang="de-DE" sz="2000" dirty="0"/>
+          </a:p>
+          <a:p>
+            <a:endParaRPr lang="de-DE" sz="2400" dirty="0"/>
+          </a:p>
+          <a:p>
+            <a:endParaRPr lang="de-DE" dirty="0"/>
+          </a:p>
+          <a:p>
+            <a:endParaRPr lang="de-DE" dirty="0"/>
+          </a:p>
+          <a:p>
+            <a:endParaRPr lang="de-DE" dirty="0"/>
+          </a:p>
+          <a:p>
+            <a:endParaRPr lang="de-DE" dirty="0"/>
+          </a:p>
+        </p:txBody>
+      </p:sp>
+      <p:sp>
+        <p:nvSpPr>
+          <p:cNvPr id="5" name="Fußzeilenplatzhalter 4">
             <a:extLst>
               <a:ext uri="{FF2B5EF4-FFF2-40B4-BE49-F238E27FC236}">
-                <a16:creationId xmlns:a16="http://schemas.microsoft.com/office/drawing/2014/main" id="{E3F38A19-3A8B-41AD-A177-63A29F0D3E87}"/>
+                <a16:creationId xmlns:a16="http://schemas.microsoft.com/office/drawing/2014/main" id="{8F5F72F6-8A8E-4FEA-8CF8-A5879EB93795}"/>
               </a:ext>
             </a:extLst>
           </p:cNvPr>
@@ -9226,16 +9489,15 @@
               <a:rPr lang="de-DE"/>
               <a:t>Benjamin Swarovsky                                                                                                            eTourism</a:t>
             </a:r>
-            <a:endParaRPr lang="de-DE" dirty="0"/>
-          </a:p>
-        </p:txBody>
-      </p:sp>
-      <p:sp>
-        <p:nvSpPr>
-          <p:cNvPr id="5" name="Foliennummernplatzhalter 4">
+          </a:p>
+        </p:txBody>
+      </p:sp>
+      <p:sp>
+        <p:nvSpPr>
+          <p:cNvPr id="6" name="Foliennummernplatzhalter 5">
             <a:extLst>
               <a:ext uri="{FF2B5EF4-FFF2-40B4-BE49-F238E27FC236}">
-                <a16:creationId xmlns:a16="http://schemas.microsoft.com/office/drawing/2014/main" id="{643EF6EF-637C-417C-890A-B2C70662D956}"/>
+                <a16:creationId xmlns:a16="http://schemas.microsoft.com/office/drawing/2014/main" id="{07B250FB-EAF3-4A6C-93F9-B6CA9537A408}"/>
               </a:ext>
             </a:extLst>
           </p:cNvPr>
@@ -9261,17 +9523,19 @@
       </p:sp>
       <p:pic>
         <p:nvPicPr>
-          <p:cNvPr id="7" name="Grafik 6" descr="Ein Bild, das Zeichnung enthält.&#10;&#10;Automatisch generierte Beschreibung">
+          <p:cNvPr id="7" name="Inhaltsplatzhalter 6">
             <a:extLst>
               <a:ext uri="{FF2B5EF4-FFF2-40B4-BE49-F238E27FC236}">
-                <a16:creationId xmlns:a16="http://schemas.microsoft.com/office/drawing/2014/main" id="{E0D10594-9187-421B-BD14-910C4580A1A2}"/>
+                <a16:creationId xmlns:a16="http://schemas.microsoft.com/office/drawing/2014/main" id="{021CC0CE-9029-4ED2-BD3D-51C4F46DFDB0}"/>
               </a:ext>
             </a:extLst>
           </p:cNvPr>
           <p:cNvPicPr>
-            <a:picLocks noChangeAspect="1"/>
+            <a:picLocks noGrp="1"/>
           </p:cNvPicPr>
-          <p:nvPr/>
+          <p:nvPr>
+            <p:ph idx="1"/>
+          </p:nvPr>
         </p:nvPicPr>
         <p:blipFill>
           <a:blip r:embed="rId2">
@@ -9281,60 +9545,71 @@
               </a:ext>
             </a:extLst>
           </a:blip>
+          <a:srcRect/>
           <a:stretch>
             <a:fillRect/>
           </a:stretch>
         </p:blipFill>
-        <p:spPr>
+        <p:spPr bwMode="auto">
           <a:xfrm>
-            <a:off x="6096000" y="1185046"/>
-            <a:ext cx="1089032" cy="1089032"/>
+            <a:off x="6096000" y="2055585"/>
+            <a:ext cx="5102578" cy="2685747"/>
           </a:xfrm>
           <a:prstGeom prst="rect">
             <a:avLst/>
           </a:prstGeom>
+          <a:noFill/>
+          <a:ln>
+            <a:noFill/>
+          </a:ln>
         </p:spPr>
       </p:pic>
-      <p:pic>
-        <p:nvPicPr>
-          <p:cNvPr id="9" name="Grafik 8" descr="Ein Bild, das Zeichnung enthält.&#10;&#10;Automatisch generierte Beschreibung">
+      <p:sp>
+        <p:nvSpPr>
+          <p:cNvPr id="3" name="Textfeld 2">
             <a:extLst>
               <a:ext uri="{FF2B5EF4-FFF2-40B4-BE49-F238E27FC236}">
-                <a16:creationId xmlns:a16="http://schemas.microsoft.com/office/drawing/2014/main" id="{65AFA8A5-2E85-452A-BE62-9839562CD7B9}"/>
+                <a16:creationId xmlns:a16="http://schemas.microsoft.com/office/drawing/2014/main" id="{84F5B39A-A4D7-4946-8DC8-3174ECB949B3}"/>
               </a:ext>
             </a:extLst>
           </p:cNvPr>
-          <p:cNvPicPr>
-            <a:picLocks noChangeAspect="1"/>
-          </p:cNvPicPr>
+          <p:cNvSpPr txBox="1"/>
           <p:nvPr/>
-        </p:nvPicPr>
-        <p:blipFill>
-          <a:blip r:embed="rId3">
-            <a:extLst>
-              <a:ext uri="{28A0092B-C50C-407E-A947-70E740481C1C}">
-                <a14:useLocalDpi xmlns:a14="http://schemas.microsoft.com/office/drawing/2010/main" val="0"/>
-              </a:ext>
-            </a:extLst>
-          </a:blip>
-          <a:stretch>
-            <a:fillRect/>
-          </a:stretch>
-        </p:blipFill>
+        </p:nvSpPr>
         <p:spPr>
           <a:xfrm>
-            <a:off x="7516901" y="1185046"/>
-            <a:ext cx="1089033" cy="1089033"/>
+            <a:off x="6016978" y="4802650"/>
+            <a:ext cx="3680178" cy="615553"/>
           </a:xfrm>
           <a:prstGeom prst="rect">
             <a:avLst/>
           </a:prstGeom>
-        </p:spPr>
-      </p:pic>
+          <a:noFill/>
+        </p:spPr>
+        <p:txBody>
+          <a:bodyPr wrap="square" rtlCol="0">
+            <a:spAutoFit/>
+          </a:bodyPr>
+          <a:lstStyle/>
+          <a:p>
+            <a:r>
+              <a:rPr lang="de-DE" sz="800" i="1" dirty="0"/>
+              <a:t>Quelle Emirates.</a:t>
+            </a:r>
+            <a:r>
+              <a:rPr lang="de-DE" sz="800" dirty="0"/>
+              <a:t> (14. 06 2020). https://www.innofrator.com/vr-machts-moeglich-schon-vor-dem-einsteigen-das-flugzeug-erkunden/ </a:t>
+            </a:r>
+          </a:p>
+          <a:p>
+            <a:endParaRPr lang="de-DE" dirty="0"/>
+          </a:p>
+        </p:txBody>
+      </p:sp>
     </p:spTree>
     <p:extLst>
       <p:ext uri="{BB962C8B-B14F-4D97-AF65-F5344CB8AC3E}">
-        <p14:creationId xmlns:p14="http://schemas.microsoft.com/office/powerpoint/2010/main" val="2000795415"/>
+        <p14:creationId xmlns:p14="http://schemas.microsoft.com/office/powerpoint/2010/main" val="3880510414"/>
       </p:ext>
     </p:extLst>
   </p:cSld>
@@ -9366,7 +9641,7 @@
           <p:cNvPr id="2" name="Titel 1">
             <a:extLst>
               <a:ext uri="{FF2B5EF4-FFF2-40B4-BE49-F238E27FC236}">
-                <a16:creationId xmlns:a16="http://schemas.microsoft.com/office/drawing/2014/main" id="{62C1817D-9148-45C6-8298-339B70BF154A}"/>
+                <a16:creationId xmlns:a16="http://schemas.microsoft.com/office/drawing/2014/main" id="{B9421704-8882-4CE7-B946-28AE931CB899}"/>
               </a:ext>
             </a:extLst>
           </p:cNvPr>
@@ -9377,68 +9652,44 @@
             <p:ph type="title"/>
           </p:nvPr>
         </p:nvSpPr>
-        <p:spPr>
-          <a:xfrm>
-            <a:off x="684212" y="1330284"/>
-            <a:ext cx="5411788" cy="1089837"/>
-          </a:xfrm>
-        </p:spPr>
+        <p:spPr/>
+        <p:txBody>
+          <a:bodyPr/>
+          <a:lstStyle/>
+          <a:p>
+            <a:r>
+              <a:rPr lang="de-DE" dirty="0"/>
+              <a:t>Fazit</a:t>
+            </a:r>
+          </a:p>
+        </p:txBody>
+      </p:sp>
+      <p:sp>
+        <p:nvSpPr>
+          <p:cNvPr id="3" name="Textplatzhalter 2">
+            <a:extLst>
+              <a:ext uri="{FF2B5EF4-FFF2-40B4-BE49-F238E27FC236}">
+                <a16:creationId xmlns:a16="http://schemas.microsoft.com/office/drawing/2014/main" id="{7E96B6FF-0F90-4B6F-A10B-CBA521410215}"/>
+              </a:ext>
+            </a:extLst>
+          </p:cNvPr>
+          <p:cNvSpPr>
+            <a:spLocks noGrp="1"/>
+          </p:cNvSpPr>
+          <p:nvPr>
+            <p:ph type="body" idx="1"/>
+          </p:nvPr>
+        </p:nvSpPr>
+        <p:spPr/>
         <p:txBody>
           <a:bodyPr>
-            <a:normAutofit fontScale="90000"/>
+            <a:normAutofit fontScale="77500" lnSpcReduction="20000"/>
           </a:bodyPr>
           <a:lstStyle/>
           <a:p>
             <a:r>
               <a:rPr lang="de-DE" dirty="0"/>
-              <a:t>Zukunftsaussichten und </a:t>
-            </a:r>
-            <a:r>
-              <a:rPr lang="de-DE" dirty="0" err="1"/>
-              <a:t>trends</a:t>
-            </a:r>
-            <a:br>
-              <a:rPr lang="de-DE" dirty="0"/>
-            </a:br>
-            <a:br>
-              <a:rPr lang="de-DE" dirty="0"/>
-            </a:br>
-            <a:endParaRPr lang="de-DE" dirty="0"/>
-          </a:p>
-        </p:txBody>
-      </p:sp>
-      <p:sp>
-        <p:nvSpPr>
-          <p:cNvPr id="4" name="Textplatzhalter 3">
-            <a:extLst>
-              <a:ext uri="{FF2B5EF4-FFF2-40B4-BE49-F238E27FC236}">
-                <a16:creationId xmlns:a16="http://schemas.microsoft.com/office/drawing/2014/main" id="{879D48CF-BFCE-48A9-BA62-CA39268C461E}"/>
-              </a:ext>
-            </a:extLst>
-          </p:cNvPr>
-          <p:cNvSpPr>
-            <a:spLocks noGrp="1"/>
-          </p:cNvSpPr>
-          <p:nvPr>
-            <p:ph type="body" sz="half" idx="2"/>
-          </p:nvPr>
-        </p:nvSpPr>
-        <p:spPr/>
-        <p:txBody>
-          <a:bodyPr>
-            <a:normAutofit fontScale="92500" lnSpcReduction="10000"/>
-          </a:bodyPr>
-          <a:lstStyle/>
-          <a:p>
-            <a:r>
-              <a:rPr lang="de-DE" sz="2400" dirty="0"/>
-              <a:t>Virtual Reality (VR)</a:t>
-            </a:r>
-          </a:p>
-          <a:p>
-            <a:r>
-              <a:rPr lang="de-DE" sz="1900" dirty="0"/>
-              <a:t>Im Flugzeug:</a:t>
+              <a:t>Vorteile:</a:t>
             </a:r>
           </a:p>
           <a:p>
@@ -9447,8 +9698,8 @@
               <a:buChar char="•"/>
             </a:pPr>
             <a:r>
-              <a:rPr lang="de-DE" sz="1900" dirty="0"/>
-              <a:t>Vermittlung des Gefühls von Freiraum </a:t>
+              <a:rPr lang="de-DE" dirty="0"/>
+              <a:t>Sicherheitsstandards </a:t>
             </a:r>
           </a:p>
           <a:p>
@@ -9457,8 +9708,8 @@
               <a:buChar char="•"/>
             </a:pPr>
             <a:r>
-              <a:rPr lang="de-DE" sz="1900" dirty="0"/>
-              <a:t>Konzept für Fensterloses Fliegen</a:t>
+              <a:rPr lang="de-DE" dirty="0"/>
+              <a:t>Kommunikationsmöglichkeiten für Reisende</a:t>
             </a:r>
           </a:p>
           <a:p>
@@ -9467,17 +9718,16 @@
               <a:buChar char="•"/>
             </a:pPr>
             <a:r>
-              <a:rPr lang="de-DE" sz="1900" dirty="0"/>
-              <a:t>Probleme: Panische Bewegungen, Übelkeit</a:t>
-            </a:r>
-          </a:p>
-          <a:p>
-            <a:endParaRPr lang="de-DE" sz="1900" dirty="0"/>
-          </a:p>
-          <a:p>
-            <a:r>
-              <a:rPr lang="de-DE" sz="1900" dirty="0"/>
-              <a:t>Im Reisebüro:</a:t>
+              <a:rPr lang="de-DE" dirty="0"/>
+              <a:t>Globale Systeme für </a:t>
+            </a:r>
+            <a:r>
+              <a:rPr lang="de-DE" dirty="0" err="1"/>
+              <a:t>Reisemittler</a:t>
+            </a:r>
+            <a:r>
+              <a:rPr lang="de-DE" dirty="0"/>
+              <a:t> und Leistungsanbieter</a:t>
             </a:r>
           </a:p>
           <a:p>
@@ -9486,48 +9736,68 @@
               <a:buChar char="•"/>
             </a:pPr>
             <a:r>
-              <a:rPr lang="de-DE" sz="1900" dirty="0"/>
-              <a:t>Begutachtung des Reiseziels schon vor der Buchung möglich</a:t>
-            </a:r>
-          </a:p>
-          <a:p>
-            <a:endParaRPr lang="de-DE" sz="1900" dirty="0"/>
-          </a:p>
-          <a:p>
-            <a:endParaRPr lang="de-DE" sz="2000" dirty="0"/>
-          </a:p>
-          <a:p>
-            <a:endParaRPr lang="de-DE" sz="2000" dirty="0"/>
-          </a:p>
-          <a:p>
-            <a:endParaRPr lang="de-DE" sz="2000" dirty="0"/>
-          </a:p>
-          <a:p>
-            <a:endParaRPr lang="de-DE" sz="2000" dirty="0"/>
-          </a:p>
-          <a:p>
-            <a:endParaRPr lang="de-DE" sz="2400" dirty="0"/>
+              <a:rPr lang="de-DE" dirty="0" err="1"/>
+              <a:t>Social</a:t>
+            </a:r>
+            <a:r>
+              <a:rPr lang="de-DE" dirty="0"/>
+              <a:t> Media als Werbe- und Informationsplattform </a:t>
+            </a:r>
+          </a:p>
+          <a:p>
+            <a:pPr marL="342900" indent="-342900">
+              <a:buFont typeface="Arial" panose="020B0604020202020204" pitchFamily="34" charset="0"/>
+              <a:buChar char="•"/>
+            </a:pPr>
+            <a:r>
+              <a:rPr lang="de-DE" dirty="0"/>
+              <a:t>Transport wird angenehmer </a:t>
+            </a:r>
           </a:p>
           <a:p>
             <a:endParaRPr lang="de-DE" dirty="0"/>
           </a:p>
           <a:p>
+            <a:r>
+              <a:rPr lang="de-DE" dirty="0"/>
+              <a:t>Nachteile: </a:t>
+            </a:r>
+          </a:p>
+          <a:p>
+            <a:pPr marL="342900" indent="-342900">
+              <a:buFont typeface="Arial" panose="020B0604020202020204" pitchFamily="34" charset="0"/>
+              <a:buChar char="•"/>
+            </a:pPr>
+            <a:r>
+              <a:rPr lang="de-DE" dirty="0"/>
+              <a:t>Überbuchung</a:t>
+            </a:r>
+          </a:p>
+          <a:p>
+            <a:pPr marL="342900" indent="-342900">
+              <a:buFont typeface="Arial" panose="020B0604020202020204" pitchFamily="34" charset="0"/>
+              <a:buChar char="•"/>
+            </a:pPr>
+            <a:r>
+              <a:rPr lang="de-DE" dirty="0"/>
+              <a:t>Unfaire Vergleichsportale</a:t>
+            </a:r>
+          </a:p>
+          <a:p>
+            <a:pPr marL="342900" indent="-342900">
+              <a:buFont typeface="Arial" panose="020B0604020202020204" pitchFamily="34" charset="0"/>
+              <a:buChar char="•"/>
+            </a:pPr>
             <a:endParaRPr lang="de-DE" dirty="0"/>
           </a:p>
-          <a:p>
-            <a:endParaRPr lang="de-DE" dirty="0"/>
-          </a:p>
-          <a:p>
-            <a:endParaRPr lang="de-DE" dirty="0"/>
-          </a:p>
-        </p:txBody>
-      </p:sp>
-      <p:sp>
-        <p:nvSpPr>
-          <p:cNvPr id="5" name="Fußzeilenplatzhalter 4">
+        </p:txBody>
+      </p:sp>
+      <p:sp>
+        <p:nvSpPr>
+          <p:cNvPr id="4" name="Fußzeilenplatzhalter 3">
             <a:extLst>
               <a:ext uri="{FF2B5EF4-FFF2-40B4-BE49-F238E27FC236}">
-                <a16:creationId xmlns:a16="http://schemas.microsoft.com/office/drawing/2014/main" id="{8F5F72F6-8A8E-4FEA-8CF8-A5879EB93795}"/>
+                <a16:creationId xmlns:a16="http://schemas.microsoft.com/office/drawing/2014/main" id="{C1A88043-19DE-4099-8AD6-3358E86640A1}"/>
               </a:ext>
             </a:extLst>
           </p:cNvPr>
@@ -9547,15 +9817,16 @@
               <a:rPr lang="de-DE"/>
               <a:t>Benjamin Swarovsky                                                                                                            eTourism</a:t>
             </a:r>
-          </a:p>
-        </p:txBody>
-      </p:sp>
-      <p:sp>
-        <p:nvSpPr>
-          <p:cNvPr id="6" name="Foliennummernplatzhalter 5">
+            <a:endParaRPr lang="de-DE" dirty="0"/>
+          </a:p>
+        </p:txBody>
+      </p:sp>
+      <p:sp>
+        <p:nvSpPr>
+          <p:cNvPr id="5" name="Foliennummernplatzhalter 4">
             <a:extLst>
               <a:ext uri="{FF2B5EF4-FFF2-40B4-BE49-F238E27FC236}">
-                <a16:creationId xmlns:a16="http://schemas.microsoft.com/office/drawing/2014/main" id="{07B250FB-EAF3-4A6C-93F9-B6CA9537A408}"/>
+                <a16:creationId xmlns:a16="http://schemas.microsoft.com/office/drawing/2014/main" id="{8782BFE9-5734-41AF-81B5-5A9E901AA958}"/>
               </a:ext>
             </a:extLst>
           </p:cNvPr>
@@ -9581,53 +9852,10 @@
       </p:sp>
       <p:pic>
         <p:nvPicPr>
-          <p:cNvPr id="7" name="Inhaltsplatzhalter 6">
+          <p:cNvPr id="7" name="Grafik 6" descr="Sicherheitskamera">
             <a:extLst>
               <a:ext uri="{FF2B5EF4-FFF2-40B4-BE49-F238E27FC236}">
-                <a16:creationId xmlns:a16="http://schemas.microsoft.com/office/drawing/2014/main" id="{021CC0CE-9029-4ED2-BD3D-51C4F46DFDB0}"/>
-              </a:ext>
-            </a:extLst>
-          </p:cNvPr>
-          <p:cNvPicPr>
-            <a:picLocks noGrp="1"/>
-          </p:cNvPicPr>
-          <p:nvPr>
-            <p:ph idx="1"/>
-          </p:nvPr>
-        </p:nvPicPr>
-        <p:blipFill>
-          <a:blip r:embed="rId2">
-            <a:extLst>
-              <a:ext uri="{28A0092B-C50C-407E-A947-70E740481C1C}">
-                <a14:useLocalDpi xmlns:a14="http://schemas.microsoft.com/office/drawing/2010/main" val="0"/>
-              </a:ext>
-            </a:extLst>
-          </a:blip>
-          <a:srcRect/>
-          <a:stretch>
-            <a:fillRect/>
-          </a:stretch>
-        </p:blipFill>
-        <p:spPr bwMode="auto">
-          <a:xfrm>
-            <a:off x="6096000" y="3172411"/>
-            <a:ext cx="5064125" cy="2709306"/>
-          </a:xfrm>
-          <a:prstGeom prst="rect">
-            <a:avLst/>
-          </a:prstGeom>
-          <a:noFill/>
-          <a:ln>
-            <a:noFill/>
-          </a:ln>
-        </p:spPr>
-      </p:pic>
-      <p:pic>
-        <p:nvPicPr>
-          <p:cNvPr id="10" name="Grafik 9" descr="Ein Bild, das Zeichnung enthält.&#10;&#10;Automatisch generierte Beschreibung">
-            <a:extLst>
-              <a:ext uri="{FF2B5EF4-FFF2-40B4-BE49-F238E27FC236}">
-                <a16:creationId xmlns:a16="http://schemas.microsoft.com/office/drawing/2014/main" id="{096186F5-BA6F-44BB-BB74-2B85A3D1CAF8}"/>
+                <a16:creationId xmlns:a16="http://schemas.microsoft.com/office/drawing/2014/main" id="{11D91880-FAE0-457A-99F9-757AAD3C0D95}"/>
               </a:ext>
             </a:extLst>
           </p:cNvPr>
@@ -9637,10 +9865,13 @@
           <p:nvPr/>
         </p:nvPicPr>
         <p:blipFill>
-          <a:blip r:embed="rId3">
+          <a:blip r:embed="rId2">
             <a:extLst>
               <a:ext uri="{28A0092B-C50C-407E-A947-70E740481C1C}">
                 <a14:useLocalDpi xmlns:a14="http://schemas.microsoft.com/office/drawing/2010/main" val="0"/>
+              </a:ext>
+              <a:ext uri="{96DAC541-7B7A-43D3-8B79-37D633B846F1}">
+                <asvg:svgBlip xmlns:asvg="http://schemas.microsoft.com/office/drawing/2016/SVG/main" r:embed="rId3"/>
               </a:ext>
             </a:extLst>
           </a:blip>
@@ -9650,8 +9881,476 @@
         </p:blipFill>
         <p:spPr>
           <a:xfrm>
-            <a:off x="6096000" y="890750"/>
-            <a:ext cx="2644239" cy="1322120"/>
+            <a:off x="3334032" y="2743199"/>
+            <a:ext cx="574764" cy="574764"/>
+          </a:xfrm>
+          <a:prstGeom prst="rect">
+            <a:avLst/>
+          </a:prstGeom>
+        </p:spPr>
+      </p:pic>
+      <p:pic>
+        <p:nvPicPr>
+          <p:cNvPr id="9" name="Grafik 8" descr="Drahtlos">
+            <a:extLst>
+              <a:ext uri="{FF2B5EF4-FFF2-40B4-BE49-F238E27FC236}">
+                <a16:creationId xmlns:a16="http://schemas.microsoft.com/office/drawing/2014/main" id="{92E45382-686E-45ED-80BF-87A3F2BE23C5}"/>
+              </a:ext>
+            </a:extLst>
+          </p:cNvPr>
+          <p:cNvPicPr>
+            <a:picLocks noChangeAspect="1"/>
+          </p:cNvPicPr>
+          <p:nvPr/>
+        </p:nvPicPr>
+        <p:blipFill>
+          <a:blip r:embed="rId4">
+            <a:extLst>
+              <a:ext uri="{28A0092B-C50C-407E-A947-70E740481C1C}">
+                <a14:useLocalDpi xmlns:a14="http://schemas.microsoft.com/office/drawing/2010/main" val="0"/>
+              </a:ext>
+              <a:ext uri="{96DAC541-7B7A-43D3-8B79-37D633B846F1}">
+                <asvg:svgBlip xmlns:asvg="http://schemas.microsoft.com/office/drawing/2016/SVG/main" r:embed="rId5"/>
+              </a:ext>
+            </a:extLst>
+          </a:blip>
+          <a:stretch>
+            <a:fillRect/>
+          </a:stretch>
+        </p:blipFill>
+        <p:spPr>
+          <a:xfrm>
+            <a:off x="5439853" y="3105316"/>
+            <a:ext cx="490197" cy="490197"/>
+          </a:xfrm>
+          <a:prstGeom prst="rect">
+            <a:avLst/>
+          </a:prstGeom>
+        </p:spPr>
+      </p:pic>
+      <p:pic>
+        <p:nvPicPr>
+          <p:cNvPr id="11" name="Grafik 10" descr="Chatblase">
+            <a:extLst>
+              <a:ext uri="{FF2B5EF4-FFF2-40B4-BE49-F238E27FC236}">
+                <a16:creationId xmlns:a16="http://schemas.microsoft.com/office/drawing/2014/main" id="{E07CCA0F-9F00-43CE-92DC-E5033CA9E98D}"/>
+              </a:ext>
+            </a:extLst>
+          </p:cNvPr>
+          <p:cNvPicPr>
+            <a:picLocks noChangeAspect="1"/>
+          </p:cNvPicPr>
+          <p:nvPr/>
+        </p:nvPicPr>
+        <p:blipFill>
+          <a:blip r:embed="rId6">
+            <a:extLst>
+              <a:ext uri="{28A0092B-C50C-407E-A947-70E740481C1C}">
+                <a14:useLocalDpi xmlns:a14="http://schemas.microsoft.com/office/drawing/2010/main" val="0"/>
+              </a:ext>
+              <a:ext uri="{96DAC541-7B7A-43D3-8B79-37D633B846F1}">
+                <asvg:svgBlip xmlns:asvg="http://schemas.microsoft.com/office/drawing/2016/SVG/main" r:embed="rId7"/>
+              </a:ext>
+            </a:extLst>
+          </a:blip>
+          <a:stretch>
+            <a:fillRect/>
+          </a:stretch>
+        </p:blipFill>
+        <p:spPr>
+          <a:xfrm>
+            <a:off x="5948472" y="3063032"/>
+            <a:ext cx="574764" cy="574764"/>
+          </a:xfrm>
+          <a:prstGeom prst="rect">
+            <a:avLst/>
+          </a:prstGeom>
+        </p:spPr>
+      </p:pic>
+      <p:pic>
+        <p:nvPicPr>
+          <p:cNvPr id="13" name="Grafik 12" descr="Verbindungen">
+            <a:extLst>
+              <a:ext uri="{FF2B5EF4-FFF2-40B4-BE49-F238E27FC236}">
+                <a16:creationId xmlns:a16="http://schemas.microsoft.com/office/drawing/2014/main" id="{BCCDC806-43FC-45F1-B340-FB3C3A59306A}"/>
+              </a:ext>
+            </a:extLst>
+          </p:cNvPr>
+          <p:cNvPicPr>
+            <a:picLocks noChangeAspect="1"/>
+          </p:cNvPicPr>
+          <p:nvPr/>
+        </p:nvPicPr>
+        <p:blipFill>
+          <a:blip r:embed="rId8">
+            <a:extLst>
+              <a:ext uri="{28A0092B-C50C-407E-A947-70E740481C1C}">
+                <a14:useLocalDpi xmlns:a14="http://schemas.microsoft.com/office/drawing/2010/main" val="0"/>
+              </a:ext>
+              <a:ext uri="{96DAC541-7B7A-43D3-8B79-37D633B846F1}">
+                <asvg:svgBlip xmlns:asvg="http://schemas.microsoft.com/office/drawing/2016/SVG/main" r:embed="rId9"/>
+              </a:ext>
+            </a:extLst>
+          </a:blip>
+          <a:stretch>
+            <a:fillRect/>
+          </a:stretch>
+        </p:blipFill>
+        <p:spPr>
+          <a:xfrm>
+            <a:off x="6677520" y="3260866"/>
+            <a:ext cx="669293" cy="669293"/>
+          </a:xfrm>
+          <a:prstGeom prst="rect">
+            <a:avLst/>
+          </a:prstGeom>
+        </p:spPr>
+      </p:pic>
+      <p:pic>
+        <p:nvPicPr>
+          <p:cNvPr id="15" name="Grafik 14" descr="Lehrer">
+            <a:extLst>
+              <a:ext uri="{FF2B5EF4-FFF2-40B4-BE49-F238E27FC236}">
+                <a16:creationId xmlns:a16="http://schemas.microsoft.com/office/drawing/2014/main" id="{51B5D076-C342-411B-A0C0-48850B5D1EC3}"/>
+              </a:ext>
+            </a:extLst>
+          </p:cNvPr>
+          <p:cNvPicPr>
+            <a:picLocks noChangeAspect="1"/>
+          </p:cNvPicPr>
+          <p:nvPr/>
+        </p:nvPicPr>
+        <p:blipFill>
+          <a:blip r:embed="rId10">
+            <a:extLst>
+              <a:ext uri="{28A0092B-C50C-407E-A947-70E740481C1C}">
+                <a14:useLocalDpi xmlns:a14="http://schemas.microsoft.com/office/drawing/2010/main" val="0"/>
+              </a:ext>
+              <a:ext uri="{96DAC541-7B7A-43D3-8B79-37D633B846F1}">
+                <asvg:svgBlip xmlns:asvg="http://schemas.microsoft.com/office/drawing/2016/SVG/main" r:embed="rId11"/>
+              </a:ext>
+            </a:extLst>
+          </a:blip>
+          <a:stretch>
+            <a:fillRect/>
+          </a:stretch>
+        </p:blipFill>
+        <p:spPr>
+          <a:xfrm>
+            <a:off x="6301096" y="3814668"/>
+            <a:ext cx="669293" cy="669293"/>
+          </a:xfrm>
+          <a:prstGeom prst="rect">
+            <a:avLst/>
+          </a:prstGeom>
+        </p:spPr>
+      </p:pic>
+      <p:pic>
+        <p:nvPicPr>
+          <p:cNvPr id="19" name="Grafik 18" descr="Ohrhörer">
+            <a:extLst>
+              <a:ext uri="{FF2B5EF4-FFF2-40B4-BE49-F238E27FC236}">
+                <a16:creationId xmlns:a16="http://schemas.microsoft.com/office/drawing/2014/main" id="{12B0D3D8-3993-443C-94D1-34B3E6031AF4}"/>
+              </a:ext>
+            </a:extLst>
+          </p:cNvPr>
+          <p:cNvPicPr>
+            <a:picLocks noChangeAspect="1"/>
+          </p:cNvPicPr>
+          <p:nvPr/>
+        </p:nvPicPr>
+        <p:blipFill>
+          <a:blip r:embed="rId12">
+            <a:extLst>
+              <a:ext uri="{28A0092B-C50C-407E-A947-70E740481C1C}">
+                <a14:useLocalDpi xmlns:a14="http://schemas.microsoft.com/office/drawing/2010/main" val="0"/>
+              </a:ext>
+              <a:ext uri="{96DAC541-7B7A-43D3-8B79-37D633B846F1}">
+                <asvg:svgBlip xmlns:asvg="http://schemas.microsoft.com/office/drawing/2016/SVG/main" r:embed="rId13"/>
+              </a:ext>
+            </a:extLst>
+          </a:blip>
+          <a:stretch>
+            <a:fillRect/>
+          </a:stretch>
+        </p:blipFill>
+        <p:spPr>
+          <a:xfrm>
+            <a:off x="4413955" y="4200758"/>
+            <a:ext cx="505159" cy="505159"/>
+          </a:xfrm>
+          <a:prstGeom prst="rect">
+            <a:avLst/>
+          </a:prstGeom>
+        </p:spPr>
+      </p:pic>
+      <p:pic>
+        <p:nvPicPr>
+          <p:cNvPr id="21" name="Grafik 20" descr="Flugzeug">
+            <a:extLst>
+              <a:ext uri="{FF2B5EF4-FFF2-40B4-BE49-F238E27FC236}">
+                <a16:creationId xmlns:a16="http://schemas.microsoft.com/office/drawing/2014/main" id="{1720EBB1-DA37-4C91-A3FF-1A786DBFAE8F}"/>
+              </a:ext>
+            </a:extLst>
+          </p:cNvPr>
+          <p:cNvPicPr>
+            <a:picLocks noChangeAspect="1"/>
+          </p:cNvPicPr>
+          <p:nvPr/>
+        </p:nvPicPr>
+        <p:blipFill>
+          <a:blip r:embed="rId14">
+            <a:extLst>
+              <a:ext uri="{28A0092B-C50C-407E-A947-70E740481C1C}">
+                <a14:useLocalDpi xmlns:a14="http://schemas.microsoft.com/office/drawing/2010/main" val="0"/>
+              </a:ext>
+              <a:ext uri="{96DAC541-7B7A-43D3-8B79-37D633B846F1}">
+                <asvg:svgBlip xmlns:asvg="http://schemas.microsoft.com/office/drawing/2016/SVG/main" r:embed="rId15"/>
+              </a:ext>
+            </a:extLst>
+          </a:blip>
+          <a:stretch>
+            <a:fillRect/>
+          </a:stretch>
+        </p:blipFill>
+        <p:spPr>
+          <a:xfrm>
+            <a:off x="3908796" y="4190895"/>
+            <a:ext cx="505159" cy="505159"/>
+          </a:xfrm>
+          <a:prstGeom prst="rect">
+            <a:avLst/>
+          </a:prstGeom>
+        </p:spPr>
+      </p:pic>
+      <p:pic>
+        <p:nvPicPr>
+          <p:cNvPr id="23" name="Grafik 22" descr="Drama">
+            <a:extLst>
+              <a:ext uri="{FF2B5EF4-FFF2-40B4-BE49-F238E27FC236}">
+                <a16:creationId xmlns:a16="http://schemas.microsoft.com/office/drawing/2014/main" id="{2BA8C3EE-E53B-4C66-8013-C1282DB55D10}"/>
+              </a:ext>
+            </a:extLst>
+          </p:cNvPr>
+          <p:cNvPicPr>
+            <a:picLocks noChangeAspect="1"/>
+          </p:cNvPicPr>
+          <p:nvPr/>
+        </p:nvPicPr>
+        <p:blipFill>
+          <a:blip r:embed="rId16">
+            <a:extLst>
+              <a:ext uri="{28A0092B-C50C-407E-A947-70E740481C1C}">
+                <a14:useLocalDpi xmlns:a14="http://schemas.microsoft.com/office/drawing/2010/main" val="0"/>
+              </a:ext>
+              <a:ext uri="{96DAC541-7B7A-43D3-8B79-37D633B846F1}">
+                <asvg:svgBlip xmlns:asvg="http://schemas.microsoft.com/office/drawing/2016/SVG/main" r:embed="rId17"/>
+              </a:ext>
+            </a:extLst>
+          </a:blip>
+          <a:stretch>
+            <a:fillRect/>
+          </a:stretch>
+        </p:blipFill>
+        <p:spPr>
+          <a:xfrm>
+            <a:off x="4919114" y="4193167"/>
+            <a:ext cx="556099" cy="556099"/>
+          </a:xfrm>
+          <a:prstGeom prst="rect">
+            <a:avLst/>
+          </a:prstGeom>
+        </p:spPr>
+      </p:pic>
+      <p:pic>
+        <p:nvPicPr>
+          <p:cNvPr id="25" name="Grafik 24" descr="Ausrufezeichen">
+            <a:extLst>
+              <a:ext uri="{FF2B5EF4-FFF2-40B4-BE49-F238E27FC236}">
+                <a16:creationId xmlns:a16="http://schemas.microsoft.com/office/drawing/2014/main" id="{595A949F-6248-42EE-875D-F90D6DC4BCC0}"/>
+              </a:ext>
+            </a:extLst>
+          </p:cNvPr>
+          <p:cNvPicPr>
+            <a:picLocks noChangeAspect="1"/>
+          </p:cNvPicPr>
+          <p:nvPr/>
+        </p:nvPicPr>
+        <p:blipFill>
+          <a:blip r:embed="rId18">
+            <a:extLst>
+              <a:ext uri="{28A0092B-C50C-407E-A947-70E740481C1C}">
+                <a14:useLocalDpi xmlns:a14="http://schemas.microsoft.com/office/drawing/2010/main" val="0"/>
+              </a:ext>
+              <a:ext uri="{96DAC541-7B7A-43D3-8B79-37D633B846F1}">
+                <asvg:svgBlip xmlns:asvg="http://schemas.microsoft.com/office/drawing/2016/SVG/main" r:embed="rId19"/>
+              </a:ext>
+            </a:extLst>
+          </a:blip>
+          <a:stretch>
+            <a:fillRect/>
+          </a:stretch>
+        </p:blipFill>
+        <p:spPr>
+          <a:xfrm>
+            <a:off x="3986826" y="5409997"/>
+            <a:ext cx="589423" cy="589423"/>
+          </a:xfrm>
+          <a:prstGeom prst="rect">
+            <a:avLst/>
+          </a:prstGeom>
+        </p:spPr>
+      </p:pic>
+      <p:pic>
+        <p:nvPicPr>
+          <p:cNvPr id="27" name="Grafik 26" descr="Lupe">
+            <a:extLst>
+              <a:ext uri="{FF2B5EF4-FFF2-40B4-BE49-F238E27FC236}">
+                <a16:creationId xmlns:a16="http://schemas.microsoft.com/office/drawing/2014/main" id="{15C3F033-385E-43D3-BA9F-020E5AE16607}"/>
+              </a:ext>
+            </a:extLst>
+          </p:cNvPr>
+          <p:cNvPicPr>
+            <a:picLocks noChangeAspect="1"/>
+          </p:cNvPicPr>
+          <p:nvPr/>
+        </p:nvPicPr>
+        <p:blipFill>
+          <a:blip r:embed="rId20">
+            <a:extLst>
+              <a:ext uri="{28A0092B-C50C-407E-A947-70E740481C1C}">
+                <a14:useLocalDpi xmlns:a14="http://schemas.microsoft.com/office/drawing/2010/main" val="0"/>
+              </a:ext>
+              <a:ext uri="{96DAC541-7B7A-43D3-8B79-37D633B846F1}">
+                <asvg:svgBlip xmlns:asvg="http://schemas.microsoft.com/office/drawing/2016/SVG/main" r:embed="rId21"/>
+              </a:ext>
+            </a:extLst>
+          </a:blip>
+          <a:stretch>
+            <a:fillRect/>
+          </a:stretch>
+        </p:blipFill>
+        <p:spPr>
+          <a:xfrm>
+            <a:off x="3656216" y="5499192"/>
+            <a:ext cx="505159" cy="505159"/>
+          </a:xfrm>
+          <a:prstGeom prst="rect">
+            <a:avLst/>
+          </a:prstGeom>
+        </p:spPr>
+      </p:pic>
+      <p:pic>
+        <p:nvPicPr>
+          <p:cNvPr id="8" name="Grafik 7" descr="Gruppe">
+            <a:extLst>
+              <a:ext uri="{FF2B5EF4-FFF2-40B4-BE49-F238E27FC236}">
+                <a16:creationId xmlns:a16="http://schemas.microsoft.com/office/drawing/2014/main" id="{6A4804D6-FF5F-4E5D-A7C2-A840FA3E4476}"/>
+              </a:ext>
+            </a:extLst>
+          </p:cNvPr>
+          <p:cNvPicPr>
+            <a:picLocks noChangeAspect="1"/>
+          </p:cNvPicPr>
+          <p:nvPr/>
+        </p:nvPicPr>
+        <p:blipFill>
+          <a:blip r:embed="rId22">
+            <a:extLst>
+              <a:ext uri="{28A0092B-C50C-407E-A947-70E740481C1C}">
+                <a14:useLocalDpi xmlns:a14="http://schemas.microsoft.com/office/drawing/2010/main" val="0"/>
+              </a:ext>
+              <a:ext uri="{96DAC541-7B7A-43D3-8B79-37D633B846F1}">
+                <asvg:svgBlip xmlns:asvg="http://schemas.microsoft.com/office/drawing/2016/SVG/main" r:embed="rId23"/>
+              </a:ext>
+            </a:extLst>
+          </a:blip>
+          <a:stretch>
+            <a:fillRect/>
+          </a:stretch>
+        </p:blipFill>
+        <p:spPr>
+          <a:xfrm>
+            <a:off x="3387623" y="4985773"/>
+            <a:ext cx="574764" cy="574764"/>
+          </a:xfrm>
+          <a:prstGeom prst="rect">
+            <a:avLst/>
+          </a:prstGeom>
+        </p:spPr>
+      </p:pic>
+      <p:pic>
+        <p:nvPicPr>
+          <p:cNvPr id="12" name="Grafik 11" descr="Bett">
+            <a:extLst>
+              <a:ext uri="{FF2B5EF4-FFF2-40B4-BE49-F238E27FC236}">
+                <a16:creationId xmlns:a16="http://schemas.microsoft.com/office/drawing/2014/main" id="{B6D9BD99-5355-40B3-B7A7-083FCC445BC3}"/>
+              </a:ext>
+            </a:extLst>
+          </p:cNvPr>
+          <p:cNvPicPr>
+            <a:picLocks noChangeAspect="1"/>
+          </p:cNvPicPr>
+          <p:nvPr/>
+        </p:nvPicPr>
+        <p:blipFill>
+          <a:blip r:embed="rId24">
+            <a:extLst>
+              <a:ext uri="{28A0092B-C50C-407E-A947-70E740481C1C}">
+                <a14:useLocalDpi xmlns:a14="http://schemas.microsoft.com/office/drawing/2010/main" val="0"/>
+              </a:ext>
+              <a:ext uri="{96DAC541-7B7A-43D3-8B79-37D633B846F1}">
+                <asvg:svgBlip xmlns:asvg="http://schemas.microsoft.com/office/drawing/2016/SVG/main" r:embed="rId25"/>
+              </a:ext>
+            </a:extLst>
+          </a:blip>
+          <a:stretch>
+            <a:fillRect/>
+          </a:stretch>
+        </p:blipFill>
+        <p:spPr>
+          <a:xfrm>
+            <a:off x="2683772" y="4970921"/>
+            <a:ext cx="574764" cy="574764"/>
+          </a:xfrm>
+          <a:prstGeom prst="rect">
+            <a:avLst/>
+          </a:prstGeom>
+        </p:spPr>
+      </p:pic>
+      <p:pic>
+        <p:nvPicPr>
+          <p:cNvPr id="16" name="Grafik 15" descr="Trauriges Gesicht ohne Füllung">
+            <a:extLst>
+              <a:ext uri="{FF2B5EF4-FFF2-40B4-BE49-F238E27FC236}">
+                <a16:creationId xmlns:a16="http://schemas.microsoft.com/office/drawing/2014/main" id="{CCCAFCB9-C009-4D47-9CEB-682098218B75}"/>
+              </a:ext>
+            </a:extLst>
+          </p:cNvPr>
+          <p:cNvPicPr>
+            <a:picLocks noChangeAspect="1"/>
+          </p:cNvPicPr>
+          <p:nvPr/>
+        </p:nvPicPr>
+        <p:blipFill>
+          <a:blip r:embed="rId26">
+            <a:extLst>
+              <a:ext uri="{28A0092B-C50C-407E-A947-70E740481C1C}">
+                <a14:useLocalDpi xmlns:a14="http://schemas.microsoft.com/office/drawing/2010/main" val="0"/>
+              </a:ext>
+              <a:ext uri="{96DAC541-7B7A-43D3-8B79-37D633B846F1}">
+                <asvg:svgBlip xmlns:asvg="http://schemas.microsoft.com/office/drawing/2016/SVG/main" r:embed="rId27"/>
+              </a:ext>
+            </a:extLst>
+          </a:blip>
+          <a:stretch>
+            <a:fillRect/>
+          </a:stretch>
+        </p:blipFill>
+        <p:spPr>
+          <a:xfrm>
+            <a:off x="4401700" y="5445435"/>
+            <a:ext cx="505159" cy="505159"/>
           </a:xfrm>
           <a:prstGeom prst="rect">
             <a:avLst/>
@@ -9661,7 +10360,7 @@
     </p:spTree>
     <p:extLst>
       <p:ext uri="{BB962C8B-B14F-4D97-AF65-F5344CB8AC3E}">
-        <p14:creationId xmlns:p14="http://schemas.microsoft.com/office/powerpoint/2010/main" val="3880510414"/>
+        <p14:creationId xmlns:p14="http://schemas.microsoft.com/office/powerpoint/2010/main" val="2017473222"/>
       </p:ext>
     </p:extLst>
   </p:cSld>
@@ -9693,7 +10392,7 @@
           <p:cNvPr id="2" name="Titel 1">
             <a:extLst>
               <a:ext uri="{FF2B5EF4-FFF2-40B4-BE49-F238E27FC236}">
-                <a16:creationId xmlns:a16="http://schemas.microsoft.com/office/drawing/2014/main" id="{AD5D5387-9777-49C3-880F-A8F702D73353}"/>
+                <a16:creationId xmlns:a16="http://schemas.microsoft.com/office/drawing/2014/main" id="{45195774-624B-4467-BC5C-9FE4433F1A47}"/>
               </a:ext>
             </a:extLst>
           </p:cNvPr>
@@ -9711,13 +10410,8 @@
           <a:p>
             <a:r>
               <a:rPr lang="de-DE" dirty="0"/>
-              <a:t>Zukunftsaussichten und </a:t>
-            </a:r>
-            <a:r>
-              <a:rPr lang="de-DE" dirty="0" err="1"/>
-              <a:t>trends</a:t>
-            </a:r>
-            <a:endParaRPr lang="de-DE" dirty="0"/>
+              <a:t>quellen</a:t>
+            </a:r>
           </a:p>
         </p:txBody>
       </p:sp>
@@ -9726,7 +10420,7 @@
           <p:cNvPr id="3" name="Textplatzhalter 2">
             <a:extLst>
               <a:ext uri="{FF2B5EF4-FFF2-40B4-BE49-F238E27FC236}">
-                <a16:creationId xmlns:a16="http://schemas.microsoft.com/office/drawing/2014/main" id="{30DABF1B-2724-43E9-9D67-0BB291BAA70D}"/>
+                <a16:creationId xmlns:a16="http://schemas.microsoft.com/office/drawing/2014/main" id="{74C1ACBC-8471-4515-9A85-E943B947E33E}"/>
               </a:ext>
             </a:extLst>
           </p:cNvPr>
@@ -9745,148 +10439,147 @@
           <a:lstStyle/>
           <a:p>
             <a:r>
-              <a:rPr lang="de-DE" sz="4200" dirty="0"/>
-              <a:t>Influencer:</a:t>
-            </a:r>
-          </a:p>
-          <a:p>
-            <a:pPr marL="342900" indent="-342900">
-              <a:buFont typeface="Arial" panose="020B0604020202020204" pitchFamily="34" charset="0"/>
-              <a:buChar char="•"/>
-            </a:pPr>
-            <a:r>
-              <a:rPr lang="de-DE" sz="3400" dirty="0"/>
-              <a:t>Kanal zu einem bestimmten Thema auf </a:t>
-            </a:r>
-            <a:r>
-              <a:rPr lang="de-DE" sz="3400" dirty="0" err="1"/>
-              <a:t>Social</a:t>
-            </a:r>
-            <a:r>
-              <a:rPr lang="de-DE" sz="3400" dirty="0"/>
-              <a:t>-Media-Plattformen</a:t>
-            </a:r>
-          </a:p>
-          <a:p>
-            <a:pPr marL="342900" indent="-342900">
-              <a:buFont typeface="Arial" panose="020B0604020202020204" pitchFamily="34" charset="0"/>
-              <a:buChar char="•"/>
-            </a:pPr>
-            <a:r>
-              <a:rPr lang="de-DE" sz="3400" dirty="0"/>
-              <a:t>Große Anzahl an Followern (Expertenstatus)</a:t>
-            </a:r>
-          </a:p>
-          <a:p>
-            <a:pPr marL="342900" indent="-342900">
-              <a:buFont typeface="Arial" panose="020B0604020202020204" pitchFamily="34" charset="0"/>
-              <a:buChar char="•"/>
-            </a:pPr>
-            <a:r>
-              <a:rPr lang="de-DE" sz="3400" dirty="0"/>
-              <a:t>Werben im Auftrag von Firmen für bestimmte Produkte</a:t>
-            </a:r>
-          </a:p>
-          <a:p>
-            <a:pPr marL="342900" indent="-342900">
-              <a:buFont typeface="Arial" panose="020B0604020202020204" pitchFamily="34" charset="0"/>
-              <a:buChar char="•"/>
-            </a:pPr>
-            <a:endParaRPr lang="de-DE" sz="2900" dirty="0"/>
-          </a:p>
-          <a:p>
-            <a:r>
-              <a:rPr lang="de-DE" sz="4200" dirty="0" err="1"/>
-              <a:t>Social</a:t>
-            </a:r>
-            <a:r>
-              <a:rPr lang="de-DE" sz="4200" dirty="0"/>
-              <a:t> Media Monitoring / </a:t>
-            </a:r>
-            <a:r>
-              <a:rPr lang="de-DE" sz="4200" dirty="0" err="1"/>
-              <a:t>Social</a:t>
-            </a:r>
-            <a:r>
-              <a:rPr lang="de-DE" sz="4200" dirty="0"/>
-              <a:t> Listening:</a:t>
-            </a:r>
-          </a:p>
-          <a:p>
-            <a:pPr marL="342900" indent="-342900">
-              <a:buFont typeface="Arial" panose="020B0604020202020204" pitchFamily="34" charset="0"/>
-              <a:buChar char="•"/>
-            </a:pPr>
-            <a:r>
-              <a:rPr lang="de-DE" sz="3400" dirty="0"/>
-              <a:t>Unternehmen Lauschen auf </a:t>
-            </a:r>
-            <a:r>
-              <a:rPr lang="de-DE" sz="3400" dirty="0" err="1"/>
-              <a:t>Social</a:t>
-            </a:r>
-            <a:r>
-              <a:rPr lang="de-DE" sz="3400" dirty="0"/>
-              <a:t>-Media-Plattformen nach </a:t>
-            </a:r>
-            <a:r>
-              <a:rPr lang="de-DE" sz="3400" dirty="0" err="1"/>
-              <a:t>erwähnungen</a:t>
-            </a:r>
-            <a:r>
-              <a:rPr lang="de-DE" sz="3400" dirty="0"/>
-              <a:t> der eigenen Marke</a:t>
-            </a:r>
-          </a:p>
-          <a:p>
-            <a:pPr marL="342900" indent="-342900">
-              <a:buFont typeface="Arial" panose="020B0604020202020204" pitchFamily="34" charset="0"/>
-              <a:buChar char="•"/>
-            </a:pPr>
-            <a:r>
-              <a:rPr lang="de-DE" sz="3400" dirty="0"/>
-              <a:t>Beim </a:t>
-            </a:r>
-            <a:r>
-              <a:rPr lang="de-DE" sz="3400" dirty="0" err="1"/>
-              <a:t>Social</a:t>
-            </a:r>
-            <a:r>
-              <a:rPr lang="de-DE" sz="3400" dirty="0"/>
-              <a:t> Monitoring stehen Kennzahlen wie Anzahl der Erwähnungen und interaktionsraten im Vordergrund </a:t>
-            </a:r>
-          </a:p>
-          <a:p>
-            <a:pPr marL="342900" indent="-342900">
-              <a:buFont typeface="Arial" panose="020B0604020202020204" pitchFamily="34" charset="0"/>
-              <a:buChar char="•"/>
-            </a:pPr>
-            <a:r>
-              <a:rPr lang="de-DE" sz="3400" dirty="0"/>
-              <a:t>Beim </a:t>
-            </a:r>
-            <a:r>
-              <a:rPr lang="de-DE" sz="3400" dirty="0" err="1"/>
-              <a:t>Social</a:t>
-            </a:r>
-            <a:r>
-              <a:rPr lang="de-DE" sz="3400" dirty="0"/>
-              <a:t> Listening geht es dann darum künftige Maßnahmen für die Zukunft festzulegen und die gesammelten Daten für neue Unternehmensstrategien einzusetzen. </a:t>
-            </a:r>
-          </a:p>
-          <a:p>
-            <a:pPr marL="342900" indent="-342900">
-              <a:buFont typeface="Arial" panose="020B0604020202020204" pitchFamily="34" charset="0"/>
-              <a:buChar char="•"/>
-            </a:pPr>
-            <a:endParaRPr lang="de-DE" sz="2400" dirty="0"/>
+              <a:rPr lang="de-DE" i="1" dirty="0"/>
+              <a:t>101places.de</a:t>
+            </a:r>
+            <a:r>
+              <a:rPr lang="de-DE" dirty="0"/>
+              <a:t>. (07. 07 2014). Von https://www.101places.de/8-argumente-die-fuer-airbnb-sprechen-und-wie-du-die-besten-unterkuenfte-findest abgerufen</a:t>
+            </a:r>
+          </a:p>
+          <a:p>
+            <a:r>
+              <a:rPr lang="de-DE" i="1" dirty="0" err="1"/>
+              <a:t>airbnb</a:t>
+            </a:r>
+            <a:r>
+              <a:rPr lang="de-DE" dirty="0"/>
+              <a:t>. (07. 06 2020). Von https://www.airbnb.de/help/article/2503/was-bedeutet-airbnb-und-wie-funktioniert-es abgerufen</a:t>
+            </a:r>
+          </a:p>
+          <a:p>
+            <a:r>
+              <a:rPr lang="de-DE" i="1" dirty="0" err="1"/>
+              <a:t>airliners</a:t>
+            </a:r>
+            <a:r>
+              <a:rPr lang="de-DE" i="1" dirty="0"/>
+              <a:t>.</a:t>
+            </a:r>
+            <a:r>
+              <a:rPr lang="de-DE" dirty="0"/>
+              <a:t> (26. 05 2020). Von https://www.airliners.de/air-berlin-lufthansa-inflight-internet-auch-lh-kontinentalflotte/22656 abgerufen</a:t>
+            </a:r>
+          </a:p>
+          <a:p>
+            <a:r>
+              <a:rPr lang="de-DE" dirty="0"/>
+              <a:t>Berchtenbreiter, R. (03. 06 2020). </a:t>
+            </a:r>
+            <a:r>
+              <a:rPr lang="de-DE" i="1" dirty="0"/>
+              <a:t>www.tourismus-it.de</a:t>
+            </a:r>
+            <a:r>
+              <a:rPr lang="de-DE" dirty="0"/>
+              <a:t>. Von https://www.tourismus-it.de/it-systeme/marketing-systeme/21-34-crm-kundenbeziehungsmgmt abgerufen</a:t>
+            </a:r>
+          </a:p>
+          <a:p>
+            <a:r>
+              <a:rPr lang="de-DE" i="1" dirty="0"/>
+              <a:t>bitkom.org</a:t>
+            </a:r>
+            <a:r>
+              <a:rPr lang="de-DE" dirty="0"/>
+              <a:t>. (26. 05 2020). Von https://www.bitkom.org/Presse/Presseinformation/Digitaler-Tourismus-2020-So-smart-reisen-die-Deutschen abgerufen</a:t>
+            </a:r>
+          </a:p>
+          <a:p>
+            <a:r>
+              <a:rPr lang="de-DE" i="1" dirty="0"/>
+              <a:t>bookingkit.net</a:t>
+            </a:r>
+            <a:r>
+              <a:rPr lang="de-DE" dirty="0"/>
+              <a:t>. (31. 05 2020). Von https://bookingkit.net/de/academy/buchungssystem/ abgerufen</a:t>
+            </a:r>
+          </a:p>
+          <a:p>
+            <a:r>
+              <a:rPr lang="de-DE" i="1" dirty="0" err="1"/>
+              <a:t>brickfox</a:t>
+            </a:r>
+            <a:r>
+              <a:rPr lang="de-DE" dirty="0"/>
+              <a:t>. (30. 05 2020). Von https://www.brickfox.de/schnittstellen/preisvergleichsportale/ abgerufen</a:t>
+            </a:r>
+          </a:p>
+          <a:p>
+            <a:r>
+              <a:rPr lang="de-DE" dirty="0"/>
+              <a:t>Conrad, S. (31. 05 2020). </a:t>
+            </a:r>
+            <a:r>
+              <a:rPr lang="de-DE" i="1" dirty="0" err="1"/>
+              <a:t>grin</a:t>
+            </a:r>
+            <a:r>
+              <a:rPr lang="de-DE" dirty="0"/>
+              <a:t>. Von https://www.grin.com/document/207593 abgerufen</a:t>
+            </a:r>
+          </a:p>
+          <a:p>
+            <a:r>
+              <a:rPr lang="de-DE" dirty="0" err="1"/>
+              <a:t>Conrady</a:t>
+            </a:r>
+            <a:r>
+              <a:rPr lang="de-DE" dirty="0"/>
+              <a:t>, R. (23. 05 2020). Von https://wirtschaftslexikon.gabler.de/definition/yield-management-50781 abgerufen</a:t>
+            </a:r>
+          </a:p>
+          <a:p>
+            <a:r>
+              <a:rPr lang="de-DE" i="1" dirty="0"/>
+              <a:t>Deutsche Ferienhaus-Urlaubsanalyse </a:t>
+            </a:r>
+            <a:r>
+              <a:rPr lang="de-DE" dirty="0"/>
+              <a:t>. (26. 06 2020). Von https://docplayer.org/113532-10-deutsche-ferienhaus-urlaubsanalyse.html abgerufen</a:t>
+            </a:r>
+          </a:p>
+          <a:p>
+            <a:r>
+              <a:rPr lang="de-DE" i="1" dirty="0"/>
+              <a:t>Emirates.</a:t>
+            </a:r>
+            <a:r>
+              <a:rPr lang="de-DE" dirty="0"/>
+              <a:t> (14. 06 2020). Von https://www.innofrator.com/vr-machts-moeglich-schon-vor-dem-einsteigen-das-flugzeug-erkunden/ abgerufen</a:t>
+            </a:r>
+          </a:p>
+          <a:p>
+            <a:r>
+              <a:rPr lang="de-DE" dirty="0"/>
+              <a:t>Ermisch, S. (14. 06 2020). </a:t>
+            </a:r>
+            <a:r>
+              <a:rPr lang="de-DE" i="1" dirty="0" err="1"/>
+              <a:t>gruender</a:t>
+            </a:r>
+            <a:r>
+              <a:rPr lang="de-DE" i="1" dirty="0"/>
+              <a:t>.</a:t>
+            </a:r>
+            <a:r>
+              <a:rPr lang="de-DE" dirty="0"/>
+              <a:t> Von https://gruender.wiwo.de/inflight-vr-start-up-bringt-virtual-reality-in-flugzeuge/ abgerufen</a:t>
+            </a:r>
           </a:p>
           <a:p>
             <a:endParaRPr lang="de-DE" dirty="0"/>
           </a:p>
-          <a:p>
-            <a:endParaRPr lang="de-DE" dirty="0"/>
-          </a:p>
         </p:txBody>
       </p:sp>
       <p:sp>
@@ -9894,7 +10587,7 @@
           <p:cNvPr id="4" name="Fußzeilenplatzhalter 3">
             <a:extLst>
               <a:ext uri="{FF2B5EF4-FFF2-40B4-BE49-F238E27FC236}">
-                <a16:creationId xmlns:a16="http://schemas.microsoft.com/office/drawing/2014/main" id="{1DDBEAFA-09FC-4054-B24E-CE446F2362EF}"/>
+                <a16:creationId xmlns:a16="http://schemas.microsoft.com/office/drawing/2014/main" id="{18AA52FE-6B0E-431E-BB43-34DF3D4ADCD0}"/>
               </a:ext>
             </a:extLst>
           </p:cNvPr>
@@ -9923,7 +10616,7 @@
           <p:cNvPr id="5" name="Foliennummernplatzhalter 4">
             <a:extLst>
               <a:ext uri="{FF2B5EF4-FFF2-40B4-BE49-F238E27FC236}">
-                <a16:creationId xmlns:a16="http://schemas.microsoft.com/office/drawing/2014/main" id="{336747F7-0872-4D60-A337-C116A651642D}"/>
+                <a16:creationId xmlns:a16="http://schemas.microsoft.com/office/drawing/2014/main" id="{2DB79475-CD2E-4BA0-80B5-599EE152BB44}"/>
               </a:ext>
             </a:extLst>
           </p:cNvPr>
@@ -9950,7 +10643,7 @@
     </p:spTree>
     <p:extLst>
       <p:ext uri="{BB962C8B-B14F-4D97-AF65-F5344CB8AC3E}">
-        <p14:creationId xmlns:p14="http://schemas.microsoft.com/office/powerpoint/2010/main" val="2317984217"/>
+        <p14:creationId xmlns:p14="http://schemas.microsoft.com/office/powerpoint/2010/main" val="1476283980"/>
       </p:ext>
     </p:extLst>
   </p:cSld>
@@ -9993,15 +10686,21 @@
             <p:ph type="title"/>
           </p:nvPr>
         </p:nvSpPr>
-        <p:spPr/>
+        <p:spPr>
+          <a:xfrm>
+            <a:off x="646112" y="1034902"/>
+            <a:ext cx="9061414" cy="1389321"/>
+          </a:xfrm>
+        </p:spPr>
         <p:txBody>
           <a:bodyPr/>
           <a:lstStyle/>
           <a:p>
             <a:r>
-              <a:rPr lang="de-DE" dirty="0"/>
+              <a:rPr lang="de-DE"/>
               <a:t>Gliederung</a:t>
             </a:r>
+            <a:endParaRPr lang="de-DE" dirty="0"/>
           </a:p>
         </p:txBody>
       </p:sp>
@@ -10021,7 +10720,12 @@
             <p:ph type="body" idx="1"/>
           </p:nvPr>
         </p:nvSpPr>
-        <p:spPr/>
+        <p:spPr>
+          <a:xfrm>
+            <a:off x="646112" y="2743199"/>
+            <a:ext cx="8795599" cy="3256221"/>
+          </a:xfrm>
+        </p:spPr>
         <p:txBody>
           <a:bodyPr/>
           <a:lstStyle/>
@@ -10031,7 +10735,7 @@
               <a:buChar char="•"/>
             </a:pPr>
             <a:r>
-              <a:rPr lang="de-DE" dirty="0"/>
+              <a:rPr lang="de-DE"/>
               <a:t>Problemstellung</a:t>
             </a:r>
           </a:p>
@@ -10041,14 +10745,9 @@
               <a:buChar char="•"/>
             </a:pPr>
             <a:r>
-              <a:rPr lang="de-DE" dirty="0"/>
-              <a:t>Begriffserklärung </a:t>
-            </a:r>
-            <a:r>
-              <a:rPr lang="de-DE" dirty="0" err="1"/>
-              <a:t>eTourism</a:t>
-            </a:r>
-            <a:endParaRPr lang="de-DE" dirty="0"/>
+              <a:rPr lang="de-DE"/>
+              <a:t>Begriffserklärung eTourism</a:t>
+            </a:r>
           </a:p>
           <a:p>
             <a:pPr marL="342900" indent="-342900">
@@ -10056,7 +10755,7 @@
               <a:buChar char="•"/>
             </a:pPr>
             <a:r>
-              <a:rPr lang="de-DE" dirty="0"/>
+              <a:rPr lang="de-DE"/>
               <a:t>Einteilung des Tourismus</a:t>
             </a:r>
           </a:p>
@@ -10066,7 +10765,7 @@
               <a:buChar char="•"/>
             </a:pPr>
             <a:r>
-              <a:rPr lang="de-DE" dirty="0"/>
+              <a:rPr lang="de-DE"/>
               <a:t>Systeme</a:t>
             </a:r>
           </a:p>
@@ -10076,7 +10775,7 @@
               <a:buChar char="•"/>
             </a:pPr>
             <a:r>
-              <a:rPr lang="de-DE" dirty="0"/>
+              <a:rPr lang="de-DE"/>
               <a:t>Zukunftsaussichten</a:t>
             </a:r>
           </a:p>
@@ -10086,7 +10785,7 @@
               <a:buChar char="•"/>
             </a:pPr>
             <a:r>
-              <a:rPr lang="de-DE" dirty="0"/>
+              <a:rPr lang="de-DE"/>
               <a:t>Fazit</a:t>
             </a:r>
           </a:p>
@@ -10096,9 +10795,16 @@
               <a:buChar char="•"/>
             </a:pPr>
             <a:r>
-              <a:rPr lang="de-DE" dirty="0"/>
+              <a:rPr lang="de-DE"/>
               <a:t>Quellen</a:t>
             </a:r>
+          </a:p>
+          <a:p>
+            <a:pPr marL="342900" indent="-342900">
+              <a:buFont typeface="Arial" panose="020B0604020202020204" pitchFamily="34" charset="0"/>
+              <a:buChar char="•"/>
+            </a:pPr>
+            <a:endParaRPr lang="de-DE"/>
           </a:p>
           <a:p>
             <a:pPr marL="342900" indent="-342900">
@@ -10107,13 +10813,6 @@
             </a:pPr>
             <a:endParaRPr lang="de-DE" dirty="0"/>
           </a:p>
-          <a:p>
-            <a:pPr marL="342900" indent="-342900">
-              <a:buFont typeface="Arial" panose="020B0604020202020204" pitchFamily="34" charset="0"/>
-              <a:buChar char="•"/>
-            </a:pPr>
-            <a:endParaRPr lang="de-DE" dirty="0"/>
-          </a:p>
         </p:txBody>
       </p:sp>
       <p:sp>
@@ -10132,7 +10831,12 @@
             <p:ph type="ftr" sz="quarter" idx="11"/>
           </p:nvPr>
         </p:nvSpPr>
-        <p:spPr/>
+        <p:spPr>
+          <a:xfrm>
+            <a:off x="684212" y="6381343"/>
+            <a:ext cx="7543800" cy="365125"/>
+          </a:xfrm>
+        </p:spPr>
         <p:txBody>
           <a:bodyPr/>
           <a:lstStyle/>
@@ -10160,7 +10864,12 @@
             <p:ph type="sldNum" sz="quarter" idx="12"/>
           </p:nvPr>
         </p:nvSpPr>
-        <p:spPr/>
+        <p:spPr>
+          <a:xfrm>
+            <a:off x="10669436" y="5606846"/>
+            <a:ext cx="1142245" cy="669925"/>
+          </a:xfrm>
+        </p:spPr>
         <p:txBody>
           <a:bodyPr/>
           <a:lstStyle/>
@@ -10177,430 +10886,6 @@
     <p:extLst>
       <p:ext uri="{BB962C8B-B14F-4D97-AF65-F5344CB8AC3E}">
         <p14:creationId xmlns:p14="http://schemas.microsoft.com/office/powerpoint/2010/main" val="1727311036"/>
-      </p:ext>
-    </p:extLst>
-  </p:cSld>
-  <p:clrMapOvr>
-    <a:masterClrMapping/>
-  </p:clrMapOvr>
-</p:sld>
-</file>
-
-<file path=ppt/slides/slide20.xml><?xml version="1.0" encoding="utf-8"?>
-<p:sld xmlns:a="http://schemas.openxmlformats.org/drawingml/2006/main" xmlns:r="http://schemas.openxmlformats.org/officeDocument/2006/relationships" xmlns:p="http://schemas.openxmlformats.org/presentationml/2006/main">
-  <p:cSld>
-    <p:spTree>
-      <p:nvGrpSpPr>
-        <p:cNvPr id="1" name=""/>
-        <p:cNvGrpSpPr/>
-        <p:nvPr/>
-      </p:nvGrpSpPr>
-      <p:grpSpPr>
-        <a:xfrm>
-          <a:off x="0" y="0"/>
-          <a:ext cx="0" cy="0"/>
-          <a:chOff x="0" y="0"/>
-          <a:chExt cx="0" cy="0"/>
-        </a:xfrm>
-      </p:grpSpPr>
-      <p:sp>
-        <p:nvSpPr>
-          <p:cNvPr id="2" name="Titel 1">
-            <a:extLst>
-              <a:ext uri="{FF2B5EF4-FFF2-40B4-BE49-F238E27FC236}">
-                <a16:creationId xmlns:a16="http://schemas.microsoft.com/office/drawing/2014/main" id="{B9421704-8882-4CE7-B946-28AE931CB899}"/>
-              </a:ext>
-            </a:extLst>
-          </p:cNvPr>
-          <p:cNvSpPr>
-            <a:spLocks noGrp="1"/>
-          </p:cNvSpPr>
-          <p:nvPr>
-            <p:ph type="title"/>
-          </p:nvPr>
-        </p:nvSpPr>
-        <p:spPr/>
-        <p:txBody>
-          <a:bodyPr/>
-          <a:lstStyle/>
-          <a:p>
-            <a:r>
-              <a:rPr lang="de-DE" dirty="0"/>
-              <a:t>Fazit</a:t>
-            </a:r>
-          </a:p>
-        </p:txBody>
-      </p:sp>
-      <p:sp>
-        <p:nvSpPr>
-          <p:cNvPr id="3" name="Textplatzhalter 2">
-            <a:extLst>
-              <a:ext uri="{FF2B5EF4-FFF2-40B4-BE49-F238E27FC236}">
-                <a16:creationId xmlns:a16="http://schemas.microsoft.com/office/drawing/2014/main" id="{7E96B6FF-0F90-4B6F-A10B-CBA521410215}"/>
-              </a:ext>
-            </a:extLst>
-          </p:cNvPr>
-          <p:cNvSpPr>
-            <a:spLocks noGrp="1"/>
-          </p:cNvSpPr>
-          <p:nvPr>
-            <p:ph type="body" idx="1"/>
-          </p:nvPr>
-        </p:nvSpPr>
-        <p:spPr/>
-        <p:txBody>
-          <a:bodyPr/>
-          <a:lstStyle/>
-          <a:p>
-            <a:endParaRPr lang="de-DE"/>
-          </a:p>
-        </p:txBody>
-      </p:sp>
-      <p:sp>
-        <p:nvSpPr>
-          <p:cNvPr id="4" name="Fußzeilenplatzhalter 3">
-            <a:extLst>
-              <a:ext uri="{FF2B5EF4-FFF2-40B4-BE49-F238E27FC236}">
-                <a16:creationId xmlns:a16="http://schemas.microsoft.com/office/drawing/2014/main" id="{C1A88043-19DE-4099-8AD6-3358E86640A1}"/>
-              </a:ext>
-            </a:extLst>
-          </p:cNvPr>
-          <p:cNvSpPr>
-            <a:spLocks noGrp="1"/>
-          </p:cNvSpPr>
-          <p:nvPr>
-            <p:ph type="ftr" sz="quarter" idx="11"/>
-          </p:nvPr>
-        </p:nvSpPr>
-        <p:spPr/>
-        <p:txBody>
-          <a:bodyPr/>
-          <a:lstStyle/>
-          <a:p>
-            <a:r>
-              <a:rPr lang="de-DE"/>
-              <a:t>Benjamin Swarovsky                                                                                                            eTourism</a:t>
-            </a:r>
-            <a:endParaRPr lang="de-DE" dirty="0"/>
-          </a:p>
-        </p:txBody>
-      </p:sp>
-      <p:sp>
-        <p:nvSpPr>
-          <p:cNvPr id="5" name="Foliennummernplatzhalter 4">
-            <a:extLst>
-              <a:ext uri="{FF2B5EF4-FFF2-40B4-BE49-F238E27FC236}">
-                <a16:creationId xmlns:a16="http://schemas.microsoft.com/office/drawing/2014/main" id="{8782BFE9-5734-41AF-81B5-5A9E901AA958}"/>
-              </a:ext>
-            </a:extLst>
-          </p:cNvPr>
-          <p:cNvSpPr>
-            <a:spLocks noGrp="1"/>
-          </p:cNvSpPr>
-          <p:nvPr>
-            <p:ph type="sldNum" sz="quarter" idx="12"/>
-          </p:nvPr>
-        </p:nvSpPr>
-        <p:spPr/>
-        <p:txBody>
-          <a:bodyPr/>
-          <a:lstStyle/>
-          <a:p>
-            <a:fld id="{218F81FD-BDEC-44D5-AEC0-D96FA8B6D214}" type="slidenum">
-              <a:rPr lang="de-DE" smtClean="0"/>
-              <a:t>20</a:t>
-            </a:fld>
-            <a:endParaRPr lang="de-DE"/>
-          </a:p>
-        </p:txBody>
-      </p:sp>
-    </p:spTree>
-    <p:extLst>
-      <p:ext uri="{BB962C8B-B14F-4D97-AF65-F5344CB8AC3E}">
-        <p14:creationId xmlns:p14="http://schemas.microsoft.com/office/powerpoint/2010/main" val="2017473222"/>
-      </p:ext>
-    </p:extLst>
-  </p:cSld>
-  <p:clrMapOvr>
-    <a:masterClrMapping/>
-  </p:clrMapOvr>
-</p:sld>
-</file>
-
-<file path=ppt/slides/slide21.xml><?xml version="1.0" encoding="utf-8"?>
-<p:sld xmlns:a="http://schemas.openxmlformats.org/drawingml/2006/main" xmlns:r="http://schemas.openxmlformats.org/officeDocument/2006/relationships" xmlns:p="http://schemas.openxmlformats.org/presentationml/2006/main">
-  <p:cSld>
-    <p:spTree>
-      <p:nvGrpSpPr>
-        <p:cNvPr id="1" name=""/>
-        <p:cNvGrpSpPr/>
-        <p:nvPr/>
-      </p:nvGrpSpPr>
-      <p:grpSpPr>
-        <a:xfrm>
-          <a:off x="0" y="0"/>
-          <a:ext cx="0" cy="0"/>
-          <a:chOff x="0" y="0"/>
-          <a:chExt cx="0" cy="0"/>
-        </a:xfrm>
-      </p:grpSpPr>
-      <p:sp>
-        <p:nvSpPr>
-          <p:cNvPr id="2" name="Titel 1">
-            <a:extLst>
-              <a:ext uri="{FF2B5EF4-FFF2-40B4-BE49-F238E27FC236}">
-                <a16:creationId xmlns:a16="http://schemas.microsoft.com/office/drawing/2014/main" id="{45195774-624B-4467-BC5C-9FE4433F1A47}"/>
-              </a:ext>
-            </a:extLst>
-          </p:cNvPr>
-          <p:cNvSpPr>
-            <a:spLocks noGrp="1"/>
-          </p:cNvSpPr>
-          <p:nvPr>
-            <p:ph type="title"/>
-          </p:nvPr>
-        </p:nvSpPr>
-        <p:spPr/>
-        <p:txBody>
-          <a:bodyPr/>
-          <a:lstStyle/>
-          <a:p>
-            <a:r>
-              <a:rPr lang="de-DE" dirty="0"/>
-              <a:t>quellen</a:t>
-            </a:r>
-          </a:p>
-        </p:txBody>
-      </p:sp>
-      <p:sp>
-        <p:nvSpPr>
-          <p:cNvPr id="3" name="Textplatzhalter 2">
-            <a:extLst>
-              <a:ext uri="{FF2B5EF4-FFF2-40B4-BE49-F238E27FC236}">
-                <a16:creationId xmlns:a16="http://schemas.microsoft.com/office/drawing/2014/main" id="{74C1ACBC-8471-4515-9A85-E943B947E33E}"/>
-              </a:ext>
-            </a:extLst>
-          </p:cNvPr>
-          <p:cNvSpPr>
-            <a:spLocks noGrp="1"/>
-          </p:cNvSpPr>
-          <p:nvPr>
-            <p:ph type="body" idx="1"/>
-          </p:nvPr>
-        </p:nvSpPr>
-        <p:spPr/>
-        <p:txBody>
-          <a:bodyPr>
-            <a:normAutofit fontScale="40000" lnSpcReduction="20000"/>
-          </a:bodyPr>
-          <a:lstStyle/>
-          <a:p>
-            <a:r>
-              <a:rPr lang="de-DE" i="1" dirty="0"/>
-              <a:t>101places.de</a:t>
-            </a:r>
-            <a:r>
-              <a:rPr lang="de-DE" dirty="0"/>
-              <a:t>. (07. 07 2014). Von https://www.101places.de/8-argumente-die-fuer-airbnb-sprechen-und-wie-du-die-besten-unterkuenfte-findest abgerufen</a:t>
-            </a:r>
-          </a:p>
-          <a:p>
-            <a:r>
-              <a:rPr lang="de-DE" i="1" dirty="0" err="1"/>
-              <a:t>airbnb</a:t>
-            </a:r>
-            <a:r>
-              <a:rPr lang="de-DE" dirty="0"/>
-              <a:t>. (07. 06 2020). Von https://www.airbnb.de/help/article/2503/was-bedeutet-airbnb-und-wie-funktioniert-es abgerufen</a:t>
-            </a:r>
-          </a:p>
-          <a:p>
-            <a:r>
-              <a:rPr lang="de-DE" i="1" dirty="0" err="1"/>
-              <a:t>airliners</a:t>
-            </a:r>
-            <a:r>
-              <a:rPr lang="de-DE" i="1" dirty="0"/>
-              <a:t>.</a:t>
-            </a:r>
-            <a:r>
-              <a:rPr lang="de-DE" dirty="0"/>
-              <a:t> (26. 05 2020). Von https://www.airliners.de/air-berlin-lufthansa-inflight-internet-auch-lh-kontinentalflotte/22656 abgerufen</a:t>
-            </a:r>
-          </a:p>
-          <a:p>
-            <a:r>
-              <a:rPr lang="de-DE" dirty="0"/>
-              <a:t>Berchtenbreiter, R. (03. 06 2020). </a:t>
-            </a:r>
-            <a:r>
-              <a:rPr lang="de-DE" i="1" dirty="0"/>
-              <a:t>www.tourismus-it.de</a:t>
-            </a:r>
-            <a:r>
-              <a:rPr lang="de-DE" dirty="0"/>
-              <a:t>. Von https://www.tourismus-it.de/it-systeme/marketing-systeme/21-34-crm-kundenbeziehungsmgmt abgerufen</a:t>
-            </a:r>
-          </a:p>
-          <a:p>
-            <a:r>
-              <a:rPr lang="de-DE" i="1" dirty="0"/>
-              <a:t>bitkom.org</a:t>
-            </a:r>
-            <a:r>
-              <a:rPr lang="de-DE" dirty="0"/>
-              <a:t>. (26. 05 2020). Von https://www.bitkom.org/Presse/Presseinformation/Digitaler-Tourismus-2020-So-smart-reisen-die-Deutschen abgerufen</a:t>
-            </a:r>
-          </a:p>
-          <a:p>
-            <a:r>
-              <a:rPr lang="de-DE" i="1" dirty="0"/>
-              <a:t>bookingkit.net</a:t>
-            </a:r>
-            <a:r>
-              <a:rPr lang="de-DE" dirty="0"/>
-              <a:t>. (31. 05 2020). Von https://bookingkit.net/de/academy/buchungssystem/ abgerufen</a:t>
-            </a:r>
-          </a:p>
-          <a:p>
-            <a:r>
-              <a:rPr lang="de-DE" i="1" dirty="0" err="1"/>
-              <a:t>brickfox</a:t>
-            </a:r>
-            <a:r>
-              <a:rPr lang="de-DE" dirty="0"/>
-              <a:t>. (30. 05 2020). Von https://www.brickfox.de/schnittstellen/preisvergleichsportale/ abgerufen</a:t>
-            </a:r>
-          </a:p>
-          <a:p>
-            <a:r>
-              <a:rPr lang="de-DE" dirty="0"/>
-              <a:t>Conrad, S. (31. 05 2020). </a:t>
-            </a:r>
-            <a:r>
-              <a:rPr lang="de-DE" i="1" dirty="0" err="1"/>
-              <a:t>grin</a:t>
-            </a:r>
-            <a:r>
-              <a:rPr lang="de-DE" dirty="0"/>
-              <a:t>. Von https://www.grin.com/document/207593 abgerufen</a:t>
-            </a:r>
-          </a:p>
-          <a:p>
-            <a:r>
-              <a:rPr lang="de-DE" dirty="0" err="1"/>
-              <a:t>Conrady</a:t>
-            </a:r>
-            <a:r>
-              <a:rPr lang="de-DE" dirty="0"/>
-              <a:t>, R. (23. 05 2020). Von https://wirtschaftslexikon.gabler.de/definition/yield-management-50781 abgerufen</a:t>
-            </a:r>
-          </a:p>
-          <a:p>
-            <a:r>
-              <a:rPr lang="de-DE" i="1" dirty="0"/>
-              <a:t>Deutsche Ferienhaus-Urlaubsanalyse </a:t>
-            </a:r>
-            <a:r>
-              <a:rPr lang="de-DE" dirty="0"/>
-              <a:t>. (26. 06 2020). Von https://docplayer.org/113532-10-deutsche-ferienhaus-urlaubsanalyse.html abgerufen</a:t>
-            </a:r>
-          </a:p>
-          <a:p>
-            <a:r>
-              <a:rPr lang="de-DE" i="1" dirty="0"/>
-              <a:t>Emirates.</a:t>
-            </a:r>
-            <a:r>
-              <a:rPr lang="de-DE" dirty="0"/>
-              <a:t> (14. 06 2020). Von https://www.innofrator.com/vr-machts-moeglich-schon-vor-dem-einsteigen-das-flugzeug-erkunden/ abgerufen</a:t>
-            </a:r>
-          </a:p>
-          <a:p>
-            <a:r>
-              <a:rPr lang="de-DE" dirty="0"/>
-              <a:t>Ermisch, S. (14. 06 2020). </a:t>
-            </a:r>
-            <a:r>
-              <a:rPr lang="de-DE" i="1" dirty="0" err="1"/>
-              <a:t>gruender</a:t>
-            </a:r>
-            <a:r>
-              <a:rPr lang="de-DE" i="1" dirty="0"/>
-              <a:t>.</a:t>
-            </a:r>
-            <a:r>
-              <a:rPr lang="de-DE" dirty="0"/>
-              <a:t> Von https://gruender.wiwo.de/inflight-vr-start-up-bringt-virtual-reality-in-flugzeuge/ abgerufen</a:t>
-            </a:r>
-          </a:p>
-          <a:p>
-            <a:endParaRPr lang="de-DE" dirty="0"/>
-          </a:p>
-        </p:txBody>
-      </p:sp>
-      <p:sp>
-        <p:nvSpPr>
-          <p:cNvPr id="4" name="Fußzeilenplatzhalter 3">
-            <a:extLst>
-              <a:ext uri="{FF2B5EF4-FFF2-40B4-BE49-F238E27FC236}">
-                <a16:creationId xmlns:a16="http://schemas.microsoft.com/office/drawing/2014/main" id="{18AA52FE-6B0E-431E-BB43-34DF3D4ADCD0}"/>
-              </a:ext>
-            </a:extLst>
-          </p:cNvPr>
-          <p:cNvSpPr>
-            <a:spLocks noGrp="1"/>
-          </p:cNvSpPr>
-          <p:nvPr>
-            <p:ph type="ftr" sz="quarter" idx="11"/>
-          </p:nvPr>
-        </p:nvSpPr>
-        <p:spPr/>
-        <p:txBody>
-          <a:bodyPr/>
-          <a:lstStyle/>
-          <a:p>
-            <a:r>
-              <a:rPr lang="de-DE"/>
-              <a:t>Benjamin Swarovsky                                                                                                            eTourism</a:t>
-            </a:r>
-            <a:endParaRPr lang="de-DE" dirty="0"/>
-          </a:p>
-        </p:txBody>
-      </p:sp>
-      <p:sp>
-        <p:nvSpPr>
-          <p:cNvPr id="5" name="Foliennummernplatzhalter 4">
-            <a:extLst>
-              <a:ext uri="{FF2B5EF4-FFF2-40B4-BE49-F238E27FC236}">
-                <a16:creationId xmlns:a16="http://schemas.microsoft.com/office/drawing/2014/main" id="{2DB79475-CD2E-4BA0-80B5-599EE152BB44}"/>
-              </a:ext>
-            </a:extLst>
-          </p:cNvPr>
-          <p:cNvSpPr>
-            <a:spLocks noGrp="1"/>
-          </p:cNvSpPr>
-          <p:nvPr>
-            <p:ph type="sldNum" sz="quarter" idx="12"/>
-          </p:nvPr>
-        </p:nvSpPr>
-        <p:spPr/>
-        <p:txBody>
-          <a:bodyPr/>
-          <a:lstStyle/>
-          <a:p>
-            <a:fld id="{218F81FD-BDEC-44D5-AEC0-D96FA8B6D214}" type="slidenum">
-              <a:rPr lang="de-DE" smtClean="0"/>
-              <a:t>21</a:t>
-            </a:fld>
-            <a:endParaRPr lang="de-DE"/>
-          </a:p>
-        </p:txBody>
-      </p:sp>
-    </p:spTree>
-    <p:extLst>
-      <p:ext uri="{BB962C8B-B14F-4D97-AF65-F5344CB8AC3E}">
-        <p14:creationId xmlns:p14="http://schemas.microsoft.com/office/powerpoint/2010/main" val="1476283980"/>
       </p:ext>
     </p:extLst>
   </p:cSld>
@@ -11477,18 +11762,6 @@
             </a:r>
           </a:p>
           <a:p>
-            <a:r>
-              <a:rPr lang="de-DE" sz="5600" dirty="0"/>
-              <a:t>Digitalisierung der Touristischen Wertschöpfungskette ist das Zentrale Ziel</a:t>
-            </a:r>
-          </a:p>
-          <a:p>
-            <a:r>
-              <a:rPr lang="de-DE" sz="5600" dirty="0"/>
-              <a:t>Steigerung der Wettbewerbsfähigkeit der Tourismusindustrie</a:t>
-            </a:r>
-          </a:p>
-          <a:p>
             <a:endParaRPr lang="de-DE" sz="5600" dirty="0"/>
           </a:p>
           <a:p>
@@ -12069,7 +12342,7 @@
           <p:cNvPr id="2" name="Titel 1">
             <a:extLst>
               <a:ext uri="{FF2B5EF4-FFF2-40B4-BE49-F238E27FC236}">
-                <a16:creationId xmlns:a16="http://schemas.microsoft.com/office/drawing/2014/main" id="{6C715C8B-04A8-49C9-B7D2-B107CB8901E2}"/>
+                <a16:creationId xmlns:a16="http://schemas.microsoft.com/office/drawing/2014/main" id="{A268761E-C0F3-4458-8CB2-E07C26138624}"/>
               </a:ext>
             </a:extLst>
           </p:cNvPr>
@@ -12088,7 +12361,7 @@
           <a:lstStyle/>
           <a:p>
             <a:r>
-              <a:rPr lang="de-DE" sz="2800" dirty="0" err="1"/>
+              <a:rPr lang="de-DE" dirty="0" err="1"/>
               <a:t>LeistungsanbieterSysteme</a:t>
             </a:r>
             <a:br>
@@ -12096,12 +12369,12 @@
             </a:br>
             <a:r>
               <a:rPr lang="de-DE" dirty="0"/>
-              <a:t>Reiseveranstalter</a:t>
+              <a:t>Flughafen</a:t>
             </a:r>
             <a:br>
               <a:rPr lang="de-DE" dirty="0"/>
             </a:br>
-            <a:endParaRPr lang="de-DE" sz="2800" dirty="0"/>
+            <a:endParaRPr lang="de-DE" dirty="0"/>
           </a:p>
         </p:txBody>
       </p:sp>
@@ -12110,7 +12383,7 @@
           <p:cNvPr id="4" name="Textplatzhalter 3">
             <a:extLst>
               <a:ext uri="{FF2B5EF4-FFF2-40B4-BE49-F238E27FC236}">
-                <a16:creationId xmlns:a16="http://schemas.microsoft.com/office/drawing/2014/main" id="{5AF4E494-596F-4F14-81EA-B16B01D00C13}"/>
+                <a16:creationId xmlns:a16="http://schemas.microsoft.com/office/drawing/2014/main" id="{CE2DA3CB-D0FA-4E99-88A7-52E96FD4B579}"/>
               </a:ext>
             </a:extLst>
           </p:cNvPr>
@@ -12128,22 +12401,37 @@
           </a:bodyPr>
           <a:lstStyle/>
           <a:p>
-            <a:endParaRPr lang="de-DE" sz="1800" dirty="0"/>
-          </a:p>
-          <a:p>
+            <a:pPr marL="285750" indent="-285750">
+              <a:buFont typeface="Arial" panose="020B0604020202020204" pitchFamily="34" charset="0"/>
+              <a:buChar char="•"/>
+            </a:pPr>
             <a:r>
               <a:rPr lang="de-DE" sz="1800" dirty="0"/>
-              <a:t>Einkaufssysteme: Einkauf von Leistungen wie z.B. Transport, Beherbergung oder Reiseführungen</a:t>
-            </a:r>
-          </a:p>
-          <a:p>
+              <a:t>Systeme sorgen für reibungslosen Ablauf </a:t>
+            </a:r>
+          </a:p>
+          <a:p>
+            <a:pPr marL="285750" indent="-285750">
+              <a:buFont typeface="Arial" panose="020B0604020202020204" pitchFamily="34" charset="0"/>
+              <a:buChar char="•"/>
+            </a:pPr>
             <a:r>
               <a:rPr lang="de-DE" sz="1800" dirty="0"/>
-              <a:t>Produktionssysteme: Bündelung der Leistungen für die Saisonplanung</a:t>
-            </a:r>
-          </a:p>
-          <a:p>
-            <a:endParaRPr lang="de-DE" sz="1800" dirty="0"/>
+              <a:t>Planung von Abläufen wie für Flugzeugabfertigung sowohl kurz- als auch langfristig, kommen Planungs- Dispositions- und Administrationssystemen zum Einsatz</a:t>
+            </a:r>
+          </a:p>
+          <a:p>
+            <a:pPr marL="285750" indent="-285750">
+              <a:buFont typeface="Arial" panose="020B0604020202020204" pitchFamily="34" charset="0"/>
+              <a:buChar char="•"/>
+            </a:pPr>
+            <a:r>
+              <a:rPr lang="de-DE" sz="1800" dirty="0"/>
+              <a:t>Passagierleitsysteme betrachten Großflächig Verkehr um Bereich des Flughafens</a:t>
+            </a:r>
+          </a:p>
+          <a:p>
+            <a:endParaRPr lang="de-DE" sz="2400" dirty="0"/>
           </a:p>
         </p:txBody>
       </p:sp>
@@ -12152,7 +12440,7 @@
           <p:cNvPr id="5" name="Fußzeilenplatzhalter 4">
             <a:extLst>
               <a:ext uri="{FF2B5EF4-FFF2-40B4-BE49-F238E27FC236}">
-                <a16:creationId xmlns:a16="http://schemas.microsoft.com/office/drawing/2014/main" id="{AFDC8BA4-BE69-4C6C-A5A3-0D1ED8586348}"/>
+                <a16:creationId xmlns:a16="http://schemas.microsoft.com/office/drawing/2014/main" id="{90145DC8-D07B-4A67-9013-CDE4B720DB78}"/>
               </a:ext>
             </a:extLst>
           </p:cNvPr>
@@ -12180,7 +12468,7 @@
           <p:cNvPr id="6" name="Foliennummernplatzhalter 5">
             <a:extLst>
               <a:ext uri="{FF2B5EF4-FFF2-40B4-BE49-F238E27FC236}">
-                <a16:creationId xmlns:a16="http://schemas.microsoft.com/office/drawing/2014/main" id="{B30A0B0B-53DA-4BA1-97F9-F66D4D2F519A}"/>
+                <a16:creationId xmlns:a16="http://schemas.microsoft.com/office/drawing/2014/main" id="{8C9B7379-F5DF-40AE-B884-BDF60C15B927}"/>
               </a:ext>
             </a:extLst>
           </p:cNvPr>
@@ -12209,7 +12497,7 @@
           <p:cNvPr id="7" name="Inhaltsplatzhalter 6">
             <a:extLst>
               <a:ext uri="{FF2B5EF4-FFF2-40B4-BE49-F238E27FC236}">
-                <a16:creationId xmlns:a16="http://schemas.microsoft.com/office/drawing/2014/main" id="{74731B5B-8652-4ED1-A5B1-70FE77F4D969}"/>
+                <a16:creationId xmlns:a16="http://schemas.microsoft.com/office/drawing/2014/main" id="{FF79E92A-CAAB-4541-B833-711E585A5B98}"/>
               </a:ext>
             </a:extLst>
           </p:cNvPr>
@@ -12221,7 +12509,7 @@
           </p:nvPr>
         </p:nvPicPr>
         <p:blipFill>
-          <a:blip r:embed="rId3">
+          <a:blip r:embed="rId2">
             <a:extLst>
               <a:ext uri="{28A0092B-C50C-407E-A947-70E740481C1C}">
                 <a14:useLocalDpi xmlns:a14="http://schemas.microsoft.com/office/drawing/2010/main" val="0"/>
@@ -12235,8 +12523,8 @@
         </p:blipFill>
         <p:spPr bwMode="auto">
           <a:xfrm>
-            <a:off x="6096000" y="1230710"/>
-            <a:ext cx="5411788" cy="3904808"/>
+            <a:off x="5980263" y="852229"/>
+            <a:ext cx="5831418" cy="4482165"/>
           </a:xfrm>
           <a:prstGeom prst="rect">
             <a:avLst/>
@@ -12252,7 +12540,7 @@
           <p:cNvPr id="3" name="Textfeld 2">
             <a:extLst>
               <a:ext uri="{FF2B5EF4-FFF2-40B4-BE49-F238E27FC236}">
-                <a16:creationId xmlns:a16="http://schemas.microsoft.com/office/drawing/2014/main" id="{42A072CB-64B6-4D03-8F6E-23568264A1FF}"/>
+                <a16:creationId xmlns:a16="http://schemas.microsoft.com/office/drawing/2014/main" id="{98388413-5DB6-4966-9F66-15442E3B3CD5}"/>
               </a:ext>
             </a:extLst>
           </p:cNvPr>
@@ -12261,8 +12549,8 @@
         </p:nvSpPr>
         <p:spPr>
           <a:xfrm>
-            <a:off x="6009129" y="5202165"/>
-            <a:ext cx="4139582" cy="553998"/>
+            <a:off x="5887875" y="5371894"/>
+            <a:ext cx="3877014" cy="338554"/>
           </a:xfrm>
           <a:prstGeom prst="rect">
             <a:avLst/>
@@ -12276,24 +12564,16 @@
           <a:lstStyle/>
           <a:p>
             <a:r>
-              <a:rPr lang="de-DE" sz="1000" dirty="0"/>
-              <a:t>Quelle: </a:t>
-            </a:r>
-            <a:r>
-              <a:rPr lang="de-DE" sz="1000" dirty="0" err="1"/>
-              <a:t>Weithöner</a:t>
-            </a:r>
-            <a:r>
-              <a:rPr lang="de-DE" sz="1000" dirty="0"/>
-              <a:t>, U., &amp; Goecke, R. (15. 06 2020). </a:t>
-            </a:r>
-            <a:r>
-              <a:rPr lang="de-DE" sz="1000" i="1" dirty="0"/>
-              <a:t>www.tourismus-it.de</a:t>
-            </a:r>
-            <a:r>
-              <a:rPr lang="de-DE" sz="1000" dirty="0"/>
-              <a:t>. Von https://www.tourismus-it.de/it-systeme/anbieter-systeme/16-25-im-bei-reiseveranstaltern</a:t>
+              <a:rPr lang="de-DE" sz="800" dirty="0"/>
+              <a:t>Quelle: Goecke, R., &amp; </a:t>
+            </a:r>
+            <a:r>
+              <a:rPr lang="de-DE" sz="800" dirty="0" err="1"/>
+              <a:t>Lindike</a:t>
+            </a:r>
+            <a:r>
+              <a:rPr lang="de-DE" sz="800" dirty="0"/>
+              <a:t>, M. (23. 05 2020).  https://www.tourismus-it.de/it-systeme/anbieter-systeme/11-22-im-am-flughafen</a:t>
             </a:r>
           </a:p>
         </p:txBody>
@@ -12301,7 +12581,7 @@
     </p:spTree>
     <p:extLst>
       <p:ext uri="{BB962C8B-B14F-4D97-AF65-F5344CB8AC3E}">
-        <p14:creationId xmlns:p14="http://schemas.microsoft.com/office/powerpoint/2010/main" val="121131904"/>
+        <p14:creationId xmlns:p14="http://schemas.microsoft.com/office/powerpoint/2010/main" val="2379958642"/>
       </p:ext>
     </p:extLst>
   </p:cSld>
@@ -12540,22 +12820,18 @@
       </p:sp>
       <p:pic>
         <p:nvPicPr>
-          <p:cNvPr id="7" name="Inhaltsplatzhalter 6">
+          <p:cNvPr id="8" name="Grafik 7">
             <a:extLst>
               <a:ext uri="{FF2B5EF4-FFF2-40B4-BE49-F238E27FC236}">
-                <a16:creationId xmlns:a16="http://schemas.microsoft.com/office/drawing/2014/main" id="{ABA9B32B-67AB-44E0-8AE5-A604F30D6A17}"/>
+                <a16:creationId xmlns:a16="http://schemas.microsoft.com/office/drawing/2014/main" id="{2F0C3884-790D-4613-A8CE-FCD838A9AE7C}"/>
               </a:ext>
             </a:extLst>
           </p:cNvPr>
-          <p:cNvPicPr>
-            <a:picLocks noGrp="1"/>
-          </p:cNvPicPr>
-          <p:nvPr>
-            <p:ph idx="1"/>
-          </p:nvPr>
+          <p:cNvPicPr/>
+          <p:nvPr/>
         </p:nvPicPr>
         <p:blipFill>
-          <a:blip r:embed="rId2">
+          <a:blip r:embed="rId2" cstate="print">
             <a:extLst>
               <a:ext uri="{28A0092B-C50C-407E-A947-70E740481C1C}">
                 <a14:useLocalDpi xmlns:a14="http://schemas.microsoft.com/office/drawing/2010/main" val="0"/>
@@ -12569,8 +12845,8 @@
         </p:blipFill>
         <p:spPr bwMode="auto">
           <a:xfrm>
-            <a:off x="5616522" y="490023"/>
-            <a:ext cx="3265467" cy="2572047"/>
+            <a:off x="5955607" y="2224414"/>
+            <a:ext cx="4854222" cy="3044809"/>
           </a:xfrm>
           <a:prstGeom prst="rect">
             <a:avLst/>
@@ -12581,66 +12857,27 @@
           </a:ln>
         </p:spPr>
       </p:pic>
-      <p:pic>
-        <p:nvPicPr>
-          <p:cNvPr id="8" name="Grafik 7">
+      <p:sp>
+        <p:nvSpPr>
+          <p:cNvPr id="9" name="Textfeld 8">
             <a:extLst>
               <a:ext uri="{FF2B5EF4-FFF2-40B4-BE49-F238E27FC236}">
-                <a16:creationId xmlns:a16="http://schemas.microsoft.com/office/drawing/2014/main" id="{2F0C3884-790D-4613-A8CE-FCD838A9AE7C}"/>
+                <a16:creationId xmlns:a16="http://schemas.microsoft.com/office/drawing/2014/main" id="{878D0E2B-055A-4247-9938-8A3AE9325F9B}"/>
               </a:ext>
             </a:extLst>
           </p:cNvPr>
-          <p:cNvPicPr/>
+          <p:cNvSpPr txBox="1"/>
           <p:nvPr/>
-        </p:nvPicPr>
-        <p:blipFill>
-          <a:blip r:embed="rId3" cstate="print">
-            <a:extLst>
-              <a:ext uri="{28A0092B-C50C-407E-A947-70E740481C1C}">
-                <a14:useLocalDpi xmlns:a14="http://schemas.microsoft.com/office/drawing/2010/main" val="0"/>
-              </a:ext>
-            </a:extLst>
-          </a:blip>
-          <a:srcRect/>
-          <a:stretch>
-            <a:fillRect/>
-          </a:stretch>
-        </p:blipFill>
-        <p:spPr bwMode="auto">
+        </p:nvSpPr>
+        <p:spPr>
           <a:xfrm>
-            <a:off x="5616522" y="3116614"/>
-            <a:ext cx="4656366" cy="2690142"/>
+            <a:off x="5858933" y="5365879"/>
+            <a:ext cx="3753256" cy="215444"/>
           </a:xfrm>
           <a:prstGeom prst="rect">
             <a:avLst/>
           </a:prstGeom>
           <a:noFill/>
-          <a:ln>
-            <a:noFill/>
-          </a:ln>
-        </p:spPr>
-      </p:pic>
-      <p:sp>
-        <p:nvSpPr>
-          <p:cNvPr id="3" name="Textfeld 2">
-            <a:extLst>
-              <a:ext uri="{FF2B5EF4-FFF2-40B4-BE49-F238E27FC236}">
-                <a16:creationId xmlns:a16="http://schemas.microsoft.com/office/drawing/2014/main" id="{BE7CF575-5247-42C2-96E4-2A191ECE560A}"/>
-              </a:ext>
-            </a:extLst>
-          </p:cNvPr>
-          <p:cNvSpPr txBox="1"/>
-          <p:nvPr/>
-        </p:nvSpPr>
-        <p:spPr>
-          <a:xfrm>
-            <a:off x="8881989" y="774245"/>
-            <a:ext cx="3640367" cy="553998"/>
-          </a:xfrm>
-          <a:prstGeom prst="rect">
-            <a:avLst/>
-          </a:prstGeom>
-          <a:noFill/>
         </p:spPr>
         <p:txBody>
           <a:bodyPr wrap="square" rtlCol="0">
@@ -12649,54 +12886,7 @@
           <a:lstStyle/>
           <a:p>
             <a:r>
-              <a:rPr lang="de-DE" sz="1000" i="1" dirty="0"/>
-              <a:t>Quelle: </a:t>
-            </a:r>
-            <a:r>
-              <a:rPr lang="de-DE" sz="1000" i="1" dirty="0" err="1"/>
-              <a:t>airliners</a:t>
-            </a:r>
-            <a:r>
-              <a:rPr lang="de-DE" sz="1000" i="1" dirty="0"/>
-              <a:t>.</a:t>
-            </a:r>
-            <a:r>
-              <a:rPr lang="de-DE" sz="1000" dirty="0"/>
-              <a:t> (26. 05 2020). Von https://www.airliners.de/air-berlin-lufthansa-inflight-internet-auch-lh-kontinentalflotte/22656</a:t>
-            </a:r>
-          </a:p>
-        </p:txBody>
-      </p:sp>
-      <p:sp>
-        <p:nvSpPr>
-          <p:cNvPr id="9" name="Textfeld 8">
-            <a:extLst>
-              <a:ext uri="{FF2B5EF4-FFF2-40B4-BE49-F238E27FC236}">
-                <a16:creationId xmlns:a16="http://schemas.microsoft.com/office/drawing/2014/main" id="{878D0E2B-055A-4247-9938-8A3AE9325F9B}"/>
-              </a:ext>
-            </a:extLst>
-          </p:cNvPr>
-          <p:cNvSpPr txBox="1"/>
-          <p:nvPr/>
-        </p:nvSpPr>
-        <p:spPr>
-          <a:xfrm>
-            <a:off x="5543444" y="5836195"/>
-            <a:ext cx="3753256" cy="246221"/>
-          </a:xfrm>
-          <a:prstGeom prst="rect">
-            <a:avLst/>
-          </a:prstGeom>
-          <a:noFill/>
-        </p:spPr>
-        <p:txBody>
-          <a:bodyPr wrap="square" rtlCol="0">
-            <a:spAutoFit/>
-          </a:bodyPr>
-          <a:lstStyle/>
-          <a:p>
-            <a:r>
-              <a:rPr lang="de-DE" sz="1000" dirty="0"/>
+              <a:rPr lang="de-DE" sz="800" dirty="0"/>
               <a:t>Quelle: Eigene Aufnahme</a:t>
             </a:r>
           </a:p>
@@ -13282,4 +13472,299 @@
     </a:ext>
   </a:extLst>
 </a:theme>
+</file>
+
+<file path=ppt/theme/theme3.xml><?xml version="1.0" encoding="utf-8"?>
+<a:theme xmlns:a="http://schemas.openxmlformats.org/drawingml/2006/main" name="Office">
+  <a:themeElements>
+    <a:clrScheme name="Office">
+      <a:dk1>
+        <a:sysClr val="windowText" lastClr="000000"/>
+      </a:dk1>
+      <a:lt1>
+        <a:sysClr val="window" lastClr="FFFFFF"/>
+      </a:lt1>
+      <a:dk2>
+        <a:srgbClr val="44546A"/>
+      </a:dk2>
+      <a:lt2>
+        <a:srgbClr val="E7E6E6"/>
+      </a:lt2>
+      <a:accent1>
+        <a:srgbClr val="4472C4"/>
+      </a:accent1>
+      <a:accent2>
+        <a:srgbClr val="ED7D31"/>
+      </a:accent2>
+      <a:accent3>
+        <a:srgbClr val="A5A5A5"/>
+      </a:accent3>
+      <a:accent4>
+        <a:srgbClr val="FFC000"/>
+      </a:accent4>
+      <a:accent5>
+        <a:srgbClr val="5B9BD5"/>
+      </a:accent5>
+      <a:accent6>
+        <a:srgbClr val="70AD47"/>
+      </a:accent6>
+      <a:hlink>
+        <a:srgbClr val="0563C1"/>
+      </a:hlink>
+      <a:folHlink>
+        <a:srgbClr val="954F72"/>
+      </a:folHlink>
+    </a:clrScheme>
+    <a:fontScheme name="Office">
+      <a:majorFont>
+        <a:latin typeface="Calibri Light" panose="020F0302020204030204"/>
+        <a:ea typeface=""/>
+        <a:cs typeface=""/>
+        <a:font script="Jpan" typeface="游ゴシック Light"/>
+        <a:font script="Hang" typeface="맑은 고딕"/>
+        <a:font script="Hans" typeface="等线 Light"/>
+        <a:font script="Hant" typeface="新細明體"/>
+        <a:font script="Arab" typeface="Times New Roman"/>
+        <a:font script="Hebr" typeface="Times New Roman"/>
+        <a:font script="Thai" typeface="Angsana New"/>
+        <a:font script="Ethi" typeface="Nyala"/>
+        <a:font script="Beng" typeface="Vrinda"/>
+        <a:font script="Gujr" typeface="Shruti"/>
+        <a:font script="Khmr" typeface="MoolBoran"/>
+        <a:font script="Knda" typeface="Tunga"/>
+        <a:font script="Guru" typeface="Raavi"/>
+        <a:font script="Cans" typeface="Euphemia"/>
+        <a:font script="Cher" typeface="Plantagenet Cherokee"/>
+        <a:font script="Yiii" typeface="Microsoft Yi Baiti"/>
+        <a:font script="Tibt" typeface="Microsoft Himalaya"/>
+        <a:font script="Thaa" typeface="MV Boli"/>
+        <a:font script="Deva" typeface="Mangal"/>
+        <a:font script="Telu" typeface="Gautami"/>
+        <a:font script="Taml" typeface="Latha"/>
+        <a:font script="Syrc" typeface="Estrangelo Edessa"/>
+        <a:font script="Orya" typeface="Kalinga"/>
+        <a:font script="Mlym" typeface="Kartika"/>
+        <a:font script="Laoo" typeface="DokChampa"/>
+        <a:font script="Sinh" typeface="Iskoola Pota"/>
+        <a:font script="Mong" typeface="Mongolian Baiti"/>
+        <a:font script="Viet" typeface="Times New Roman"/>
+        <a:font script="Uigh" typeface="Microsoft Uighur"/>
+        <a:font script="Geor" typeface="Sylfaen"/>
+        <a:font script="Armn" typeface="Arial"/>
+        <a:font script="Bugi" typeface="Leelawadee UI"/>
+        <a:font script="Bopo" typeface="Microsoft JhengHei"/>
+        <a:font script="Java" typeface="Javanese Text"/>
+        <a:font script="Lisu" typeface="Segoe UI"/>
+        <a:font script="Mymr" typeface="Myanmar Text"/>
+        <a:font script="Nkoo" typeface="Ebrima"/>
+        <a:font script="Olck" typeface="Nirmala UI"/>
+        <a:font script="Osma" typeface="Ebrima"/>
+        <a:font script="Phag" typeface="Phagspa"/>
+        <a:font script="Syrn" typeface="Estrangelo Edessa"/>
+        <a:font script="Syrj" typeface="Estrangelo Edessa"/>
+        <a:font script="Syre" typeface="Estrangelo Edessa"/>
+        <a:font script="Sora" typeface="Nirmala UI"/>
+        <a:font script="Tale" typeface="Microsoft Tai Le"/>
+        <a:font script="Talu" typeface="Microsoft New Tai Lue"/>
+        <a:font script="Tfng" typeface="Ebrima"/>
+      </a:majorFont>
+      <a:minorFont>
+        <a:latin typeface="Calibri" panose="020F0502020204030204"/>
+        <a:ea typeface=""/>
+        <a:cs typeface=""/>
+        <a:font script="Jpan" typeface="游ゴシック"/>
+        <a:font script="Hang" typeface="맑은 고딕"/>
+        <a:font script="Hans" typeface="等线"/>
+        <a:font script="Hant" typeface="新細明體"/>
+        <a:font script="Arab" typeface="Arial"/>
+        <a:font script="Hebr" typeface="Arial"/>
+        <a:font script="Thai" typeface="Cordia New"/>
+        <a:font script="Ethi" typeface="Nyala"/>
+        <a:font script="Beng" typeface="Vrinda"/>
+        <a:font script="Gujr" typeface="Shruti"/>
+        <a:font script="Khmr" typeface="DaunPenh"/>
+        <a:font script="Knda" typeface="Tunga"/>
+        <a:font script="Guru" typeface="Raavi"/>
+        <a:font script="Cans" typeface="Euphemia"/>
+        <a:font script="Cher" typeface="Plantagenet Cherokee"/>
+        <a:font script="Yiii" typeface="Microsoft Yi Baiti"/>
+        <a:font script="Tibt" typeface="Microsoft Himalaya"/>
+        <a:font script="Thaa" typeface="MV Boli"/>
+        <a:font script="Deva" typeface="Mangal"/>
+        <a:font script="Telu" typeface="Gautami"/>
+        <a:font script="Taml" typeface="Latha"/>
+        <a:font script="Syrc" typeface="Estrangelo Edessa"/>
+        <a:font script="Orya" typeface="Kalinga"/>
+        <a:font script="Mlym" typeface="Kartika"/>
+        <a:font script="Laoo" typeface="DokChampa"/>
+        <a:font script="Sinh" typeface="Iskoola Pota"/>
+        <a:font script="Mong" typeface="Mongolian Baiti"/>
+        <a:font script="Viet" typeface="Arial"/>
+        <a:font script="Uigh" typeface="Microsoft Uighur"/>
+        <a:font script="Geor" typeface="Sylfaen"/>
+        <a:font script="Armn" typeface="Arial"/>
+        <a:font script="Bugi" typeface="Leelawadee UI"/>
+        <a:font script="Bopo" typeface="Microsoft JhengHei"/>
+        <a:font script="Java" typeface="Javanese Text"/>
+        <a:font script="Lisu" typeface="Segoe UI"/>
+        <a:font script="Mymr" typeface="Myanmar Text"/>
+        <a:font script="Nkoo" typeface="Ebrima"/>
+        <a:font script="Olck" typeface="Nirmala UI"/>
+        <a:font script="Osma" typeface="Ebrima"/>
+        <a:font script="Phag" typeface="Phagspa"/>
+        <a:font script="Syrn" typeface="Estrangelo Edessa"/>
+        <a:font script="Syrj" typeface="Estrangelo Edessa"/>
+        <a:font script="Syre" typeface="Estrangelo Edessa"/>
+        <a:font script="Sora" typeface="Nirmala UI"/>
+        <a:font script="Tale" typeface="Microsoft Tai Le"/>
+        <a:font script="Talu" typeface="Microsoft New Tai Lue"/>
+        <a:font script="Tfng" typeface="Ebrima"/>
+      </a:minorFont>
+    </a:fontScheme>
+    <a:fmtScheme name="Office">
+      <a:fillStyleLst>
+        <a:solidFill>
+          <a:schemeClr val="phClr"/>
+        </a:solidFill>
+        <a:gradFill rotWithShape="1">
+          <a:gsLst>
+            <a:gs pos="0">
+              <a:schemeClr val="phClr">
+                <a:lumMod val="110000"/>
+                <a:satMod val="105000"/>
+                <a:tint val="67000"/>
+              </a:schemeClr>
+            </a:gs>
+            <a:gs pos="50000">
+              <a:schemeClr val="phClr">
+                <a:lumMod val="105000"/>
+                <a:satMod val="103000"/>
+                <a:tint val="73000"/>
+              </a:schemeClr>
+            </a:gs>
+            <a:gs pos="100000">
+              <a:schemeClr val="phClr">
+                <a:lumMod val="105000"/>
+                <a:satMod val="109000"/>
+                <a:tint val="81000"/>
+              </a:schemeClr>
+            </a:gs>
+          </a:gsLst>
+          <a:lin ang="5400000" scaled="0"/>
+        </a:gradFill>
+        <a:gradFill rotWithShape="1">
+          <a:gsLst>
+            <a:gs pos="0">
+              <a:schemeClr val="phClr">
+                <a:satMod val="103000"/>
+                <a:lumMod val="102000"/>
+                <a:tint val="94000"/>
+              </a:schemeClr>
+            </a:gs>
+            <a:gs pos="50000">
+              <a:schemeClr val="phClr">
+                <a:satMod val="110000"/>
+                <a:lumMod val="100000"/>
+                <a:shade val="100000"/>
+              </a:schemeClr>
+            </a:gs>
+            <a:gs pos="100000">
+              <a:schemeClr val="phClr">
+                <a:lumMod val="99000"/>
+                <a:satMod val="120000"/>
+                <a:shade val="78000"/>
+              </a:schemeClr>
+            </a:gs>
+          </a:gsLst>
+          <a:lin ang="5400000" scaled="0"/>
+        </a:gradFill>
+      </a:fillStyleLst>
+      <a:lnStyleLst>
+        <a:ln w="6350" cap="flat" cmpd="sng" algn="ctr">
+          <a:solidFill>
+            <a:schemeClr val="phClr"/>
+          </a:solidFill>
+          <a:prstDash val="solid"/>
+          <a:miter lim="800000"/>
+        </a:ln>
+        <a:ln w="12700" cap="flat" cmpd="sng" algn="ctr">
+          <a:solidFill>
+            <a:schemeClr val="phClr"/>
+          </a:solidFill>
+          <a:prstDash val="solid"/>
+          <a:miter lim="800000"/>
+        </a:ln>
+        <a:ln w="19050" cap="flat" cmpd="sng" algn="ctr">
+          <a:solidFill>
+            <a:schemeClr val="phClr"/>
+          </a:solidFill>
+          <a:prstDash val="solid"/>
+          <a:miter lim="800000"/>
+        </a:ln>
+      </a:lnStyleLst>
+      <a:effectStyleLst>
+        <a:effectStyle>
+          <a:effectLst/>
+        </a:effectStyle>
+        <a:effectStyle>
+          <a:effectLst/>
+        </a:effectStyle>
+        <a:effectStyle>
+          <a:effectLst>
+            <a:outerShdw blurRad="57150" dist="19050" dir="5400000" algn="ctr" rotWithShape="0">
+              <a:srgbClr val="000000">
+                <a:alpha val="63000"/>
+              </a:srgbClr>
+            </a:outerShdw>
+          </a:effectLst>
+        </a:effectStyle>
+      </a:effectStyleLst>
+      <a:bgFillStyleLst>
+        <a:solidFill>
+          <a:schemeClr val="phClr"/>
+        </a:solidFill>
+        <a:solidFill>
+          <a:schemeClr val="phClr">
+            <a:tint val="95000"/>
+            <a:satMod val="170000"/>
+          </a:schemeClr>
+        </a:solidFill>
+        <a:gradFill rotWithShape="1">
+          <a:gsLst>
+            <a:gs pos="0">
+              <a:schemeClr val="phClr">
+                <a:tint val="93000"/>
+                <a:satMod val="150000"/>
+                <a:shade val="98000"/>
+                <a:lumMod val="102000"/>
+              </a:schemeClr>
+            </a:gs>
+            <a:gs pos="50000">
+              <a:schemeClr val="phClr">
+                <a:tint val="98000"/>
+                <a:satMod val="130000"/>
+                <a:shade val="90000"/>
+                <a:lumMod val="103000"/>
+              </a:schemeClr>
+            </a:gs>
+            <a:gs pos="100000">
+              <a:schemeClr val="phClr">
+                <a:shade val="63000"/>
+                <a:satMod val="120000"/>
+              </a:schemeClr>
+            </a:gs>
+          </a:gsLst>
+          <a:lin ang="5400000" scaled="0"/>
+        </a:gradFill>
+      </a:bgFillStyleLst>
+    </a:fmtScheme>
+  </a:themeElements>
+  <a:objectDefaults/>
+  <a:extraClrSchemeLst/>
+  <a:extLst>
+    <a:ext uri="{05A4C25C-085E-4340-85A3-A5531E510DB2}">
+      <thm15:themeFamily xmlns:thm15="http://schemas.microsoft.com/office/thememl/2012/main" name="Office Theme" id="{62F939B6-93AF-4DB8-9C6B-D6C7DFDC589F}" vid="{4A3C46E8-61CC-4603-A589-7422A47A8E4A}"/>
+    </a:ext>
+  </a:extLst>
+</a:theme>
 </file>
--- a/Etourism1.pptx
+++ b/Etourism1.pptx
@@ -255,7 +255,7 @@
           <a:p>
             <a:fld id="{1E2B7F80-C8FB-4F6D-8D47-74FEEDC81DB7}" type="datetimeFigureOut">
               <a:rPr lang="de-DE" smtClean="0"/>
-              <a:t>07.07.2020</a:t>
+              <a:t>08.07.2020</a:t>
             </a:fld>
             <a:endParaRPr lang="de-DE"/>
           </a:p>
@@ -432,7 +432,7 @@
           <a:p>
             <a:fld id="{779DA85F-0A5D-44BC-A778-7E53C4BE819F}" type="datetimeFigureOut">
               <a:rPr lang="de-DE" smtClean="0"/>
-              <a:t>07.07.2020</a:t>
+              <a:t>08.07.2020</a:t>
             </a:fld>
             <a:endParaRPr lang="de-DE"/>
           </a:p>
@@ -1312,7 +1312,7 @@
           <a:p>
             <a:fld id="{747AD4B5-FC03-4B96-9D37-2241FB654AEA}" type="datetime1">
               <a:rPr lang="de-DE" smtClean="0"/>
-              <a:t>07.07.2020</a:t>
+              <a:t>08.07.2020</a:t>
             </a:fld>
             <a:endParaRPr lang="de-DE"/>
           </a:p>
@@ -1760,7 +1760,7 @@
           <a:p>
             <a:fld id="{080BC858-A114-46EE-8080-C23787978AAE}" type="datetime1">
               <a:rPr lang="de-DE" smtClean="0"/>
-              <a:t>07.07.2020</a:t>
+              <a:t>08.07.2020</a:t>
             </a:fld>
             <a:endParaRPr lang="de-DE"/>
           </a:p>
@@ -2019,7 +2019,7 @@
           <a:p>
             <a:fld id="{636D0561-ED05-49EC-A01E-3ADAC0822FC6}" type="datetime1">
               <a:rPr lang="de-DE" smtClean="0"/>
-              <a:t>07.07.2020</a:t>
+              <a:t>08.07.2020</a:t>
             </a:fld>
             <a:endParaRPr lang="de-DE"/>
           </a:p>
@@ -2348,7 +2348,7 @@
           <a:p>
             <a:fld id="{0F6EA4B7-6DDC-40A5-8BEB-698907B28A60}" type="datetime1">
               <a:rPr lang="de-DE" smtClean="0"/>
-              <a:t>07.07.2020</a:t>
+              <a:t>08.07.2020</a:t>
             </a:fld>
             <a:endParaRPr lang="de-DE"/>
           </a:p>
@@ -2677,7 +2677,7 @@
           <a:p>
             <a:fld id="{432EE7EB-5D97-4FC1-931B-37192B343EBB}" type="datetime1">
               <a:rPr lang="de-DE" smtClean="0"/>
-              <a:t>07.07.2020</a:t>
+              <a:t>08.07.2020</a:t>
             </a:fld>
             <a:endParaRPr lang="de-DE"/>
           </a:p>
@@ -2990,7 +2990,7 @@
           <a:p>
             <a:fld id="{FAB9B33F-01F8-43CB-8E98-E03A0FBFF054}" type="datetime1">
               <a:rPr lang="de-DE" smtClean="0"/>
-              <a:t>07.07.2020</a:t>
+              <a:t>08.07.2020</a:t>
             </a:fld>
             <a:endParaRPr lang="de-DE"/>
           </a:p>
@@ -3368,7 +3368,7 @@
           <a:p>
             <a:fld id="{97C8DADB-1BD1-490A-8AB6-B0996AFFEDA2}" type="datetime1">
               <a:rPr lang="de-DE" smtClean="0"/>
-              <a:t>07.07.2020</a:t>
+              <a:t>08.07.2020</a:t>
             </a:fld>
             <a:endParaRPr lang="de-DE"/>
           </a:p>
@@ -3553,7 +3553,7 @@
           <a:p>
             <a:fld id="{7D6CE794-7D88-4C3D-BA67-16BAFF44C1AD}" type="datetime1">
               <a:rPr lang="de-DE" smtClean="0"/>
-              <a:t>07.07.2020</a:t>
+              <a:t>08.07.2020</a:t>
             </a:fld>
             <a:endParaRPr lang="de-DE"/>
           </a:p>
@@ -3744,7 +3744,7 @@
           <a:p>
             <a:fld id="{AFA947B7-B2F2-4805-BF39-C472F6133B40}" type="datetime1">
               <a:rPr lang="de-DE" smtClean="0"/>
-              <a:t>07.07.2020</a:t>
+              <a:t>08.07.2020</a:t>
             </a:fld>
             <a:endParaRPr lang="de-DE"/>
           </a:p>
@@ -3961,7 +3961,7 @@
           <a:p>
             <a:fld id="{226F00DF-9212-4C10-8189-B5291B3584C1}" type="datetime1">
               <a:rPr lang="de-DE" smtClean="0"/>
-              <a:t>07.07.2020</a:t>
+              <a:t>08.07.2020</a:t>
             </a:fld>
             <a:endParaRPr lang="de-DE"/>
           </a:p>
@@ -4220,7 +4220,7 @@
           <a:p>
             <a:fld id="{69111DB7-5FFD-487B-9233-F98D6E71071D}" type="datetime1">
               <a:rPr lang="de-DE" smtClean="0"/>
-              <a:t>07.07.2020</a:t>
+              <a:t>08.07.2020</a:t>
             </a:fld>
             <a:endParaRPr lang="de-DE"/>
           </a:p>
@@ -4467,7 +4467,7 @@
           <a:p>
             <a:fld id="{AADC4C95-1055-4441-B122-EAC0313686F2}" type="datetime1">
               <a:rPr lang="de-DE" smtClean="0"/>
-              <a:t>07.07.2020</a:t>
+              <a:t>08.07.2020</a:t>
             </a:fld>
             <a:endParaRPr lang="de-DE"/>
           </a:p>
@@ -4860,7 +4860,7 @@
           <a:p>
             <a:fld id="{F8941516-F456-460E-846D-F9341CEDD81D}" type="datetime1">
               <a:rPr lang="de-DE" smtClean="0"/>
-              <a:t>07.07.2020</a:t>
+              <a:t>08.07.2020</a:t>
             </a:fld>
             <a:endParaRPr lang="de-DE"/>
           </a:p>
@@ -4989,7 +4989,7 @@
           <a:p>
             <a:fld id="{867E6EB3-C457-4011-9591-7416EBA37EDD}" type="datetime1">
               <a:rPr lang="de-DE" smtClean="0"/>
-              <a:t>07.07.2020</a:t>
+              <a:t>08.07.2020</a:t>
             </a:fld>
             <a:endParaRPr lang="de-DE"/>
           </a:p>
@@ -5095,7 +5095,7 @@
           <a:p>
             <a:fld id="{F6DDB215-D984-4802-9EC0-C968E2E5F781}" type="datetime1">
               <a:rPr lang="de-DE" smtClean="0"/>
-              <a:t>07.07.2020</a:t>
+              <a:t>08.07.2020</a:t>
             </a:fld>
             <a:endParaRPr lang="de-DE"/>
           </a:p>
@@ -5361,7 +5361,7 @@
           <a:p>
             <a:fld id="{12D1AE5A-A783-4807-A0C0-0B4AF47D9B61}" type="datetime1">
               <a:rPr lang="de-DE" smtClean="0"/>
-              <a:t>07.07.2020</a:t>
+              <a:t>08.07.2020</a:t>
             </a:fld>
             <a:endParaRPr lang="de-DE"/>
           </a:p>
@@ -5665,7 +5665,7 @@
           <a:p>
             <a:fld id="{FC1BE190-A6F7-4B0E-8A97-3C4D64A5A8A6}" type="datetime1">
               <a:rPr lang="de-DE" smtClean="0"/>
-              <a:t>07.07.2020</a:t>
+              <a:t>08.07.2020</a:t>
             </a:fld>
             <a:endParaRPr lang="de-DE"/>
           </a:p>
@@ -6072,7 +6072,7 @@
           <a:p>
             <a:fld id="{DD7EEA60-F3D7-4624-8CFC-BBD08773B304}" type="datetime1">
               <a:rPr lang="de-DE" smtClean="0"/>
-              <a:t>07.07.2020</a:t>
+              <a:t>08.07.2020</a:t>
             </a:fld>
             <a:endParaRPr lang="de-DE" dirty="0"/>
           </a:p>
@@ -6961,7 +6961,7 @@
         <p:spPr/>
         <p:txBody>
           <a:bodyPr>
-            <a:normAutofit fontScale="92500" lnSpcReduction="20000"/>
+            <a:normAutofit fontScale="92500" lnSpcReduction="10000"/>
           </a:bodyPr>
           <a:lstStyle/>
           <a:p>
@@ -6971,7 +6971,7 @@
             </a:pPr>
             <a:r>
               <a:rPr lang="de-DE" sz="1800" dirty="0"/>
-              <a:t>Ausgebautes WLAN</a:t>
+              <a:t>CRS zur Verbindung des Hotels mit externen Reisemittlern über ein Global Distribution System</a:t>
             </a:r>
           </a:p>
           <a:p>
@@ -6981,7 +6981,27 @@
             </a:pPr>
             <a:r>
               <a:rPr lang="de-DE" sz="1800" dirty="0"/>
-              <a:t>Moderne Kassensysteme wie Gastrofix</a:t>
+              <a:t>PMS: </a:t>
+            </a:r>
+          </a:p>
+          <a:p>
+            <a:pPr marL="742950" lvl="1" indent="-285750">
+              <a:buFont typeface="Courier New" panose="02070309020205020404" pitchFamily="49" charset="0"/>
+              <a:buChar char="o"/>
+            </a:pPr>
+            <a:r>
+              <a:rPr lang="de-DE" sz="1400" dirty="0"/>
+              <a:t>Check In/Out, Zimmerplanung, Hotelshops (Einzelhandel) und Sicherheitsmanagement</a:t>
+            </a:r>
+          </a:p>
+          <a:p>
+            <a:pPr marL="742950" lvl="1" indent="-285750">
+              <a:buFont typeface="Courier New" panose="02070309020205020404" pitchFamily="49" charset="0"/>
+              <a:buChar char="o"/>
+            </a:pPr>
+            <a:r>
+              <a:rPr lang="de-DE" sz="1400" dirty="0"/>
+              <a:t>Datensammlung ermöglicht Auswertungen wie  Konsumverhalten des Kunden</a:t>
             </a:r>
           </a:p>
           <a:p>
@@ -6991,34 +7011,11 @@
             </a:pPr>
             <a:r>
               <a:rPr lang="de-DE" sz="1800" dirty="0"/>
-              <a:t>CRS zur Verbindung des Hotels mit externen Reisemittlern über ein Global Distribution System</a:t>
-            </a:r>
-          </a:p>
-          <a:p>
-            <a:r>
-              <a:rPr lang="de-DE" sz="1800" dirty="0"/>
-              <a:t>PMS: </a:t>
-            </a:r>
-          </a:p>
-          <a:p>
-            <a:pPr marL="285750" indent="-285750">
-              <a:buFont typeface="Arial" panose="020B0604020202020204" pitchFamily="34" charset="0"/>
-              <a:buChar char="•"/>
-            </a:pPr>
-            <a:r>
-              <a:rPr lang="de-DE" sz="1800" dirty="0"/>
-              <a:t>Check In/Out, Zimmerplanung, Hotelshops (Einzelhandel) und Sicherheitsmanagement</a:t>
-            </a:r>
-          </a:p>
-          <a:p>
-            <a:pPr marL="285750" indent="-285750">
-              <a:buFont typeface="Arial" panose="020B0604020202020204" pitchFamily="34" charset="0"/>
-              <a:buChar char="•"/>
-            </a:pPr>
-            <a:r>
-              <a:rPr lang="de-DE" sz="1800" dirty="0"/>
-              <a:t>Datensammlung ermöglicht Auswertungen wie  Konsumverhalten des Kunden</a:t>
-            </a:r>
+              <a:t>Moderne Kassensysteme wie Gastrofix</a:t>
+            </a:r>
+          </a:p>
+          <a:p>
+            <a:endParaRPr lang="de-DE" sz="1800" dirty="0"/>
           </a:p>
           <a:p>
             <a:r>
@@ -7054,9 +7051,14 @@
           <a:lstStyle/>
           <a:p>
             <a:r>
-              <a:rPr lang="de-DE"/>
-              <a:t>Benjamin Swarovsky                                                                                                            eTourism</a:t>
-            </a:r>
+              <a:rPr lang="de-DE" dirty="0"/>
+              <a:t>Benjamin Swarovsky                                                                                                            </a:t>
+            </a:r>
+            <a:r>
+              <a:rPr lang="de-DE" dirty="0" err="1"/>
+              <a:t>eTourism</a:t>
+            </a:r>
+            <a:endParaRPr lang="de-DE" dirty="0"/>
           </a:p>
         </p:txBody>
       </p:sp>
@@ -8041,7 +8043,7 @@
         <p:spPr/>
         <p:txBody>
           <a:bodyPr>
-            <a:normAutofit fontScale="92500" lnSpcReduction="10000"/>
+            <a:normAutofit/>
           </a:bodyPr>
           <a:lstStyle/>
           <a:p>
@@ -8094,9 +8096,10 @@
               <a:buChar char="•"/>
             </a:pPr>
             <a:r>
-              <a:rPr lang="de-DE" dirty="0"/>
-              <a:t>Bildung und Einzelsteuerung von Buchungsklassen</a:t>
-            </a:r>
+              <a:rPr lang="de-DE" dirty="0" err="1"/>
+              <a:t>Nesting</a:t>
+            </a:r>
+            <a:endParaRPr lang="de-DE" dirty="0"/>
           </a:p>
           <a:p>
             <a:pPr marL="342900" indent="-342900">
@@ -8104,29 +8107,8 @@
               <a:buChar char="•"/>
             </a:pPr>
             <a:r>
-              <a:rPr lang="de-DE" dirty="0" err="1"/>
-              <a:t>Nesting</a:t>
-            </a:r>
-            <a:endParaRPr lang="de-DE" dirty="0"/>
-          </a:p>
-          <a:p>
-            <a:pPr marL="342900" indent="-342900">
-              <a:buFont typeface="Arial" panose="020B0604020202020204" pitchFamily="34" charset="0"/>
-              <a:buChar char="•"/>
-            </a:pPr>
-            <a:r>
               <a:rPr lang="de-DE" dirty="0"/>
               <a:t>Verkehrsstrombezogene Buchungsklassensteuerung</a:t>
-            </a:r>
-          </a:p>
-          <a:p>
-            <a:pPr marL="342900" indent="-342900">
-              <a:buFont typeface="Arial" panose="020B0604020202020204" pitchFamily="34" charset="0"/>
-              <a:buChar char="•"/>
-            </a:pPr>
-            <a:r>
-              <a:rPr lang="de-DE" dirty="0"/>
-              <a:t>Verkaufsursprungsbezogene Buchungsklassensteuerung</a:t>
             </a:r>
           </a:p>
         </p:txBody>
@@ -8220,7 +8202,7 @@
         </p:blipFill>
         <p:spPr>
           <a:xfrm>
-            <a:off x="6511853" y="3216099"/>
+            <a:off x="6676999" y="3581410"/>
             <a:ext cx="352778" cy="352778"/>
           </a:xfrm>
           <a:prstGeom prst="rect">
@@ -8230,10 +8212,10 @@
       </p:pic>
       <p:pic>
         <p:nvPicPr>
-          <p:cNvPr id="9" name="Grafik 8" descr="Balkendiagramm">
+          <p:cNvPr id="11" name="Grafik 10" descr="Chevron Pfeile">
             <a:extLst>
               <a:ext uri="{FF2B5EF4-FFF2-40B4-BE49-F238E27FC236}">
-                <a16:creationId xmlns:a16="http://schemas.microsoft.com/office/drawing/2014/main" id="{D316007B-FDCD-449D-984B-F2BFC49AD367}"/>
+                <a16:creationId xmlns:a16="http://schemas.microsoft.com/office/drawing/2014/main" id="{EB91DDED-5A38-4058-A998-AEB738EBE360}"/>
               </a:ext>
             </a:extLst>
           </p:cNvPr>
@@ -8259,8 +8241,8 @@
         </p:blipFill>
         <p:spPr>
           <a:xfrm>
-            <a:off x="6946014" y="4294888"/>
-            <a:ext cx="457199" cy="457199"/>
+            <a:off x="7524568" y="5243922"/>
+            <a:ext cx="457200" cy="457200"/>
           </a:xfrm>
           <a:prstGeom prst="rect">
             <a:avLst/>
@@ -8269,10 +8251,10 @@
       </p:pic>
       <p:pic>
         <p:nvPicPr>
-          <p:cNvPr id="11" name="Grafik 10" descr="Chevron Pfeile">
+          <p:cNvPr id="15" name="Grafik 14" descr="Hierarchie">
             <a:extLst>
               <a:ext uri="{FF2B5EF4-FFF2-40B4-BE49-F238E27FC236}">
-                <a16:creationId xmlns:a16="http://schemas.microsoft.com/office/drawing/2014/main" id="{EB91DDED-5A38-4058-A998-AEB738EBE360}"/>
+                <a16:creationId xmlns:a16="http://schemas.microsoft.com/office/drawing/2014/main" id="{04B5772F-DD89-47D9-8554-F00491C0C9EE}"/>
               </a:ext>
             </a:extLst>
           </p:cNvPr>
@@ -8298,8 +8280,8 @@
         </p:blipFill>
         <p:spPr>
           <a:xfrm>
-            <a:off x="7174613" y="5085021"/>
-            <a:ext cx="457200" cy="457200"/>
+            <a:off x="2124806" y="4766851"/>
+            <a:ext cx="457199" cy="457199"/>
           </a:xfrm>
           <a:prstGeom prst="rect">
             <a:avLst/>
@@ -8308,10 +8290,10 @@
       </p:pic>
       <p:pic>
         <p:nvPicPr>
-          <p:cNvPr id="13" name="Grafik 12" descr="Erdkugel Afrika und Europa">
+          <p:cNvPr id="21" name="Grafik 20" descr="Sanduhr">
             <a:extLst>
               <a:ext uri="{FF2B5EF4-FFF2-40B4-BE49-F238E27FC236}">
-                <a16:creationId xmlns:a16="http://schemas.microsoft.com/office/drawing/2014/main" id="{CA9F9100-D939-4973-8344-B27D18E436D1}"/>
+                <a16:creationId xmlns:a16="http://schemas.microsoft.com/office/drawing/2014/main" id="{B89E4BE3-8C1B-43A7-BDCC-90965C61ED7B}"/>
               </a:ext>
             </a:extLst>
           </p:cNvPr>
@@ -8337,8 +8319,8 @@
         </p:blipFill>
         <p:spPr>
           <a:xfrm>
-            <a:off x="7770812" y="5542221"/>
-            <a:ext cx="457200" cy="457199"/>
+            <a:off x="5162225" y="3934188"/>
+            <a:ext cx="352778" cy="352778"/>
           </a:xfrm>
           <a:prstGeom prst="rect">
             <a:avLst/>
@@ -8347,10 +8329,10 @@
       </p:pic>
       <p:pic>
         <p:nvPicPr>
-          <p:cNvPr id="15" name="Grafik 14" descr="Hierarchie">
+          <p:cNvPr id="27" name="Grafik 26" descr="Bett">
             <a:extLst>
               <a:ext uri="{FF2B5EF4-FFF2-40B4-BE49-F238E27FC236}">
-                <a16:creationId xmlns:a16="http://schemas.microsoft.com/office/drawing/2014/main" id="{04B5772F-DD89-47D9-8554-F00491C0C9EE}"/>
+                <a16:creationId xmlns:a16="http://schemas.microsoft.com/office/drawing/2014/main" id="{F15F1696-053D-48D2-85BF-142DAF8D964E}"/>
               </a:ext>
             </a:extLst>
           </p:cNvPr>
@@ -8376,7 +8358,7 @@
         </p:blipFill>
         <p:spPr>
           <a:xfrm>
-            <a:off x="2079650" y="4620095"/>
+            <a:off x="2926904" y="4391226"/>
             <a:ext cx="457199" cy="457199"/>
           </a:xfrm>
           <a:prstGeom prst="rect">
@@ -8386,10 +8368,10 @@
       </p:pic>
       <p:pic>
         <p:nvPicPr>
-          <p:cNvPr id="21" name="Grafik 20" descr="Sanduhr">
+          <p:cNvPr id="31" name="Grafik 30" descr="Kinder">
             <a:extLst>
               <a:ext uri="{FF2B5EF4-FFF2-40B4-BE49-F238E27FC236}">
-                <a16:creationId xmlns:a16="http://schemas.microsoft.com/office/drawing/2014/main" id="{B89E4BE3-8C1B-43A7-BDCC-90965C61ED7B}"/>
+                <a16:creationId xmlns:a16="http://schemas.microsoft.com/office/drawing/2014/main" id="{BEED96A5-3C40-4B76-B8C3-C6BCC640CF74}"/>
               </a:ext>
             </a:extLst>
           </p:cNvPr>
@@ -8415,85 +8397,7 @@
         </p:blipFill>
         <p:spPr>
           <a:xfrm>
-            <a:off x="4931350" y="3547696"/>
-            <a:ext cx="352778" cy="352778"/>
-          </a:xfrm>
-          <a:prstGeom prst="rect">
-            <a:avLst/>
-          </a:prstGeom>
-        </p:spPr>
-      </p:pic>
-      <p:pic>
-        <p:nvPicPr>
-          <p:cNvPr id="27" name="Grafik 26" descr="Bett">
-            <a:extLst>
-              <a:ext uri="{FF2B5EF4-FFF2-40B4-BE49-F238E27FC236}">
-                <a16:creationId xmlns:a16="http://schemas.microsoft.com/office/drawing/2014/main" id="{F15F1696-053D-48D2-85BF-142DAF8D964E}"/>
-              </a:ext>
-            </a:extLst>
-          </p:cNvPr>
-          <p:cNvPicPr>
-            <a:picLocks noChangeAspect="1"/>
-          </p:cNvPicPr>
-          <p:nvPr/>
-        </p:nvPicPr>
-        <p:blipFill>
-          <a:blip r:embed="rId14">
-            <a:extLst>
-              <a:ext uri="{28A0092B-C50C-407E-A947-70E740481C1C}">
-                <a14:useLocalDpi xmlns:a14="http://schemas.microsoft.com/office/drawing/2010/main" val="0"/>
-              </a:ext>
-              <a:ext uri="{96DAC541-7B7A-43D3-8B79-37D633B846F1}">
-                <asvg:svgBlip xmlns:asvg="http://schemas.microsoft.com/office/drawing/2016/SVG/main" r:embed="rId15"/>
-              </a:ext>
-            </a:extLst>
-          </a:blip>
-          <a:stretch>
-            <a:fillRect/>
-          </a:stretch>
-        </p:blipFill>
-        <p:spPr>
-          <a:xfrm>
-            <a:off x="2903847" y="3900474"/>
-            <a:ext cx="457199" cy="457199"/>
-          </a:xfrm>
-          <a:prstGeom prst="rect">
-            <a:avLst/>
-          </a:prstGeom>
-        </p:spPr>
-      </p:pic>
-      <p:pic>
-        <p:nvPicPr>
-          <p:cNvPr id="31" name="Grafik 30" descr="Kinder">
-            <a:extLst>
-              <a:ext uri="{FF2B5EF4-FFF2-40B4-BE49-F238E27FC236}">
-                <a16:creationId xmlns:a16="http://schemas.microsoft.com/office/drawing/2014/main" id="{BEED96A5-3C40-4B76-B8C3-C6BCC640CF74}"/>
-              </a:ext>
-            </a:extLst>
-          </p:cNvPr>
-          <p:cNvPicPr>
-            <a:picLocks noChangeAspect="1"/>
-          </p:cNvPicPr>
-          <p:nvPr/>
-        </p:nvPicPr>
-        <p:blipFill>
-          <a:blip r:embed="rId16">
-            <a:extLst>
-              <a:ext uri="{28A0092B-C50C-407E-A947-70E740481C1C}">
-                <a14:useLocalDpi xmlns:a14="http://schemas.microsoft.com/office/drawing/2010/main" val="0"/>
-              </a:ext>
-              <a:ext uri="{96DAC541-7B7A-43D3-8B79-37D633B846F1}">
-                <asvg:svgBlip xmlns:asvg="http://schemas.microsoft.com/office/drawing/2016/SVG/main" r:embed="rId17"/>
-              </a:ext>
-            </a:extLst>
-          </a:blip>
-          <a:stretch>
-            <a:fillRect/>
-          </a:stretch>
-        </p:blipFill>
-        <p:spPr>
-          <a:xfrm>
-            <a:off x="3488220" y="3848262"/>
+            <a:off x="3448191" y="4339014"/>
             <a:ext cx="561622" cy="561622"/>
           </a:xfrm>
           <a:prstGeom prst="rect">
@@ -9374,7 +9278,7 @@
         </p:spPr>
         <p:txBody>
           <a:bodyPr>
-            <a:normAutofit lnSpcReduction="10000"/>
+            <a:normAutofit/>
           </a:bodyPr>
           <a:lstStyle/>
           <a:p>
@@ -9429,7 +9333,7 @@
             </a:pPr>
             <a:r>
               <a:rPr lang="de-DE" sz="1900" dirty="0"/>
-              <a:t>Begutachtung des Reiseziels schon vor der Buchung möglich</a:t>
+              <a:t>Dreidimensionaler Urlaubskatalog</a:t>
             </a:r>
           </a:p>
           <a:p>
@@ -10697,10 +10601,9 @@
           <a:lstStyle/>
           <a:p>
             <a:r>
-              <a:rPr lang="de-DE"/>
+              <a:rPr lang="de-DE" dirty="0"/>
               <a:t>Gliederung</a:t>
             </a:r>
-            <a:endParaRPr lang="de-DE" dirty="0"/>
           </a:p>
         </p:txBody>
       </p:sp>
@@ -10735,7 +10638,7 @@
               <a:buChar char="•"/>
             </a:pPr>
             <a:r>
-              <a:rPr lang="de-DE"/>
+              <a:rPr lang="de-DE" dirty="0"/>
               <a:t>Problemstellung</a:t>
             </a:r>
           </a:p>
@@ -10745,8 +10648,8 @@
               <a:buChar char="•"/>
             </a:pPr>
             <a:r>
-              <a:rPr lang="de-DE"/>
-              <a:t>Begriffserklärung eTourism</a:t>
+              <a:rPr lang="de-DE" dirty="0"/>
+              <a:t>Begriffserklärung </a:t>
             </a:r>
           </a:p>
           <a:p>
@@ -10755,7 +10658,7 @@
               <a:buChar char="•"/>
             </a:pPr>
             <a:r>
-              <a:rPr lang="de-DE"/>
+              <a:rPr lang="de-DE" dirty="0"/>
               <a:t>Einteilung des Tourismus</a:t>
             </a:r>
           </a:p>
@@ -10765,7 +10668,7 @@
               <a:buChar char="•"/>
             </a:pPr>
             <a:r>
-              <a:rPr lang="de-DE"/>
+              <a:rPr lang="de-DE" dirty="0"/>
               <a:t>Systeme</a:t>
             </a:r>
           </a:p>
@@ -10775,8 +10678,8 @@
               <a:buChar char="•"/>
             </a:pPr>
             <a:r>
-              <a:rPr lang="de-DE"/>
-              <a:t>Zukunftsaussichten</a:t>
+              <a:rPr lang="de-DE" dirty="0"/>
+              <a:t>Zukunftsaussichten und Trends</a:t>
             </a:r>
           </a:p>
           <a:p>
@@ -10785,7 +10688,7 @@
               <a:buChar char="•"/>
             </a:pPr>
             <a:r>
-              <a:rPr lang="de-DE"/>
+              <a:rPr lang="de-DE" dirty="0"/>
               <a:t>Fazit</a:t>
             </a:r>
           </a:p>
@@ -10795,7 +10698,7 @@
               <a:buChar char="•"/>
             </a:pPr>
             <a:r>
-              <a:rPr lang="de-DE"/>
+              <a:rPr lang="de-DE" dirty="0"/>
               <a:t>Quellen</a:t>
             </a:r>
           </a:p>
@@ -10804,7 +10707,7 @@
               <a:buFont typeface="Arial" panose="020B0604020202020204" pitchFamily="34" charset="0"/>
               <a:buChar char="•"/>
             </a:pPr>
-            <a:endParaRPr lang="de-DE"/>
+            <a:endParaRPr lang="de-DE" dirty="0"/>
           </a:p>
           <a:p>
             <a:pPr marL="342900" indent="-342900">
@@ -12417,8 +12320,13 @@
             </a:pPr>
             <a:r>
               <a:rPr lang="de-DE" sz="1800" dirty="0"/>
-              <a:t>Planung von Abläufen wie für Flugzeugabfertigung sowohl kurz- als auch langfristig, kommen Planungs- Dispositions- und Administrationssystemen zum Einsatz</a:t>
-            </a:r>
+              <a:t>Planungs- Dispositions- und Administrationssystemen planen Abläufe wie Flugzeugabfertigung oder </a:t>
+            </a:r>
+            <a:r>
+              <a:rPr lang="de-DE" sz="1800" dirty="0" err="1"/>
+              <a:t>Resourcenverteilung</a:t>
+            </a:r>
+            <a:endParaRPr lang="de-DE" sz="1800" dirty="0"/>
           </a:p>
           <a:p>
             <a:pPr marL="285750" indent="-285750">
@@ -12427,10 +12335,8 @@
             </a:pPr>
             <a:r>
               <a:rPr lang="de-DE" sz="1800" dirty="0"/>
-              <a:t>Passagierleitsysteme betrachten Großflächig Verkehr um Bereich des Flughafens</a:t>
-            </a:r>
-          </a:p>
-          <a:p>
+              <a:t>Basisinfrastrukturdienste Steuern und überwachen Objekte auf dem Flughafengelände wie Fahrzeuge, Personen, Gepäck</a:t>
+            </a:r>
             <a:endParaRPr lang="de-DE" sz="2400" dirty="0"/>
           </a:p>
         </p:txBody>
@@ -12639,8 +12545,16 @@
               <a:rPr lang="de-DE" dirty="0"/>
             </a:br>
             <a:r>
+              <a:rPr lang="de-DE" dirty="0"/>
+              <a:t>Fluggesellschaften (</a:t>
+            </a:r>
+            <a:r>
               <a:rPr lang="de-DE" dirty="0" err="1"/>
               <a:t>Inflight</a:t>
+            </a:r>
+            <a:r>
+              <a:rPr lang="de-DE" dirty="0"/>
+              <a:t>)</a:t>
             </a:r>
             <a:br>
               <a:rPr lang="de-DE" dirty="0"/>
